--- a/tmp_PPT.pptx
+++ b/tmp_PPT.pptx
@@ -15,6 +15,8 @@
     <p:sldId id="263" r:id="rId9"/>
     <p:sldId id="264" r:id="rId10"/>
     <p:sldId id="265" r:id="rId11"/>
+    <p:sldId id="266" r:id="rId12"/>
+    <p:sldId id="267" r:id="rId13"/>
   </p:sldIdLst>
   <p:sldSz cx="12192000" cy="6858000"/>
   <p:notesSz cx="6858000" cy="9144000"/>
@@ -252,7 +254,7 @@
           <a:p>
             <a:fld id="{D98389CA-85B3-42E7-944C-9CD846B27FE3}" type="datetimeFigureOut">
               <a:rPr lang="zh-CN" altLang="en-US" smtClean="0"/>
-              <a:t>2021/10/26</a:t>
+              <a:t>2021/10/27</a:t>
             </a:fld>
             <a:endParaRPr lang="zh-CN" altLang="en-US"/>
           </a:p>
@@ -422,7 +424,7 @@
           <a:p>
             <a:fld id="{D98389CA-85B3-42E7-944C-9CD846B27FE3}" type="datetimeFigureOut">
               <a:rPr lang="zh-CN" altLang="en-US" smtClean="0"/>
-              <a:t>2021/10/26</a:t>
+              <a:t>2021/10/27</a:t>
             </a:fld>
             <a:endParaRPr lang="zh-CN" altLang="en-US"/>
           </a:p>
@@ -602,7 +604,7 @@
           <a:p>
             <a:fld id="{D98389CA-85B3-42E7-944C-9CD846B27FE3}" type="datetimeFigureOut">
               <a:rPr lang="zh-CN" altLang="en-US" smtClean="0"/>
-              <a:t>2021/10/26</a:t>
+              <a:t>2021/10/27</a:t>
             </a:fld>
             <a:endParaRPr lang="zh-CN" altLang="en-US"/>
           </a:p>
@@ -772,7 +774,7 @@
           <a:p>
             <a:fld id="{D98389CA-85B3-42E7-944C-9CD846B27FE3}" type="datetimeFigureOut">
               <a:rPr lang="zh-CN" altLang="en-US" smtClean="0"/>
-              <a:t>2021/10/26</a:t>
+              <a:t>2021/10/27</a:t>
             </a:fld>
             <a:endParaRPr lang="zh-CN" altLang="en-US"/>
           </a:p>
@@ -1018,7 +1020,7 @@
           <a:p>
             <a:fld id="{D98389CA-85B3-42E7-944C-9CD846B27FE3}" type="datetimeFigureOut">
               <a:rPr lang="zh-CN" altLang="en-US" smtClean="0"/>
-              <a:t>2021/10/26</a:t>
+              <a:t>2021/10/27</a:t>
             </a:fld>
             <a:endParaRPr lang="zh-CN" altLang="en-US"/>
           </a:p>
@@ -1250,7 +1252,7 @@
           <a:p>
             <a:fld id="{D98389CA-85B3-42E7-944C-9CD846B27FE3}" type="datetimeFigureOut">
               <a:rPr lang="zh-CN" altLang="en-US" smtClean="0"/>
-              <a:t>2021/10/26</a:t>
+              <a:t>2021/10/27</a:t>
             </a:fld>
             <a:endParaRPr lang="zh-CN" altLang="en-US"/>
           </a:p>
@@ -1617,7 +1619,7 @@
           <a:p>
             <a:fld id="{D98389CA-85B3-42E7-944C-9CD846B27FE3}" type="datetimeFigureOut">
               <a:rPr lang="zh-CN" altLang="en-US" smtClean="0"/>
-              <a:t>2021/10/26</a:t>
+              <a:t>2021/10/27</a:t>
             </a:fld>
             <a:endParaRPr lang="zh-CN" altLang="en-US"/>
           </a:p>
@@ -1735,7 +1737,7 @@
           <a:p>
             <a:fld id="{D98389CA-85B3-42E7-944C-9CD846B27FE3}" type="datetimeFigureOut">
               <a:rPr lang="zh-CN" altLang="en-US" smtClean="0"/>
-              <a:t>2021/10/26</a:t>
+              <a:t>2021/10/27</a:t>
             </a:fld>
             <a:endParaRPr lang="zh-CN" altLang="en-US"/>
           </a:p>
@@ -1830,7 +1832,7 @@
           <a:p>
             <a:fld id="{D98389CA-85B3-42E7-944C-9CD846B27FE3}" type="datetimeFigureOut">
               <a:rPr lang="zh-CN" altLang="en-US" smtClean="0"/>
-              <a:t>2021/10/26</a:t>
+              <a:t>2021/10/27</a:t>
             </a:fld>
             <a:endParaRPr lang="zh-CN" altLang="en-US"/>
           </a:p>
@@ -2107,7 +2109,7 @@
           <a:p>
             <a:fld id="{D98389CA-85B3-42E7-944C-9CD846B27FE3}" type="datetimeFigureOut">
               <a:rPr lang="zh-CN" altLang="en-US" smtClean="0"/>
-              <a:t>2021/10/26</a:t>
+              <a:t>2021/10/27</a:t>
             </a:fld>
             <a:endParaRPr lang="zh-CN" altLang="en-US"/>
           </a:p>
@@ -2360,7 +2362,7 @@
           <a:p>
             <a:fld id="{D98389CA-85B3-42E7-944C-9CD846B27FE3}" type="datetimeFigureOut">
               <a:rPr lang="zh-CN" altLang="en-US" smtClean="0"/>
-              <a:t>2021/10/26</a:t>
+              <a:t>2021/10/27</a:t>
             </a:fld>
             <a:endParaRPr lang="zh-CN" altLang="en-US"/>
           </a:p>
@@ -2573,7 +2575,7 @@
           <a:p>
             <a:fld id="{D98389CA-85B3-42E7-944C-9CD846B27FE3}" type="datetimeFigureOut">
               <a:rPr lang="zh-CN" altLang="en-US" smtClean="0"/>
-              <a:t>2021/10/26</a:t>
+              <a:t>2021/10/27</a:t>
             </a:fld>
             <a:endParaRPr lang="zh-CN" altLang="en-US"/>
           </a:p>
@@ -6422,10 +6424,15 @@
           <a:prstGeom prst="rect">
             <a:avLst/>
           </a:prstGeom>
-          <a:noFill/>
+          <a:solidFill>
+            <a:schemeClr val="accent2">
+              <a:lumMod val="20000"/>
+              <a:lumOff val="80000"/>
+            </a:schemeClr>
+          </a:solidFill>
           <a:ln>
             <a:solidFill>
-              <a:srgbClr val="002060"/>
+              <a:srgbClr val="FF0000"/>
             </a:solidFill>
           </a:ln>
         </p:spPr>
@@ -6471,10 +6478,15 @@
           <a:prstGeom prst="rect">
             <a:avLst/>
           </a:prstGeom>
-          <a:noFill/>
+          <a:solidFill>
+            <a:schemeClr val="accent2">
+              <a:lumMod val="20000"/>
+              <a:lumOff val="80000"/>
+            </a:schemeClr>
+          </a:solidFill>
           <a:ln>
             <a:solidFill>
-              <a:srgbClr val="002060"/>
+              <a:srgbClr val="FF0000"/>
             </a:solidFill>
           </a:ln>
         </p:spPr>
@@ -6649,10 +6661,15 @@
           <a:prstGeom prst="rect">
             <a:avLst/>
           </a:prstGeom>
-          <a:noFill/>
+          <a:solidFill>
+            <a:schemeClr val="accent2">
+              <a:lumMod val="20000"/>
+              <a:lumOff val="80000"/>
+            </a:schemeClr>
+          </a:solidFill>
           <a:ln>
             <a:solidFill>
-              <a:srgbClr val="002060"/>
+              <a:srgbClr val="FF0000"/>
             </a:solidFill>
           </a:ln>
         </p:spPr>
@@ -7905,53 +7922,46 @@
               <a:t>可以有很多个，每个</a:t>
             </a:r>
             <a:r>
+              <a:rPr lang="en-US" altLang="zh-CN" sz="1400" smtClean="0">
+                <a:latin typeface="华文楷体" panose="02010600040101010101" pitchFamily="2" charset="-122"/>
+                <a:ea typeface="华文楷体" panose="02010600040101010101" pitchFamily="2" charset="-122"/>
+              </a:rPr>
+              <a:t>PDU</a:t>
+            </a:r>
+            <a:r>
+              <a:rPr lang="zh-CN" altLang="en-US" sz="1400" smtClean="0">
+                <a:latin typeface="华文楷体" panose="02010600040101010101" pitchFamily="2" charset="-122"/>
+                <a:ea typeface="华文楷体" panose="02010600040101010101" pitchFamily="2" charset="-122"/>
+              </a:rPr>
+              <a:t>有</a:t>
+            </a:r>
+            <a:r>
+              <a:rPr lang="en-US" altLang="zh-CN" sz="1400" smtClean="0">
+                <a:latin typeface="华文楷体" panose="02010600040101010101" pitchFamily="2" charset="-122"/>
+                <a:ea typeface="华文楷体" panose="02010600040101010101" pitchFamily="2" charset="-122"/>
+              </a:rPr>
+              <a:t>6</a:t>
+            </a:r>
+            <a:r>
+              <a:rPr lang="zh-CN" altLang="en-US" sz="1400">
+                <a:latin typeface="华文楷体" panose="02010600040101010101" pitchFamily="2" charset="-122"/>
+                <a:ea typeface="华文楷体" panose="02010600040101010101" pitchFamily="2" charset="-122"/>
+              </a:rPr>
+              <a:t>个继电器（实际的</a:t>
+            </a:r>
+            <a:r>
               <a:rPr lang="en-US" altLang="zh-CN" sz="1400">
                 <a:latin typeface="华文楷体" panose="02010600040101010101" pitchFamily="2" charset="-122"/>
                 <a:ea typeface="华文楷体" panose="02010600040101010101" pitchFamily="2" charset="-122"/>
               </a:rPr>
-              <a:t>PDU</a:t>
+              <a:t>6</a:t>
             </a:r>
             <a:r>
               <a:rPr lang="zh-CN" altLang="en-US" sz="1400">
                 <a:latin typeface="华文楷体" panose="02010600040101010101" pitchFamily="2" charset="-122"/>
                 <a:ea typeface="华文楷体" panose="02010600040101010101" pitchFamily="2" charset="-122"/>
               </a:rPr>
-              <a:t>可以控制</a:t>
-            </a:r>
-            <a:r>
-              <a:rPr lang="en-US" altLang="zh-CN" sz="1400">
-                <a:latin typeface="华文楷体" panose="02010600040101010101" pitchFamily="2" charset="-122"/>
-                <a:ea typeface="华文楷体" panose="02010600040101010101" pitchFamily="2" charset="-122"/>
-              </a:rPr>
-              <a:t>6</a:t>
-            </a:r>
-            <a:r>
-              <a:rPr lang="zh-CN" altLang="en-US" sz="1400">
-                <a:latin typeface="华文楷体" panose="02010600040101010101" pitchFamily="2" charset="-122"/>
-                <a:ea typeface="华文楷体" panose="02010600040101010101" pitchFamily="2" charset="-122"/>
-              </a:rPr>
-              <a:t>个继电器（实际的</a:t>
-            </a:r>
-            <a:r>
-              <a:rPr lang="en-US" altLang="zh-CN" sz="1400">
-                <a:latin typeface="华文楷体" panose="02010600040101010101" pitchFamily="2" charset="-122"/>
-                <a:ea typeface="华文楷体" panose="02010600040101010101" pitchFamily="2" charset="-122"/>
-              </a:rPr>
-              <a:t>6</a:t>
-            </a:r>
-            <a:r>
-              <a:rPr lang="zh-CN" altLang="en-US" sz="1400">
-                <a:latin typeface="华文楷体" panose="02010600040101010101" pitchFamily="2" charset="-122"/>
-                <a:ea typeface="华文楷体" panose="02010600040101010101" pitchFamily="2" charset="-122"/>
-              </a:rPr>
-              <a:t>个</a:t>
-            </a:r>
-            <a:r>
-              <a:rPr lang="zh-CN" altLang="en-US" sz="1400">
-                <a:latin typeface="华文楷体" panose="02010600040101010101" pitchFamily="2" charset="-122"/>
-                <a:ea typeface="华文楷体" panose="02010600040101010101" pitchFamily="2" charset="-122"/>
-              </a:rPr>
-              <a:t>），</a:t>
+              <a:t>个），</a:t>
             </a:r>
             <a:r>
               <a:rPr lang="zh-CN" altLang="en-US" sz="1400" smtClean="0">
@@ -8044,11 +8054,25 @@
               <a:t>PDU</a:t>
             </a:r>
             <a:r>
+              <a:rPr lang="zh-CN" altLang="en-US" sz="1400">
+                <a:latin typeface="华文楷体" panose="02010600040101010101" pitchFamily="2" charset="-122"/>
+                <a:ea typeface="华文楷体" panose="02010600040101010101" pitchFamily="2" charset="-122"/>
+              </a:rPr>
+              <a:t>连接</a:t>
+            </a:r>
+            <a:r>
               <a:rPr lang="zh-CN" altLang="en-US" sz="1400" smtClean="0">
                 <a:latin typeface="华文楷体" panose="02010600040101010101" pitchFamily="2" charset="-122"/>
                 <a:ea typeface="华文楷体" panose="02010600040101010101" pitchFamily="2" charset="-122"/>
               </a:rPr>
-              <a:t>控制，依次</a:t>
+              <a:t>，</a:t>
+            </a:r>
+            <a:r>
+              <a:rPr lang="zh-CN" altLang="en-US" sz="1400" smtClean="0">
+                <a:latin typeface="华文楷体" panose="02010600040101010101" pitchFamily="2" charset="-122"/>
+                <a:ea typeface="华文楷体" panose="02010600040101010101" pitchFamily="2" charset="-122"/>
+              </a:rPr>
+              <a:t>依次</a:t>
             </a:r>
             <a:r>
               <a:rPr lang="zh-CN" altLang="en-US" sz="1400">
@@ -8107,11 +8131,18 @@
               <a:t>PDU</a:t>
             </a:r>
             <a:r>
+              <a:rPr lang="zh-CN" altLang="en-US" sz="1400">
+                <a:latin typeface="华文楷体" panose="02010600040101010101" pitchFamily="2" charset="-122"/>
+                <a:ea typeface="华文楷体" panose="02010600040101010101" pitchFamily="2" charset="-122"/>
+              </a:rPr>
+              <a:t>连接</a:t>
+            </a:r>
+            <a:r>
               <a:rPr lang="zh-CN" altLang="en-US" sz="1400" smtClean="0">
                 <a:latin typeface="华文楷体" panose="02010600040101010101" pitchFamily="2" charset="-122"/>
                 <a:ea typeface="华文楷体" panose="02010600040101010101" pitchFamily="2" charset="-122"/>
               </a:rPr>
-              <a:t>控制，</a:t>
+              <a:t>，</a:t>
             </a:r>
             <a:r>
               <a:rPr lang="en-US" altLang="zh-CN" sz="1400" smtClean="0">
@@ -8149,11 +8180,18 @@
               <a:t>PDU</a:t>
             </a:r>
             <a:r>
+              <a:rPr lang="zh-CN" altLang="en-US" sz="1400">
+                <a:latin typeface="华文楷体" panose="02010600040101010101" pitchFamily="2" charset="-122"/>
+                <a:ea typeface="华文楷体" panose="02010600040101010101" pitchFamily="2" charset="-122"/>
+              </a:rPr>
+              <a:t>连接</a:t>
+            </a:r>
+            <a:r>
               <a:rPr lang="zh-CN" altLang="en-US" sz="1400" smtClean="0">
                 <a:latin typeface="华文楷体" panose="02010600040101010101" pitchFamily="2" charset="-122"/>
                 <a:ea typeface="华文楷体" panose="02010600040101010101" pitchFamily="2" charset="-122"/>
               </a:rPr>
-              <a:t>控制；</a:t>
+              <a:t>；</a:t>
             </a:r>
             <a:endParaRPr lang="en-US" altLang="zh-CN" sz="1400" smtClean="0">
               <a:latin typeface="华文楷体" panose="02010600040101010101" pitchFamily="2" charset="-122"/>
@@ -8173,7 +8211,14 @@
                 <a:latin typeface="华文楷体" panose="02010600040101010101" pitchFamily="2" charset="-122"/>
                 <a:ea typeface="华文楷体" panose="02010600040101010101" pitchFamily="2" charset="-122"/>
               </a:rPr>
-              <a:t>、美标的</a:t>
+              <a:t>、美</a:t>
+            </a:r>
+            <a:r>
+              <a:rPr lang="zh-CN" altLang="en-US" sz="1400" smtClean="0">
+                <a:latin typeface="华文楷体" panose="02010600040101010101" pitchFamily="2" charset="-122"/>
+                <a:ea typeface="华文楷体" panose="02010600040101010101" pitchFamily="2" charset="-122"/>
+              </a:rPr>
+              <a:t>标没有用到</a:t>
             </a:r>
             <a:r>
               <a:rPr lang="en-US" altLang="zh-CN" sz="1400" smtClean="0">
@@ -8187,21 +8232,7 @@
                 <a:latin typeface="华文楷体" panose="02010600040101010101" pitchFamily="2" charset="-122"/>
                 <a:ea typeface="华文楷体" panose="02010600040101010101" pitchFamily="2" charset="-122"/>
               </a:rPr>
-              <a:t>架构与欧标的</a:t>
-            </a:r>
-            <a:r>
-              <a:rPr lang="en-US" altLang="zh-CN" sz="1400" smtClean="0">
-                <a:latin typeface="华文楷体" panose="02010600040101010101" pitchFamily="2" charset="-122"/>
-                <a:ea typeface="华文楷体" panose="02010600040101010101" pitchFamily="2" charset="-122"/>
-              </a:rPr>
-              <a:t>PDU</a:t>
-            </a:r>
-            <a:r>
-              <a:rPr lang="zh-CN" altLang="en-US" sz="1400" smtClean="0">
-                <a:latin typeface="华文楷体" panose="02010600040101010101" pitchFamily="2" charset="-122"/>
-                <a:ea typeface="华文楷体" panose="02010600040101010101" pitchFamily="2" charset="-122"/>
-              </a:rPr>
-              <a:t>架构不一样；</a:t>
+              <a:t>；</a:t>
             </a:r>
             <a:endParaRPr lang="zh-CN" altLang="en-US" sz="1400">
               <a:latin typeface="华文楷体" panose="02010600040101010101" pitchFamily="2" charset="-122"/>
@@ -8362,6 +8393,6726 @@
     <p:extLst>
       <p:ext uri="{BB962C8B-B14F-4D97-AF65-F5344CB8AC3E}">
         <p14:creationId xmlns:p14="http://schemas.microsoft.com/office/powerpoint/2010/main" val="185298685"/>
+      </p:ext>
+    </p:extLst>
+  </p:cSld>
+  <p:clrMapOvr>
+    <a:masterClrMapping/>
+  </p:clrMapOvr>
+</p:sld>
+</file>
+
+<file path=ppt/slides/slide11.xml><?xml version="1.0" encoding="utf-8"?>
+<p:sld xmlns:a="http://schemas.openxmlformats.org/drawingml/2006/main" xmlns:r="http://schemas.openxmlformats.org/officeDocument/2006/relationships" xmlns:p="http://schemas.openxmlformats.org/presentationml/2006/main">
+  <p:cSld>
+    <p:spTree>
+      <p:nvGrpSpPr>
+        <p:cNvPr id="1" name=""/>
+        <p:cNvGrpSpPr/>
+        <p:nvPr/>
+      </p:nvGrpSpPr>
+      <p:grpSpPr>
+        <a:xfrm>
+          <a:off x="0" y="0"/>
+          <a:ext cx="0" cy="0"/>
+          <a:chOff x="0" y="0"/>
+          <a:chExt cx="0" cy="0"/>
+        </a:xfrm>
+      </p:grpSpPr>
+      <p:sp>
+        <p:nvSpPr>
+          <p:cNvPr id="2" name="矩形 1"/>
+          <p:cNvSpPr/>
+          <p:nvPr/>
+        </p:nvSpPr>
+        <p:spPr>
+          <a:xfrm>
+            <a:off x="1343609" y="2948473"/>
+            <a:ext cx="158620" cy="326572"/>
+          </a:xfrm>
+          <a:prstGeom prst="rect">
+            <a:avLst/>
+          </a:prstGeom>
+        </p:spPr>
+        <p:style>
+          <a:lnRef idx="2">
+            <a:schemeClr val="accent1">
+              <a:shade val="50000"/>
+            </a:schemeClr>
+          </a:lnRef>
+          <a:fillRef idx="1">
+            <a:schemeClr val="accent1"/>
+          </a:fillRef>
+          <a:effectRef idx="0">
+            <a:schemeClr val="accent1"/>
+          </a:effectRef>
+          <a:fontRef idx="minor">
+            <a:schemeClr val="lt1"/>
+          </a:fontRef>
+        </p:style>
+        <p:txBody>
+          <a:bodyPr rtlCol="0" anchor="ctr"/>
+          <a:lstStyle/>
+          <a:p>
+            <a:pPr algn="ctr"/>
+            <a:endParaRPr lang="zh-CN" altLang="en-US"/>
+          </a:p>
+        </p:txBody>
+      </p:sp>
+      <p:cxnSp>
+        <p:nvCxnSpPr>
+          <p:cNvPr id="4" name="直接连接符 3"/>
+          <p:cNvCxnSpPr>
+            <a:stCxn id="2" idx="0"/>
+          </p:cNvCxnSpPr>
+          <p:nvPr/>
+        </p:nvCxnSpPr>
+        <p:spPr>
+          <a:xfrm flipH="1" flipV="1">
+            <a:off x="1420742" y="2673648"/>
+            <a:ext cx="2177" cy="274825"/>
+          </a:xfrm>
+          <a:prstGeom prst="line">
+            <a:avLst/>
+          </a:prstGeom>
+        </p:spPr>
+        <p:style>
+          <a:lnRef idx="1">
+            <a:schemeClr val="accent1"/>
+          </a:lnRef>
+          <a:fillRef idx="0">
+            <a:schemeClr val="accent1"/>
+          </a:fillRef>
+          <a:effectRef idx="0">
+            <a:schemeClr val="accent1"/>
+          </a:effectRef>
+          <a:fontRef idx="minor">
+            <a:schemeClr val="tx1"/>
+          </a:fontRef>
+        </p:style>
+      </p:cxnSp>
+      <p:cxnSp>
+        <p:nvCxnSpPr>
+          <p:cNvPr id="6" name="直接连接符 5"/>
+          <p:cNvCxnSpPr/>
+          <p:nvPr/>
+        </p:nvCxnSpPr>
+        <p:spPr>
+          <a:xfrm flipH="1" flipV="1">
+            <a:off x="1420742" y="3275045"/>
+            <a:ext cx="2177" cy="274825"/>
+          </a:xfrm>
+          <a:prstGeom prst="line">
+            <a:avLst/>
+          </a:prstGeom>
+        </p:spPr>
+        <p:style>
+          <a:lnRef idx="1">
+            <a:schemeClr val="accent1"/>
+          </a:lnRef>
+          <a:fillRef idx="0">
+            <a:schemeClr val="accent1"/>
+          </a:fillRef>
+          <a:effectRef idx="0">
+            <a:schemeClr val="accent1"/>
+          </a:effectRef>
+          <a:fontRef idx="minor">
+            <a:schemeClr val="tx1"/>
+          </a:fontRef>
+        </p:style>
+      </p:cxnSp>
+      <p:sp>
+        <p:nvSpPr>
+          <p:cNvPr id="7" name="矩形 6"/>
+          <p:cNvSpPr/>
+          <p:nvPr/>
+        </p:nvSpPr>
+        <p:spPr>
+          <a:xfrm>
+            <a:off x="11112138" y="2948473"/>
+            <a:ext cx="158620" cy="326572"/>
+          </a:xfrm>
+          <a:prstGeom prst="rect">
+            <a:avLst/>
+          </a:prstGeom>
+        </p:spPr>
+        <p:style>
+          <a:lnRef idx="2">
+            <a:schemeClr val="accent1">
+              <a:shade val="50000"/>
+            </a:schemeClr>
+          </a:lnRef>
+          <a:fillRef idx="1">
+            <a:schemeClr val="accent1"/>
+          </a:fillRef>
+          <a:effectRef idx="0">
+            <a:schemeClr val="accent1"/>
+          </a:effectRef>
+          <a:fontRef idx="minor">
+            <a:schemeClr val="lt1"/>
+          </a:fontRef>
+        </p:style>
+        <p:txBody>
+          <a:bodyPr rtlCol="0" anchor="ctr"/>
+          <a:lstStyle/>
+          <a:p>
+            <a:pPr algn="ctr"/>
+            <a:endParaRPr lang="zh-CN" altLang="en-US"/>
+          </a:p>
+        </p:txBody>
+      </p:sp>
+      <p:cxnSp>
+        <p:nvCxnSpPr>
+          <p:cNvPr id="8" name="直接连接符 7"/>
+          <p:cNvCxnSpPr>
+            <a:stCxn id="7" idx="0"/>
+          </p:cNvCxnSpPr>
+          <p:nvPr/>
+        </p:nvCxnSpPr>
+        <p:spPr>
+          <a:xfrm flipH="1" flipV="1">
+            <a:off x="11189271" y="2673648"/>
+            <a:ext cx="2177" cy="274825"/>
+          </a:xfrm>
+          <a:prstGeom prst="line">
+            <a:avLst/>
+          </a:prstGeom>
+        </p:spPr>
+        <p:style>
+          <a:lnRef idx="1">
+            <a:schemeClr val="accent1"/>
+          </a:lnRef>
+          <a:fillRef idx="0">
+            <a:schemeClr val="accent1"/>
+          </a:fillRef>
+          <a:effectRef idx="0">
+            <a:schemeClr val="accent1"/>
+          </a:effectRef>
+          <a:fontRef idx="minor">
+            <a:schemeClr val="tx1"/>
+          </a:fontRef>
+        </p:style>
+      </p:cxnSp>
+      <p:cxnSp>
+        <p:nvCxnSpPr>
+          <p:cNvPr id="9" name="直接连接符 8"/>
+          <p:cNvCxnSpPr/>
+          <p:nvPr/>
+        </p:nvCxnSpPr>
+        <p:spPr>
+          <a:xfrm flipH="1" flipV="1">
+            <a:off x="11189271" y="3275045"/>
+            <a:ext cx="2177" cy="274825"/>
+          </a:xfrm>
+          <a:prstGeom prst="line">
+            <a:avLst/>
+          </a:prstGeom>
+        </p:spPr>
+        <p:style>
+          <a:lnRef idx="1">
+            <a:schemeClr val="accent1"/>
+          </a:lnRef>
+          <a:fillRef idx="0">
+            <a:schemeClr val="accent1"/>
+          </a:fillRef>
+          <a:effectRef idx="0">
+            <a:schemeClr val="accent1"/>
+          </a:effectRef>
+          <a:fontRef idx="minor">
+            <a:schemeClr val="tx1"/>
+          </a:fontRef>
+        </p:style>
+      </p:cxnSp>
+      <p:cxnSp>
+        <p:nvCxnSpPr>
+          <p:cNvPr id="12" name="直接连接符 11"/>
+          <p:cNvCxnSpPr/>
+          <p:nvPr/>
+        </p:nvCxnSpPr>
+        <p:spPr>
+          <a:xfrm>
+            <a:off x="1420742" y="2673648"/>
+            <a:ext cx="9768529" cy="0"/>
+          </a:xfrm>
+          <a:prstGeom prst="line">
+            <a:avLst/>
+          </a:prstGeom>
+        </p:spPr>
+        <p:style>
+          <a:lnRef idx="1">
+            <a:schemeClr val="accent1"/>
+          </a:lnRef>
+          <a:fillRef idx="0">
+            <a:schemeClr val="accent1"/>
+          </a:fillRef>
+          <a:effectRef idx="0">
+            <a:schemeClr val="accent1"/>
+          </a:effectRef>
+          <a:fontRef idx="minor">
+            <a:schemeClr val="tx1"/>
+          </a:fontRef>
+        </p:style>
+      </p:cxnSp>
+      <p:cxnSp>
+        <p:nvCxnSpPr>
+          <p:cNvPr id="14" name="直接连接符 13"/>
+          <p:cNvCxnSpPr/>
+          <p:nvPr/>
+        </p:nvCxnSpPr>
+        <p:spPr>
+          <a:xfrm>
+            <a:off x="1420742" y="3549870"/>
+            <a:ext cx="9768529" cy="0"/>
+          </a:xfrm>
+          <a:prstGeom prst="line">
+            <a:avLst/>
+          </a:prstGeom>
+        </p:spPr>
+        <p:style>
+          <a:lnRef idx="1">
+            <a:schemeClr val="accent1"/>
+          </a:lnRef>
+          <a:fillRef idx="0">
+            <a:schemeClr val="accent1"/>
+          </a:fillRef>
+          <a:effectRef idx="0">
+            <a:schemeClr val="accent1"/>
+          </a:effectRef>
+          <a:fontRef idx="minor">
+            <a:schemeClr val="tx1"/>
+          </a:fontRef>
+        </p:style>
+      </p:cxnSp>
+      <p:sp>
+        <p:nvSpPr>
+          <p:cNvPr id="15" name="矩形 14"/>
+          <p:cNvSpPr/>
+          <p:nvPr/>
+        </p:nvSpPr>
+        <p:spPr>
+          <a:xfrm>
+            <a:off x="2211355" y="3900196"/>
+            <a:ext cx="1987421" cy="895739"/>
+          </a:xfrm>
+          <a:prstGeom prst="rect">
+            <a:avLst/>
+          </a:prstGeom>
+          <a:solidFill>
+            <a:schemeClr val="bg2">
+              <a:lumMod val="90000"/>
+            </a:schemeClr>
+          </a:solidFill>
+        </p:spPr>
+        <p:style>
+          <a:lnRef idx="2">
+            <a:schemeClr val="accent1">
+              <a:shade val="50000"/>
+            </a:schemeClr>
+          </a:lnRef>
+          <a:fillRef idx="1">
+            <a:schemeClr val="accent1"/>
+          </a:fillRef>
+          <a:effectRef idx="0">
+            <a:schemeClr val="accent1"/>
+          </a:effectRef>
+          <a:fontRef idx="minor">
+            <a:schemeClr val="lt1"/>
+          </a:fontRef>
+        </p:style>
+        <p:txBody>
+          <a:bodyPr rtlCol="0" anchor="ctr"/>
+          <a:lstStyle/>
+          <a:p>
+            <a:pPr algn="ctr"/>
+            <a:endParaRPr lang="zh-CN" altLang="en-US"/>
+          </a:p>
+        </p:txBody>
+      </p:sp>
+      <p:cxnSp>
+        <p:nvCxnSpPr>
+          <p:cNvPr id="17" name="直接连接符 16"/>
+          <p:cNvCxnSpPr/>
+          <p:nvPr/>
+        </p:nvCxnSpPr>
+        <p:spPr>
+          <a:xfrm>
+            <a:off x="2263334" y="4795935"/>
+            <a:ext cx="0" cy="242596"/>
+          </a:xfrm>
+          <a:prstGeom prst="line">
+            <a:avLst/>
+          </a:prstGeom>
+        </p:spPr>
+        <p:style>
+          <a:lnRef idx="1">
+            <a:schemeClr val="accent1"/>
+          </a:lnRef>
+          <a:fillRef idx="0">
+            <a:schemeClr val="accent1"/>
+          </a:fillRef>
+          <a:effectRef idx="0">
+            <a:schemeClr val="accent1"/>
+          </a:effectRef>
+          <a:fontRef idx="minor">
+            <a:schemeClr val="tx1"/>
+          </a:fontRef>
+        </p:style>
+      </p:cxnSp>
+      <p:cxnSp>
+        <p:nvCxnSpPr>
+          <p:cNvPr id="18" name="直接连接符 17"/>
+          <p:cNvCxnSpPr/>
+          <p:nvPr/>
+        </p:nvCxnSpPr>
+        <p:spPr>
+          <a:xfrm>
+            <a:off x="2423735" y="4795935"/>
+            <a:ext cx="0" cy="242596"/>
+          </a:xfrm>
+          <a:prstGeom prst="line">
+            <a:avLst/>
+          </a:prstGeom>
+        </p:spPr>
+        <p:style>
+          <a:lnRef idx="1">
+            <a:schemeClr val="accent1"/>
+          </a:lnRef>
+          <a:fillRef idx="0">
+            <a:schemeClr val="accent1"/>
+          </a:fillRef>
+          <a:effectRef idx="0">
+            <a:schemeClr val="accent1"/>
+          </a:effectRef>
+          <a:fontRef idx="minor">
+            <a:schemeClr val="tx1"/>
+          </a:fontRef>
+        </p:style>
+      </p:cxnSp>
+      <p:cxnSp>
+        <p:nvCxnSpPr>
+          <p:cNvPr id="19" name="直接连接符 18"/>
+          <p:cNvCxnSpPr/>
+          <p:nvPr/>
+        </p:nvCxnSpPr>
+        <p:spPr>
+          <a:xfrm>
+            <a:off x="2584136" y="4795935"/>
+            <a:ext cx="0" cy="242596"/>
+          </a:xfrm>
+          <a:prstGeom prst="line">
+            <a:avLst/>
+          </a:prstGeom>
+        </p:spPr>
+        <p:style>
+          <a:lnRef idx="1">
+            <a:schemeClr val="accent1"/>
+          </a:lnRef>
+          <a:fillRef idx="0">
+            <a:schemeClr val="accent1"/>
+          </a:fillRef>
+          <a:effectRef idx="0">
+            <a:schemeClr val="accent1"/>
+          </a:effectRef>
+          <a:fontRef idx="minor">
+            <a:schemeClr val="tx1"/>
+          </a:fontRef>
+        </p:style>
+      </p:cxnSp>
+      <p:cxnSp>
+        <p:nvCxnSpPr>
+          <p:cNvPr id="20" name="直接连接符 19"/>
+          <p:cNvCxnSpPr/>
+          <p:nvPr/>
+        </p:nvCxnSpPr>
+        <p:spPr>
+          <a:xfrm>
+            <a:off x="2744537" y="4795935"/>
+            <a:ext cx="0" cy="242596"/>
+          </a:xfrm>
+          <a:prstGeom prst="line">
+            <a:avLst/>
+          </a:prstGeom>
+        </p:spPr>
+        <p:style>
+          <a:lnRef idx="1">
+            <a:schemeClr val="accent1"/>
+          </a:lnRef>
+          <a:fillRef idx="0">
+            <a:schemeClr val="accent1"/>
+          </a:fillRef>
+          <a:effectRef idx="0">
+            <a:schemeClr val="accent1"/>
+          </a:effectRef>
+          <a:fontRef idx="minor">
+            <a:schemeClr val="tx1"/>
+          </a:fontRef>
+        </p:style>
+      </p:cxnSp>
+      <p:cxnSp>
+        <p:nvCxnSpPr>
+          <p:cNvPr id="21" name="直接连接符 20"/>
+          <p:cNvCxnSpPr/>
+          <p:nvPr/>
+        </p:nvCxnSpPr>
+        <p:spPr>
+          <a:xfrm>
+            <a:off x="2904938" y="4795935"/>
+            <a:ext cx="0" cy="242596"/>
+          </a:xfrm>
+          <a:prstGeom prst="line">
+            <a:avLst/>
+          </a:prstGeom>
+        </p:spPr>
+        <p:style>
+          <a:lnRef idx="1">
+            <a:schemeClr val="accent1"/>
+          </a:lnRef>
+          <a:fillRef idx="0">
+            <a:schemeClr val="accent1"/>
+          </a:fillRef>
+          <a:effectRef idx="0">
+            <a:schemeClr val="accent1"/>
+          </a:effectRef>
+          <a:fontRef idx="minor">
+            <a:schemeClr val="tx1"/>
+          </a:fontRef>
+        </p:style>
+      </p:cxnSp>
+      <p:cxnSp>
+        <p:nvCxnSpPr>
+          <p:cNvPr id="22" name="直接连接符 21"/>
+          <p:cNvCxnSpPr/>
+          <p:nvPr/>
+        </p:nvCxnSpPr>
+        <p:spPr>
+          <a:xfrm>
+            <a:off x="3065339" y="4795935"/>
+            <a:ext cx="0" cy="242596"/>
+          </a:xfrm>
+          <a:prstGeom prst="line">
+            <a:avLst/>
+          </a:prstGeom>
+        </p:spPr>
+        <p:style>
+          <a:lnRef idx="1">
+            <a:schemeClr val="accent1"/>
+          </a:lnRef>
+          <a:fillRef idx="0">
+            <a:schemeClr val="accent1"/>
+          </a:fillRef>
+          <a:effectRef idx="0">
+            <a:schemeClr val="accent1"/>
+          </a:effectRef>
+          <a:fontRef idx="minor">
+            <a:schemeClr val="tx1"/>
+          </a:fontRef>
+        </p:style>
+      </p:cxnSp>
+      <p:cxnSp>
+        <p:nvCxnSpPr>
+          <p:cNvPr id="23" name="直接连接符 22"/>
+          <p:cNvCxnSpPr/>
+          <p:nvPr/>
+        </p:nvCxnSpPr>
+        <p:spPr>
+          <a:xfrm>
+            <a:off x="3979612" y="4795935"/>
+            <a:ext cx="0" cy="242596"/>
+          </a:xfrm>
+          <a:prstGeom prst="line">
+            <a:avLst/>
+          </a:prstGeom>
+        </p:spPr>
+        <p:style>
+          <a:lnRef idx="1">
+            <a:schemeClr val="accent1"/>
+          </a:lnRef>
+          <a:fillRef idx="0">
+            <a:schemeClr val="accent1"/>
+          </a:fillRef>
+          <a:effectRef idx="0">
+            <a:schemeClr val="accent1"/>
+          </a:effectRef>
+          <a:fontRef idx="minor">
+            <a:schemeClr val="tx1"/>
+          </a:fontRef>
+        </p:style>
+      </p:cxnSp>
+      <p:cxnSp>
+        <p:nvCxnSpPr>
+          <p:cNvPr id="24" name="直接连接符 23"/>
+          <p:cNvCxnSpPr/>
+          <p:nvPr/>
+        </p:nvCxnSpPr>
+        <p:spPr>
+          <a:xfrm>
+            <a:off x="3817560" y="4795935"/>
+            <a:ext cx="0" cy="242596"/>
+          </a:xfrm>
+          <a:prstGeom prst="line">
+            <a:avLst/>
+          </a:prstGeom>
+        </p:spPr>
+        <p:style>
+          <a:lnRef idx="1">
+            <a:schemeClr val="accent1"/>
+          </a:lnRef>
+          <a:fillRef idx="0">
+            <a:schemeClr val="accent1"/>
+          </a:fillRef>
+          <a:effectRef idx="0">
+            <a:schemeClr val="accent1"/>
+          </a:effectRef>
+          <a:fontRef idx="minor">
+            <a:schemeClr val="tx1"/>
+          </a:fontRef>
+        </p:style>
+      </p:cxnSp>
+      <p:cxnSp>
+        <p:nvCxnSpPr>
+          <p:cNvPr id="25" name="直接连接符 24"/>
+          <p:cNvCxnSpPr/>
+          <p:nvPr/>
+        </p:nvCxnSpPr>
+        <p:spPr>
+          <a:xfrm>
+            <a:off x="3655508" y="4795935"/>
+            <a:ext cx="0" cy="242596"/>
+          </a:xfrm>
+          <a:prstGeom prst="line">
+            <a:avLst/>
+          </a:prstGeom>
+        </p:spPr>
+        <p:style>
+          <a:lnRef idx="1">
+            <a:schemeClr val="accent1"/>
+          </a:lnRef>
+          <a:fillRef idx="0">
+            <a:schemeClr val="accent1"/>
+          </a:fillRef>
+          <a:effectRef idx="0">
+            <a:schemeClr val="accent1"/>
+          </a:effectRef>
+          <a:fontRef idx="minor">
+            <a:schemeClr val="tx1"/>
+          </a:fontRef>
+        </p:style>
+      </p:cxnSp>
+      <p:cxnSp>
+        <p:nvCxnSpPr>
+          <p:cNvPr id="26" name="直接连接符 25"/>
+          <p:cNvCxnSpPr/>
+          <p:nvPr/>
+        </p:nvCxnSpPr>
+        <p:spPr>
+          <a:xfrm>
+            <a:off x="3493456" y="4795935"/>
+            <a:ext cx="0" cy="242596"/>
+          </a:xfrm>
+          <a:prstGeom prst="line">
+            <a:avLst/>
+          </a:prstGeom>
+        </p:spPr>
+        <p:style>
+          <a:lnRef idx="1">
+            <a:schemeClr val="accent1"/>
+          </a:lnRef>
+          <a:fillRef idx="0">
+            <a:schemeClr val="accent1"/>
+          </a:fillRef>
+          <a:effectRef idx="0">
+            <a:schemeClr val="accent1"/>
+          </a:effectRef>
+          <a:fontRef idx="minor">
+            <a:schemeClr val="tx1"/>
+          </a:fontRef>
+        </p:style>
+      </p:cxnSp>
+      <p:cxnSp>
+        <p:nvCxnSpPr>
+          <p:cNvPr id="27" name="直接连接符 26"/>
+          <p:cNvCxnSpPr/>
+          <p:nvPr/>
+        </p:nvCxnSpPr>
+        <p:spPr>
+          <a:xfrm>
+            <a:off x="3331404" y="4795935"/>
+            <a:ext cx="0" cy="242596"/>
+          </a:xfrm>
+          <a:prstGeom prst="line">
+            <a:avLst/>
+          </a:prstGeom>
+        </p:spPr>
+        <p:style>
+          <a:lnRef idx="1">
+            <a:schemeClr val="accent1"/>
+          </a:lnRef>
+          <a:fillRef idx="0">
+            <a:schemeClr val="accent1"/>
+          </a:fillRef>
+          <a:effectRef idx="0">
+            <a:schemeClr val="accent1"/>
+          </a:effectRef>
+          <a:fontRef idx="minor">
+            <a:schemeClr val="tx1"/>
+          </a:fontRef>
+        </p:style>
+      </p:cxnSp>
+      <p:cxnSp>
+        <p:nvCxnSpPr>
+          <p:cNvPr id="30" name="直接连接符 29"/>
+          <p:cNvCxnSpPr/>
+          <p:nvPr/>
+        </p:nvCxnSpPr>
+        <p:spPr>
+          <a:xfrm>
+            <a:off x="4141664" y="4795935"/>
+            <a:ext cx="0" cy="242596"/>
+          </a:xfrm>
+          <a:prstGeom prst="line">
+            <a:avLst/>
+          </a:prstGeom>
+        </p:spPr>
+        <p:style>
+          <a:lnRef idx="1">
+            <a:schemeClr val="accent1"/>
+          </a:lnRef>
+          <a:fillRef idx="0">
+            <a:schemeClr val="accent1"/>
+          </a:fillRef>
+          <a:effectRef idx="0">
+            <a:schemeClr val="accent1"/>
+          </a:effectRef>
+          <a:fontRef idx="minor">
+            <a:schemeClr val="tx1"/>
+          </a:fontRef>
+        </p:style>
+      </p:cxnSp>
+      <p:sp>
+        <p:nvSpPr>
+          <p:cNvPr id="31" name="矩形 30"/>
+          <p:cNvSpPr/>
+          <p:nvPr/>
+        </p:nvSpPr>
+        <p:spPr>
+          <a:xfrm>
+            <a:off x="2228704" y="5038531"/>
+            <a:ext cx="69259" cy="186249"/>
+          </a:xfrm>
+          <a:prstGeom prst="rect">
+            <a:avLst/>
+          </a:prstGeom>
+          <a:solidFill>
+            <a:srgbClr val="FFC000"/>
+          </a:solidFill>
+        </p:spPr>
+        <p:style>
+          <a:lnRef idx="2">
+            <a:schemeClr val="accent1">
+              <a:shade val="50000"/>
+            </a:schemeClr>
+          </a:lnRef>
+          <a:fillRef idx="1">
+            <a:schemeClr val="accent1"/>
+          </a:fillRef>
+          <a:effectRef idx="0">
+            <a:schemeClr val="accent1"/>
+          </a:effectRef>
+          <a:fontRef idx="minor">
+            <a:schemeClr val="lt1"/>
+          </a:fontRef>
+        </p:style>
+        <p:txBody>
+          <a:bodyPr rtlCol="0" anchor="ctr"/>
+          <a:lstStyle/>
+          <a:p>
+            <a:pPr algn="ctr"/>
+            <a:endParaRPr lang="zh-CN" altLang="en-US" sz="2800"/>
+          </a:p>
+        </p:txBody>
+      </p:sp>
+      <p:sp>
+        <p:nvSpPr>
+          <p:cNvPr id="32" name="矩形 31"/>
+          <p:cNvSpPr/>
+          <p:nvPr/>
+        </p:nvSpPr>
+        <p:spPr>
+          <a:xfrm>
+            <a:off x="2387455" y="5038531"/>
+            <a:ext cx="69259" cy="186249"/>
+          </a:xfrm>
+          <a:prstGeom prst="rect">
+            <a:avLst/>
+          </a:prstGeom>
+          <a:solidFill>
+            <a:srgbClr val="FFC000"/>
+          </a:solidFill>
+        </p:spPr>
+        <p:style>
+          <a:lnRef idx="2">
+            <a:schemeClr val="accent1">
+              <a:shade val="50000"/>
+            </a:schemeClr>
+          </a:lnRef>
+          <a:fillRef idx="1">
+            <a:schemeClr val="accent1"/>
+          </a:fillRef>
+          <a:effectRef idx="0">
+            <a:schemeClr val="accent1"/>
+          </a:effectRef>
+          <a:fontRef idx="minor">
+            <a:schemeClr val="lt1"/>
+          </a:fontRef>
+        </p:style>
+        <p:txBody>
+          <a:bodyPr rtlCol="0" anchor="ctr"/>
+          <a:lstStyle/>
+          <a:p>
+            <a:pPr algn="ctr"/>
+            <a:endParaRPr lang="zh-CN" altLang="en-US" sz="2800"/>
+          </a:p>
+        </p:txBody>
+      </p:sp>
+      <p:sp>
+        <p:nvSpPr>
+          <p:cNvPr id="33" name="矩形 32"/>
+          <p:cNvSpPr/>
+          <p:nvPr/>
+        </p:nvSpPr>
+        <p:spPr>
+          <a:xfrm>
+            <a:off x="2548640" y="5038531"/>
+            <a:ext cx="69259" cy="186249"/>
+          </a:xfrm>
+          <a:prstGeom prst="rect">
+            <a:avLst/>
+          </a:prstGeom>
+          <a:solidFill>
+            <a:srgbClr val="FFC000"/>
+          </a:solidFill>
+        </p:spPr>
+        <p:style>
+          <a:lnRef idx="2">
+            <a:schemeClr val="accent1">
+              <a:shade val="50000"/>
+            </a:schemeClr>
+          </a:lnRef>
+          <a:fillRef idx="1">
+            <a:schemeClr val="accent1"/>
+          </a:fillRef>
+          <a:effectRef idx="0">
+            <a:schemeClr val="accent1"/>
+          </a:effectRef>
+          <a:fontRef idx="minor">
+            <a:schemeClr val="lt1"/>
+          </a:fontRef>
+        </p:style>
+        <p:txBody>
+          <a:bodyPr rtlCol="0" anchor="ctr"/>
+          <a:lstStyle/>
+          <a:p>
+            <a:pPr algn="ctr"/>
+            <a:endParaRPr lang="zh-CN" altLang="en-US" sz="2800"/>
+          </a:p>
+        </p:txBody>
+      </p:sp>
+      <p:sp>
+        <p:nvSpPr>
+          <p:cNvPr id="34" name="矩形 33"/>
+          <p:cNvSpPr/>
+          <p:nvPr/>
+        </p:nvSpPr>
+        <p:spPr>
+          <a:xfrm>
+            <a:off x="2709578" y="5038531"/>
+            <a:ext cx="69259" cy="186249"/>
+          </a:xfrm>
+          <a:prstGeom prst="rect">
+            <a:avLst/>
+          </a:prstGeom>
+          <a:solidFill>
+            <a:srgbClr val="FFC000"/>
+          </a:solidFill>
+        </p:spPr>
+        <p:style>
+          <a:lnRef idx="2">
+            <a:schemeClr val="accent1">
+              <a:shade val="50000"/>
+            </a:schemeClr>
+          </a:lnRef>
+          <a:fillRef idx="1">
+            <a:schemeClr val="accent1"/>
+          </a:fillRef>
+          <a:effectRef idx="0">
+            <a:schemeClr val="accent1"/>
+          </a:effectRef>
+          <a:fontRef idx="minor">
+            <a:schemeClr val="lt1"/>
+          </a:fontRef>
+        </p:style>
+        <p:txBody>
+          <a:bodyPr rtlCol="0" anchor="ctr"/>
+          <a:lstStyle/>
+          <a:p>
+            <a:pPr algn="ctr"/>
+            <a:endParaRPr lang="zh-CN" altLang="en-US" sz="2800"/>
+          </a:p>
+        </p:txBody>
+      </p:sp>
+      <p:sp>
+        <p:nvSpPr>
+          <p:cNvPr id="35" name="矩形 34"/>
+          <p:cNvSpPr/>
+          <p:nvPr/>
+        </p:nvSpPr>
+        <p:spPr>
+          <a:xfrm>
+            <a:off x="2871326" y="5041898"/>
+            <a:ext cx="69259" cy="186249"/>
+          </a:xfrm>
+          <a:prstGeom prst="rect">
+            <a:avLst/>
+          </a:prstGeom>
+          <a:solidFill>
+            <a:srgbClr val="FFC000"/>
+          </a:solidFill>
+        </p:spPr>
+        <p:style>
+          <a:lnRef idx="2">
+            <a:schemeClr val="accent1">
+              <a:shade val="50000"/>
+            </a:schemeClr>
+          </a:lnRef>
+          <a:fillRef idx="1">
+            <a:schemeClr val="accent1"/>
+          </a:fillRef>
+          <a:effectRef idx="0">
+            <a:schemeClr val="accent1"/>
+          </a:effectRef>
+          <a:fontRef idx="minor">
+            <a:schemeClr val="lt1"/>
+          </a:fontRef>
+        </p:style>
+        <p:txBody>
+          <a:bodyPr rtlCol="0" anchor="ctr"/>
+          <a:lstStyle/>
+          <a:p>
+            <a:pPr algn="ctr"/>
+            <a:endParaRPr lang="zh-CN" altLang="en-US" sz="2800"/>
+          </a:p>
+        </p:txBody>
+      </p:sp>
+      <p:sp>
+        <p:nvSpPr>
+          <p:cNvPr id="36" name="矩形 35"/>
+          <p:cNvSpPr/>
+          <p:nvPr/>
+        </p:nvSpPr>
+        <p:spPr>
+          <a:xfrm>
+            <a:off x="3031726" y="5038530"/>
+            <a:ext cx="69259" cy="186249"/>
+          </a:xfrm>
+          <a:prstGeom prst="rect">
+            <a:avLst/>
+          </a:prstGeom>
+          <a:solidFill>
+            <a:srgbClr val="FFC000"/>
+          </a:solidFill>
+        </p:spPr>
+        <p:style>
+          <a:lnRef idx="2">
+            <a:schemeClr val="accent1">
+              <a:shade val="50000"/>
+            </a:schemeClr>
+          </a:lnRef>
+          <a:fillRef idx="1">
+            <a:schemeClr val="accent1"/>
+          </a:fillRef>
+          <a:effectRef idx="0">
+            <a:schemeClr val="accent1"/>
+          </a:effectRef>
+          <a:fontRef idx="minor">
+            <a:schemeClr val="lt1"/>
+          </a:fontRef>
+        </p:style>
+        <p:txBody>
+          <a:bodyPr rtlCol="0" anchor="ctr"/>
+          <a:lstStyle/>
+          <a:p>
+            <a:pPr algn="ctr"/>
+            <a:endParaRPr lang="zh-CN" altLang="en-US" sz="2800"/>
+          </a:p>
+        </p:txBody>
+      </p:sp>
+      <p:sp>
+        <p:nvSpPr>
+          <p:cNvPr id="37" name="矩形 36"/>
+          <p:cNvSpPr/>
+          <p:nvPr/>
+        </p:nvSpPr>
+        <p:spPr>
+          <a:xfrm>
+            <a:off x="3296774" y="5038529"/>
+            <a:ext cx="69259" cy="186249"/>
+          </a:xfrm>
+          <a:prstGeom prst="rect">
+            <a:avLst/>
+          </a:prstGeom>
+          <a:solidFill>
+            <a:srgbClr val="FFC000"/>
+          </a:solidFill>
+        </p:spPr>
+        <p:style>
+          <a:lnRef idx="2">
+            <a:schemeClr val="accent1">
+              <a:shade val="50000"/>
+            </a:schemeClr>
+          </a:lnRef>
+          <a:fillRef idx="1">
+            <a:schemeClr val="accent1"/>
+          </a:fillRef>
+          <a:effectRef idx="0">
+            <a:schemeClr val="accent1"/>
+          </a:effectRef>
+          <a:fontRef idx="minor">
+            <a:schemeClr val="lt1"/>
+          </a:fontRef>
+        </p:style>
+        <p:txBody>
+          <a:bodyPr rtlCol="0" anchor="ctr"/>
+          <a:lstStyle/>
+          <a:p>
+            <a:pPr algn="ctr"/>
+            <a:endParaRPr lang="zh-CN" altLang="en-US" sz="2800"/>
+          </a:p>
+        </p:txBody>
+      </p:sp>
+      <p:sp>
+        <p:nvSpPr>
+          <p:cNvPr id="38" name="矩形 37"/>
+          <p:cNvSpPr/>
+          <p:nvPr/>
+        </p:nvSpPr>
+        <p:spPr>
+          <a:xfrm>
+            <a:off x="3455464" y="5038529"/>
+            <a:ext cx="69259" cy="186249"/>
+          </a:xfrm>
+          <a:prstGeom prst="rect">
+            <a:avLst/>
+          </a:prstGeom>
+          <a:solidFill>
+            <a:srgbClr val="FFC000"/>
+          </a:solidFill>
+        </p:spPr>
+        <p:style>
+          <a:lnRef idx="2">
+            <a:schemeClr val="accent1">
+              <a:shade val="50000"/>
+            </a:schemeClr>
+          </a:lnRef>
+          <a:fillRef idx="1">
+            <a:schemeClr val="accent1"/>
+          </a:fillRef>
+          <a:effectRef idx="0">
+            <a:schemeClr val="accent1"/>
+          </a:effectRef>
+          <a:fontRef idx="minor">
+            <a:schemeClr val="lt1"/>
+          </a:fontRef>
+        </p:style>
+        <p:txBody>
+          <a:bodyPr rtlCol="0" anchor="ctr"/>
+          <a:lstStyle/>
+          <a:p>
+            <a:pPr algn="ctr"/>
+            <a:endParaRPr lang="zh-CN" altLang="en-US" sz="2800"/>
+          </a:p>
+        </p:txBody>
+      </p:sp>
+      <p:sp>
+        <p:nvSpPr>
+          <p:cNvPr id="39" name="矩形 38"/>
+          <p:cNvSpPr/>
+          <p:nvPr/>
+        </p:nvSpPr>
+        <p:spPr>
+          <a:xfrm>
+            <a:off x="3622173" y="5038528"/>
+            <a:ext cx="69259" cy="186249"/>
+          </a:xfrm>
+          <a:prstGeom prst="rect">
+            <a:avLst/>
+          </a:prstGeom>
+          <a:solidFill>
+            <a:srgbClr val="FFC000"/>
+          </a:solidFill>
+        </p:spPr>
+        <p:style>
+          <a:lnRef idx="2">
+            <a:schemeClr val="accent1">
+              <a:shade val="50000"/>
+            </a:schemeClr>
+          </a:lnRef>
+          <a:fillRef idx="1">
+            <a:schemeClr val="accent1"/>
+          </a:fillRef>
+          <a:effectRef idx="0">
+            <a:schemeClr val="accent1"/>
+          </a:effectRef>
+          <a:fontRef idx="minor">
+            <a:schemeClr val="lt1"/>
+          </a:fontRef>
+        </p:style>
+        <p:txBody>
+          <a:bodyPr rtlCol="0" anchor="ctr"/>
+          <a:lstStyle/>
+          <a:p>
+            <a:pPr algn="ctr"/>
+            <a:endParaRPr lang="zh-CN" altLang="en-US" sz="2800"/>
+          </a:p>
+        </p:txBody>
+      </p:sp>
+      <p:sp>
+        <p:nvSpPr>
+          <p:cNvPr id="40" name="矩形 39"/>
+          <p:cNvSpPr/>
+          <p:nvPr/>
+        </p:nvSpPr>
+        <p:spPr>
+          <a:xfrm>
+            <a:off x="3786294" y="5037257"/>
+            <a:ext cx="69259" cy="186249"/>
+          </a:xfrm>
+          <a:prstGeom prst="rect">
+            <a:avLst/>
+          </a:prstGeom>
+          <a:solidFill>
+            <a:srgbClr val="FFC000"/>
+          </a:solidFill>
+        </p:spPr>
+        <p:style>
+          <a:lnRef idx="2">
+            <a:schemeClr val="accent1">
+              <a:shade val="50000"/>
+            </a:schemeClr>
+          </a:lnRef>
+          <a:fillRef idx="1">
+            <a:schemeClr val="accent1"/>
+          </a:fillRef>
+          <a:effectRef idx="0">
+            <a:schemeClr val="accent1"/>
+          </a:effectRef>
+          <a:fontRef idx="minor">
+            <a:schemeClr val="lt1"/>
+          </a:fontRef>
+        </p:style>
+        <p:txBody>
+          <a:bodyPr rtlCol="0" anchor="ctr"/>
+          <a:lstStyle/>
+          <a:p>
+            <a:pPr algn="ctr"/>
+            <a:endParaRPr lang="zh-CN" altLang="en-US" sz="2800"/>
+          </a:p>
+        </p:txBody>
+      </p:sp>
+      <p:sp>
+        <p:nvSpPr>
+          <p:cNvPr id="41" name="矩形 40"/>
+          <p:cNvSpPr/>
+          <p:nvPr/>
+        </p:nvSpPr>
+        <p:spPr>
+          <a:xfrm>
+            <a:off x="3950415" y="5037256"/>
+            <a:ext cx="69259" cy="186249"/>
+          </a:xfrm>
+          <a:prstGeom prst="rect">
+            <a:avLst/>
+          </a:prstGeom>
+          <a:solidFill>
+            <a:srgbClr val="FFC000"/>
+          </a:solidFill>
+        </p:spPr>
+        <p:style>
+          <a:lnRef idx="2">
+            <a:schemeClr val="accent1">
+              <a:shade val="50000"/>
+            </a:schemeClr>
+          </a:lnRef>
+          <a:fillRef idx="1">
+            <a:schemeClr val="accent1"/>
+          </a:fillRef>
+          <a:effectRef idx="0">
+            <a:schemeClr val="accent1"/>
+          </a:effectRef>
+          <a:fontRef idx="minor">
+            <a:schemeClr val="lt1"/>
+          </a:fontRef>
+        </p:style>
+        <p:txBody>
+          <a:bodyPr rtlCol="0" anchor="ctr"/>
+          <a:lstStyle/>
+          <a:p>
+            <a:pPr algn="ctr"/>
+            <a:endParaRPr lang="zh-CN" altLang="en-US" sz="2800"/>
+          </a:p>
+        </p:txBody>
+      </p:sp>
+      <p:sp>
+        <p:nvSpPr>
+          <p:cNvPr id="42" name="矩形 41"/>
+          <p:cNvSpPr/>
+          <p:nvPr/>
+        </p:nvSpPr>
+        <p:spPr>
+          <a:xfrm>
+            <a:off x="4112466" y="5037256"/>
+            <a:ext cx="69259" cy="186249"/>
+          </a:xfrm>
+          <a:prstGeom prst="rect">
+            <a:avLst/>
+          </a:prstGeom>
+          <a:solidFill>
+            <a:srgbClr val="FFC000"/>
+          </a:solidFill>
+        </p:spPr>
+        <p:style>
+          <a:lnRef idx="2">
+            <a:schemeClr val="accent1">
+              <a:shade val="50000"/>
+            </a:schemeClr>
+          </a:lnRef>
+          <a:fillRef idx="1">
+            <a:schemeClr val="accent1"/>
+          </a:fillRef>
+          <a:effectRef idx="0">
+            <a:schemeClr val="accent1"/>
+          </a:effectRef>
+          <a:fontRef idx="minor">
+            <a:schemeClr val="lt1"/>
+          </a:fontRef>
+        </p:style>
+        <p:txBody>
+          <a:bodyPr rtlCol="0" anchor="ctr"/>
+          <a:lstStyle/>
+          <a:p>
+            <a:pPr algn="ctr"/>
+            <a:endParaRPr lang="zh-CN" altLang="en-US" sz="2800"/>
+          </a:p>
+        </p:txBody>
+      </p:sp>
+      <p:sp>
+        <p:nvSpPr>
+          <p:cNvPr id="43" name="矩形 42"/>
+          <p:cNvSpPr/>
+          <p:nvPr/>
+        </p:nvSpPr>
+        <p:spPr>
+          <a:xfrm>
+            <a:off x="1995862" y="4934256"/>
+            <a:ext cx="1133669" cy="578498"/>
+          </a:xfrm>
+          <a:prstGeom prst="rect">
+            <a:avLst/>
+          </a:prstGeom>
+          <a:noFill/>
+        </p:spPr>
+        <p:style>
+          <a:lnRef idx="2">
+            <a:schemeClr val="accent1">
+              <a:shade val="50000"/>
+            </a:schemeClr>
+          </a:lnRef>
+          <a:fillRef idx="1">
+            <a:schemeClr val="accent1"/>
+          </a:fillRef>
+          <a:effectRef idx="0">
+            <a:schemeClr val="accent1"/>
+          </a:effectRef>
+          <a:fontRef idx="minor">
+            <a:schemeClr val="lt1"/>
+          </a:fontRef>
+        </p:style>
+        <p:txBody>
+          <a:bodyPr rtlCol="0" anchor="ctr"/>
+          <a:lstStyle/>
+          <a:p>
+            <a:pPr algn="ctr"/>
+            <a:endParaRPr lang="zh-CN" altLang="en-US"/>
+          </a:p>
+        </p:txBody>
+      </p:sp>
+      <p:sp>
+        <p:nvSpPr>
+          <p:cNvPr id="44" name="矩形 43"/>
+          <p:cNvSpPr/>
+          <p:nvPr/>
+        </p:nvSpPr>
+        <p:spPr>
+          <a:xfrm>
+            <a:off x="3270344" y="4934256"/>
+            <a:ext cx="1133669" cy="578498"/>
+          </a:xfrm>
+          <a:prstGeom prst="rect">
+            <a:avLst/>
+          </a:prstGeom>
+          <a:noFill/>
+        </p:spPr>
+        <p:style>
+          <a:lnRef idx="2">
+            <a:schemeClr val="accent1">
+              <a:shade val="50000"/>
+            </a:schemeClr>
+          </a:lnRef>
+          <a:fillRef idx="1">
+            <a:schemeClr val="accent1"/>
+          </a:fillRef>
+          <a:effectRef idx="0">
+            <a:schemeClr val="accent1"/>
+          </a:effectRef>
+          <a:fontRef idx="minor">
+            <a:schemeClr val="lt1"/>
+          </a:fontRef>
+        </p:style>
+        <p:txBody>
+          <a:bodyPr rtlCol="0" anchor="ctr"/>
+          <a:lstStyle/>
+          <a:p>
+            <a:pPr algn="ctr"/>
+            <a:endParaRPr lang="zh-CN" altLang="en-US"/>
+          </a:p>
+        </p:txBody>
+      </p:sp>
+      <p:sp>
+        <p:nvSpPr>
+          <p:cNvPr id="45" name="文本框 44"/>
+          <p:cNvSpPr txBox="1"/>
+          <p:nvPr/>
+        </p:nvSpPr>
+        <p:spPr>
+          <a:xfrm>
+            <a:off x="2299648" y="5235755"/>
+            <a:ext cx="641605" cy="276999"/>
+          </a:xfrm>
+          <a:prstGeom prst="rect">
+            <a:avLst/>
+          </a:prstGeom>
+          <a:noFill/>
+        </p:spPr>
+        <p:txBody>
+          <a:bodyPr wrap="square" rtlCol="0">
+            <a:spAutoFit/>
+          </a:bodyPr>
+          <a:lstStyle/>
+          <a:p>
+            <a:pPr algn="ctr"/>
+            <a:r>
+              <a:rPr lang="en-US" altLang="zh-CN" sz="1200" smtClean="0">
+                <a:latin typeface="华文楷体" panose="02010600040101010101" pitchFamily="2" charset="-122"/>
+                <a:ea typeface="华文楷体" panose="02010600040101010101" pitchFamily="2" charset="-122"/>
+              </a:rPr>
+              <a:t>PDU1</a:t>
+            </a:r>
+            <a:endParaRPr lang="zh-CN" altLang="en-US" sz="1200">
+              <a:latin typeface="华文楷体" panose="02010600040101010101" pitchFamily="2" charset="-122"/>
+              <a:ea typeface="华文楷体" panose="02010600040101010101" pitchFamily="2" charset="-122"/>
+            </a:endParaRPr>
+          </a:p>
+        </p:txBody>
+      </p:sp>
+      <p:sp>
+        <p:nvSpPr>
+          <p:cNvPr id="46" name="文本框 45"/>
+          <p:cNvSpPr txBox="1"/>
+          <p:nvPr/>
+        </p:nvSpPr>
+        <p:spPr>
+          <a:xfrm>
+            <a:off x="3557171" y="5230266"/>
+            <a:ext cx="641605" cy="276999"/>
+          </a:xfrm>
+          <a:prstGeom prst="rect">
+            <a:avLst/>
+          </a:prstGeom>
+          <a:noFill/>
+        </p:spPr>
+        <p:txBody>
+          <a:bodyPr wrap="square" rtlCol="0">
+            <a:spAutoFit/>
+          </a:bodyPr>
+          <a:lstStyle/>
+          <a:p>
+            <a:pPr algn="ctr"/>
+            <a:r>
+              <a:rPr lang="en-US" altLang="zh-CN" sz="1200" smtClean="0">
+                <a:latin typeface="华文楷体" panose="02010600040101010101" pitchFamily="2" charset="-122"/>
+                <a:ea typeface="华文楷体" panose="02010600040101010101" pitchFamily="2" charset="-122"/>
+              </a:rPr>
+              <a:t>PDU2</a:t>
+            </a:r>
+            <a:endParaRPr lang="zh-CN" altLang="en-US" sz="1200">
+              <a:latin typeface="华文楷体" panose="02010600040101010101" pitchFamily="2" charset="-122"/>
+              <a:ea typeface="华文楷体" panose="02010600040101010101" pitchFamily="2" charset="-122"/>
+            </a:endParaRPr>
+          </a:p>
+        </p:txBody>
+      </p:sp>
+      <p:sp>
+        <p:nvSpPr>
+          <p:cNvPr id="47" name="文本框 46"/>
+          <p:cNvSpPr txBox="1"/>
+          <p:nvPr/>
+        </p:nvSpPr>
+        <p:spPr>
+          <a:xfrm>
+            <a:off x="2209473" y="5011869"/>
+            <a:ext cx="114300" cy="261610"/>
+          </a:xfrm>
+          <a:prstGeom prst="rect">
+            <a:avLst/>
+          </a:prstGeom>
+          <a:noFill/>
+        </p:spPr>
+        <p:txBody>
+          <a:bodyPr wrap="square" rtlCol="0">
+            <a:spAutoFit/>
+          </a:bodyPr>
+          <a:lstStyle/>
+          <a:p>
+            <a:pPr algn="ctr"/>
+            <a:r>
+              <a:rPr lang="en-US" altLang="zh-CN" sz="1100" smtClean="0">
+                <a:latin typeface="华文楷体" panose="02010600040101010101" pitchFamily="2" charset="-122"/>
+                <a:ea typeface="华文楷体" panose="02010600040101010101" pitchFamily="2" charset="-122"/>
+              </a:rPr>
+              <a:t>1</a:t>
+            </a:r>
+            <a:endParaRPr lang="zh-CN" altLang="en-US" sz="1100">
+              <a:latin typeface="华文楷体" panose="02010600040101010101" pitchFamily="2" charset="-122"/>
+              <a:ea typeface="华文楷体" panose="02010600040101010101" pitchFamily="2" charset="-122"/>
+            </a:endParaRPr>
+          </a:p>
+        </p:txBody>
+      </p:sp>
+      <p:sp>
+        <p:nvSpPr>
+          <p:cNvPr id="48" name="文本框 47"/>
+          <p:cNvSpPr txBox="1"/>
+          <p:nvPr/>
+        </p:nvSpPr>
+        <p:spPr>
+          <a:xfrm>
+            <a:off x="2366786" y="5004698"/>
+            <a:ext cx="114300" cy="261610"/>
+          </a:xfrm>
+          <a:prstGeom prst="rect">
+            <a:avLst/>
+          </a:prstGeom>
+          <a:noFill/>
+        </p:spPr>
+        <p:txBody>
+          <a:bodyPr wrap="square" rtlCol="0">
+            <a:spAutoFit/>
+          </a:bodyPr>
+          <a:lstStyle/>
+          <a:p>
+            <a:pPr algn="ctr"/>
+            <a:r>
+              <a:rPr lang="en-US" altLang="zh-CN" sz="1100">
+                <a:latin typeface="华文楷体" panose="02010600040101010101" pitchFamily="2" charset="-122"/>
+                <a:ea typeface="华文楷体" panose="02010600040101010101" pitchFamily="2" charset="-122"/>
+              </a:rPr>
+              <a:t>2</a:t>
+            </a:r>
+            <a:endParaRPr lang="zh-CN" altLang="en-US" sz="1100">
+              <a:latin typeface="华文楷体" panose="02010600040101010101" pitchFamily="2" charset="-122"/>
+              <a:ea typeface="华文楷体" panose="02010600040101010101" pitchFamily="2" charset="-122"/>
+            </a:endParaRPr>
+          </a:p>
+        </p:txBody>
+      </p:sp>
+      <p:sp>
+        <p:nvSpPr>
+          <p:cNvPr id="49" name="文本框 48"/>
+          <p:cNvSpPr txBox="1"/>
+          <p:nvPr/>
+        </p:nvSpPr>
+        <p:spPr>
+          <a:xfrm>
+            <a:off x="2528731" y="5011869"/>
+            <a:ext cx="114300" cy="261610"/>
+          </a:xfrm>
+          <a:prstGeom prst="rect">
+            <a:avLst/>
+          </a:prstGeom>
+          <a:noFill/>
+        </p:spPr>
+        <p:txBody>
+          <a:bodyPr wrap="square" rtlCol="0">
+            <a:spAutoFit/>
+          </a:bodyPr>
+          <a:lstStyle/>
+          <a:p>
+            <a:pPr algn="ctr"/>
+            <a:r>
+              <a:rPr lang="en-US" altLang="zh-CN" sz="1100">
+                <a:latin typeface="华文楷体" panose="02010600040101010101" pitchFamily="2" charset="-122"/>
+                <a:ea typeface="华文楷体" panose="02010600040101010101" pitchFamily="2" charset="-122"/>
+              </a:rPr>
+              <a:t>3</a:t>
+            </a:r>
+            <a:endParaRPr lang="zh-CN" altLang="en-US" sz="1100">
+              <a:latin typeface="华文楷体" panose="02010600040101010101" pitchFamily="2" charset="-122"/>
+              <a:ea typeface="华文楷体" panose="02010600040101010101" pitchFamily="2" charset="-122"/>
+            </a:endParaRPr>
+          </a:p>
+        </p:txBody>
+      </p:sp>
+      <p:sp>
+        <p:nvSpPr>
+          <p:cNvPr id="50" name="文本框 49"/>
+          <p:cNvSpPr txBox="1"/>
+          <p:nvPr/>
+        </p:nvSpPr>
+        <p:spPr>
+          <a:xfrm>
+            <a:off x="2688336" y="5004698"/>
+            <a:ext cx="114300" cy="261610"/>
+          </a:xfrm>
+          <a:prstGeom prst="rect">
+            <a:avLst/>
+          </a:prstGeom>
+          <a:noFill/>
+        </p:spPr>
+        <p:txBody>
+          <a:bodyPr wrap="square" rtlCol="0">
+            <a:spAutoFit/>
+          </a:bodyPr>
+          <a:lstStyle/>
+          <a:p>
+            <a:pPr algn="ctr"/>
+            <a:r>
+              <a:rPr lang="en-US" altLang="zh-CN" sz="1100">
+                <a:latin typeface="华文楷体" panose="02010600040101010101" pitchFamily="2" charset="-122"/>
+                <a:ea typeface="华文楷体" panose="02010600040101010101" pitchFamily="2" charset="-122"/>
+              </a:rPr>
+              <a:t>4</a:t>
+            </a:r>
+            <a:endParaRPr lang="zh-CN" altLang="en-US" sz="1100">
+              <a:latin typeface="华文楷体" panose="02010600040101010101" pitchFamily="2" charset="-122"/>
+              <a:ea typeface="华文楷体" panose="02010600040101010101" pitchFamily="2" charset="-122"/>
+            </a:endParaRPr>
+          </a:p>
+        </p:txBody>
+      </p:sp>
+      <p:sp>
+        <p:nvSpPr>
+          <p:cNvPr id="51" name="文本框 50"/>
+          <p:cNvSpPr txBox="1"/>
+          <p:nvPr/>
+        </p:nvSpPr>
+        <p:spPr>
+          <a:xfrm>
+            <a:off x="2852684" y="5007009"/>
+            <a:ext cx="114300" cy="261610"/>
+          </a:xfrm>
+          <a:prstGeom prst="rect">
+            <a:avLst/>
+          </a:prstGeom>
+          <a:noFill/>
+        </p:spPr>
+        <p:txBody>
+          <a:bodyPr wrap="square" rtlCol="0">
+            <a:spAutoFit/>
+          </a:bodyPr>
+          <a:lstStyle/>
+          <a:p>
+            <a:pPr algn="ctr"/>
+            <a:r>
+              <a:rPr lang="en-US" altLang="zh-CN" sz="1100">
+                <a:latin typeface="华文楷体" panose="02010600040101010101" pitchFamily="2" charset="-122"/>
+                <a:ea typeface="华文楷体" panose="02010600040101010101" pitchFamily="2" charset="-122"/>
+              </a:rPr>
+              <a:t>5</a:t>
+            </a:r>
+            <a:endParaRPr lang="zh-CN" altLang="en-US" sz="1100">
+              <a:latin typeface="华文楷体" panose="02010600040101010101" pitchFamily="2" charset="-122"/>
+              <a:ea typeface="华文楷体" panose="02010600040101010101" pitchFamily="2" charset="-122"/>
+            </a:endParaRPr>
+          </a:p>
+        </p:txBody>
+      </p:sp>
+      <p:sp>
+        <p:nvSpPr>
+          <p:cNvPr id="52" name="文本框 51"/>
+          <p:cNvSpPr txBox="1"/>
+          <p:nvPr/>
+        </p:nvSpPr>
+        <p:spPr>
+          <a:xfrm>
+            <a:off x="3007999" y="5003422"/>
+            <a:ext cx="114300" cy="261610"/>
+          </a:xfrm>
+          <a:prstGeom prst="rect">
+            <a:avLst/>
+          </a:prstGeom>
+          <a:noFill/>
+        </p:spPr>
+        <p:txBody>
+          <a:bodyPr wrap="square" rtlCol="0">
+            <a:spAutoFit/>
+          </a:bodyPr>
+          <a:lstStyle/>
+          <a:p>
+            <a:pPr algn="ctr"/>
+            <a:r>
+              <a:rPr lang="en-US" altLang="zh-CN" sz="1100">
+                <a:latin typeface="华文楷体" panose="02010600040101010101" pitchFamily="2" charset="-122"/>
+                <a:ea typeface="华文楷体" panose="02010600040101010101" pitchFamily="2" charset="-122"/>
+              </a:rPr>
+              <a:t>6</a:t>
+            </a:r>
+            <a:endParaRPr lang="zh-CN" altLang="en-US" sz="1100">
+              <a:latin typeface="华文楷体" panose="02010600040101010101" pitchFamily="2" charset="-122"/>
+              <a:ea typeface="华文楷体" panose="02010600040101010101" pitchFamily="2" charset="-122"/>
+            </a:endParaRPr>
+          </a:p>
+        </p:txBody>
+      </p:sp>
+      <p:sp>
+        <p:nvSpPr>
+          <p:cNvPr id="53" name="文本框 52"/>
+          <p:cNvSpPr txBox="1"/>
+          <p:nvPr/>
+        </p:nvSpPr>
+        <p:spPr>
+          <a:xfrm>
+            <a:off x="4093641" y="4998777"/>
+            <a:ext cx="114300" cy="261610"/>
+          </a:xfrm>
+          <a:prstGeom prst="rect">
+            <a:avLst/>
+          </a:prstGeom>
+          <a:noFill/>
+        </p:spPr>
+        <p:txBody>
+          <a:bodyPr wrap="square" rtlCol="0">
+            <a:spAutoFit/>
+          </a:bodyPr>
+          <a:lstStyle/>
+          <a:p>
+            <a:pPr algn="ctr"/>
+            <a:r>
+              <a:rPr lang="en-US" altLang="zh-CN" sz="1100">
+                <a:latin typeface="华文楷体" panose="02010600040101010101" pitchFamily="2" charset="-122"/>
+                <a:ea typeface="华文楷体" panose="02010600040101010101" pitchFamily="2" charset="-122"/>
+              </a:rPr>
+              <a:t>6</a:t>
+            </a:r>
+            <a:endParaRPr lang="zh-CN" altLang="en-US" sz="1100">
+              <a:latin typeface="华文楷体" panose="02010600040101010101" pitchFamily="2" charset="-122"/>
+              <a:ea typeface="华文楷体" panose="02010600040101010101" pitchFamily="2" charset="-122"/>
+            </a:endParaRPr>
+          </a:p>
+        </p:txBody>
+      </p:sp>
+      <p:sp>
+        <p:nvSpPr>
+          <p:cNvPr id="54" name="文本框 53"/>
+          <p:cNvSpPr txBox="1"/>
+          <p:nvPr/>
+        </p:nvSpPr>
+        <p:spPr>
+          <a:xfrm>
+            <a:off x="3931590" y="5003002"/>
+            <a:ext cx="114300" cy="261610"/>
+          </a:xfrm>
+          <a:prstGeom prst="rect">
+            <a:avLst/>
+          </a:prstGeom>
+          <a:noFill/>
+        </p:spPr>
+        <p:txBody>
+          <a:bodyPr wrap="square" rtlCol="0">
+            <a:spAutoFit/>
+          </a:bodyPr>
+          <a:lstStyle/>
+          <a:p>
+            <a:pPr algn="ctr"/>
+            <a:r>
+              <a:rPr lang="en-US" altLang="zh-CN" sz="1100">
+                <a:latin typeface="华文楷体" panose="02010600040101010101" pitchFamily="2" charset="-122"/>
+                <a:ea typeface="华文楷体" panose="02010600040101010101" pitchFamily="2" charset="-122"/>
+              </a:rPr>
+              <a:t>5</a:t>
+            </a:r>
+            <a:endParaRPr lang="zh-CN" altLang="en-US" sz="1100">
+              <a:latin typeface="华文楷体" panose="02010600040101010101" pitchFamily="2" charset="-122"/>
+              <a:ea typeface="华文楷体" panose="02010600040101010101" pitchFamily="2" charset="-122"/>
+            </a:endParaRPr>
+          </a:p>
+        </p:txBody>
+      </p:sp>
+      <p:sp>
+        <p:nvSpPr>
+          <p:cNvPr id="55" name="文本框 54"/>
+          <p:cNvSpPr txBox="1"/>
+          <p:nvPr/>
+        </p:nvSpPr>
+        <p:spPr>
+          <a:xfrm>
+            <a:off x="3769997" y="5003002"/>
+            <a:ext cx="114300" cy="261610"/>
+          </a:xfrm>
+          <a:prstGeom prst="rect">
+            <a:avLst/>
+          </a:prstGeom>
+          <a:noFill/>
+        </p:spPr>
+        <p:txBody>
+          <a:bodyPr wrap="square" rtlCol="0">
+            <a:spAutoFit/>
+          </a:bodyPr>
+          <a:lstStyle/>
+          <a:p>
+            <a:pPr algn="ctr"/>
+            <a:r>
+              <a:rPr lang="en-US" altLang="zh-CN" sz="1100">
+                <a:latin typeface="华文楷体" panose="02010600040101010101" pitchFamily="2" charset="-122"/>
+                <a:ea typeface="华文楷体" panose="02010600040101010101" pitchFamily="2" charset="-122"/>
+              </a:rPr>
+              <a:t>4</a:t>
+            </a:r>
+            <a:endParaRPr lang="zh-CN" altLang="en-US" sz="1100">
+              <a:latin typeface="华文楷体" panose="02010600040101010101" pitchFamily="2" charset="-122"/>
+              <a:ea typeface="华文楷体" panose="02010600040101010101" pitchFamily="2" charset="-122"/>
+            </a:endParaRPr>
+          </a:p>
+        </p:txBody>
+      </p:sp>
+      <p:sp>
+        <p:nvSpPr>
+          <p:cNvPr id="56" name="文本框 55"/>
+          <p:cNvSpPr txBox="1"/>
+          <p:nvPr/>
+        </p:nvSpPr>
+        <p:spPr>
+          <a:xfrm>
+            <a:off x="3602487" y="5003002"/>
+            <a:ext cx="114300" cy="261610"/>
+          </a:xfrm>
+          <a:prstGeom prst="rect">
+            <a:avLst/>
+          </a:prstGeom>
+          <a:noFill/>
+        </p:spPr>
+        <p:txBody>
+          <a:bodyPr wrap="square" rtlCol="0">
+            <a:spAutoFit/>
+          </a:bodyPr>
+          <a:lstStyle/>
+          <a:p>
+            <a:pPr algn="ctr"/>
+            <a:r>
+              <a:rPr lang="en-US" altLang="zh-CN" sz="1100">
+                <a:latin typeface="华文楷体" panose="02010600040101010101" pitchFamily="2" charset="-122"/>
+                <a:ea typeface="华文楷体" panose="02010600040101010101" pitchFamily="2" charset="-122"/>
+              </a:rPr>
+              <a:t>3</a:t>
+            </a:r>
+            <a:endParaRPr lang="zh-CN" altLang="en-US" sz="1100">
+              <a:latin typeface="华文楷体" panose="02010600040101010101" pitchFamily="2" charset="-122"/>
+              <a:ea typeface="华文楷体" panose="02010600040101010101" pitchFamily="2" charset="-122"/>
+            </a:endParaRPr>
+          </a:p>
+        </p:txBody>
+      </p:sp>
+      <p:sp>
+        <p:nvSpPr>
+          <p:cNvPr id="57" name="文本框 56"/>
+          <p:cNvSpPr txBox="1"/>
+          <p:nvPr/>
+        </p:nvSpPr>
+        <p:spPr>
+          <a:xfrm>
+            <a:off x="3433271" y="5003642"/>
+            <a:ext cx="114300" cy="261610"/>
+          </a:xfrm>
+          <a:prstGeom prst="rect">
+            <a:avLst/>
+          </a:prstGeom>
+          <a:noFill/>
+        </p:spPr>
+        <p:txBody>
+          <a:bodyPr wrap="square" rtlCol="0">
+            <a:spAutoFit/>
+          </a:bodyPr>
+          <a:lstStyle/>
+          <a:p>
+            <a:pPr algn="ctr"/>
+            <a:r>
+              <a:rPr lang="en-US" altLang="zh-CN" sz="1100">
+                <a:latin typeface="华文楷体" panose="02010600040101010101" pitchFamily="2" charset="-122"/>
+                <a:ea typeface="华文楷体" panose="02010600040101010101" pitchFamily="2" charset="-122"/>
+              </a:rPr>
+              <a:t>2</a:t>
+            </a:r>
+            <a:endParaRPr lang="zh-CN" altLang="en-US" sz="1100">
+              <a:latin typeface="华文楷体" panose="02010600040101010101" pitchFamily="2" charset="-122"/>
+              <a:ea typeface="华文楷体" panose="02010600040101010101" pitchFamily="2" charset="-122"/>
+            </a:endParaRPr>
+          </a:p>
+        </p:txBody>
+      </p:sp>
+      <p:sp>
+        <p:nvSpPr>
+          <p:cNvPr id="58" name="文本框 57"/>
+          <p:cNvSpPr txBox="1"/>
+          <p:nvPr/>
+        </p:nvSpPr>
+        <p:spPr>
+          <a:xfrm>
+            <a:off x="3280549" y="5007009"/>
+            <a:ext cx="114300" cy="261610"/>
+          </a:xfrm>
+          <a:prstGeom prst="rect">
+            <a:avLst/>
+          </a:prstGeom>
+          <a:noFill/>
+        </p:spPr>
+        <p:txBody>
+          <a:bodyPr wrap="square" rtlCol="0">
+            <a:spAutoFit/>
+          </a:bodyPr>
+          <a:lstStyle/>
+          <a:p>
+            <a:pPr algn="ctr"/>
+            <a:r>
+              <a:rPr lang="en-US" altLang="zh-CN" sz="1100" smtClean="0">
+                <a:latin typeface="华文楷体" panose="02010600040101010101" pitchFamily="2" charset="-122"/>
+                <a:ea typeface="华文楷体" panose="02010600040101010101" pitchFamily="2" charset="-122"/>
+              </a:rPr>
+              <a:t>1</a:t>
+            </a:r>
+            <a:endParaRPr lang="zh-CN" altLang="en-US" sz="1100">
+              <a:latin typeface="华文楷体" panose="02010600040101010101" pitchFamily="2" charset="-122"/>
+              <a:ea typeface="华文楷体" panose="02010600040101010101" pitchFamily="2" charset="-122"/>
+            </a:endParaRPr>
+          </a:p>
+        </p:txBody>
+      </p:sp>
+      <p:sp>
+        <p:nvSpPr>
+          <p:cNvPr id="71" name="文本框 70"/>
+          <p:cNvSpPr txBox="1"/>
+          <p:nvPr/>
+        </p:nvSpPr>
+        <p:spPr>
+          <a:xfrm>
+            <a:off x="2742519" y="3951735"/>
+            <a:ext cx="912595" cy="369332"/>
+          </a:xfrm>
+          <a:prstGeom prst="rect">
+            <a:avLst/>
+          </a:prstGeom>
+          <a:noFill/>
+        </p:spPr>
+        <p:txBody>
+          <a:bodyPr wrap="square" rtlCol="0">
+            <a:spAutoFit/>
+          </a:bodyPr>
+          <a:lstStyle/>
+          <a:p>
+            <a:pPr algn="ctr"/>
+            <a:r>
+              <a:rPr lang="en-US" altLang="zh-CN" smtClean="0">
+                <a:latin typeface="华文楷体" panose="02010600040101010101" pitchFamily="2" charset="-122"/>
+                <a:ea typeface="华文楷体" panose="02010600040101010101" pitchFamily="2" charset="-122"/>
+              </a:rPr>
+              <a:t>1&amp;2</a:t>
+            </a:r>
+            <a:endParaRPr lang="zh-CN" altLang="en-US">
+              <a:latin typeface="华文楷体" panose="02010600040101010101" pitchFamily="2" charset="-122"/>
+              <a:ea typeface="华文楷体" panose="02010600040101010101" pitchFamily="2" charset="-122"/>
+            </a:endParaRPr>
+          </a:p>
+        </p:txBody>
+      </p:sp>
+      <p:sp>
+        <p:nvSpPr>
+          <p:cNvPr id="72" name="文本框 71"/>
+          <p:cNvSpPr txBox="1"/>
+          <p:nvPr/>
+        </p:nvSpPr>
+        <p:spPr>
+          <a:xfrm>
+            <a:off x="2502729" y="4389813"/>
+            <a:ext cx="1392174" cy="369332"/>
+          </a:xfrm>
+          <a:prstGeom prst="rect">
+            <a:avLst/>
+          </a:prstGeom>
+          <a:noFill/>
+        </p:spPr>
+        <p:txBody>
+          <a:bodyPr wrap="square" rtlCol="0">
+            <a:spAutoFit/>
+          </a:bodyPr>
+          <a:lstStyle/>
+          <a:p>
+            <a:pPr algn="ctr"/>
+            <a:r>
+              <a:rPr lang="en-US" altLang="zh-CN" smtClean="0">
+                <a:latin typeface="华文楷体" panose="02010600040101010101" pitchFamily="2" charset="-122"/>
+                <a:ea typeface="华文楷体" panose="02010600040101010101" pitchFamily="2" charset="-122"/>
+              </a:rPr>
+              <a:t>PDU</a:t>
+            </a:r>
+            <a:r>
+              <a:rPr lang="zh-CN" altLang="en-US">
+                <a:latin typeface="华文楷体" panose="02010600040101010101" pitchFamily="2" charset="-122"/>
+                <a:ea typeface="华文楷体" panose="02010600040101010101" pitchFamily="2" charset="-122"/>
+              </a:rPr>
+              <a:t>控制板</a:t>
+            </a:r>
+          </a:p>
+        </p:txBody>
+      </p:sp>
+      <p:sp>
+        <p:nvSpPr>
+          <p:cNvPr id="73" name="矩形 72"/>
+          <p:cNvSpPr/>
+          <p:nvPr/>
+        </p:nvSpPr>
+        <p:spPr>
+          <a:xfrm>
+            <a:off x="4885570" y="3900196"/>
+            <a:ext cx="1987421" cy="895739"/>
+          </a:xfrm>
+          <a:prstGeom prst="rect">
+            <a:avLst/>
+          </a:prstGeom>
+          <a:solidFill>
+            <a:schemeClr val="bg2">
+              <a:lumMod val="90000"/>
+            </a:schemeClr>
+          </a:solidFill>
+        </p:spPr>
+        <p:style>
+          <a:lnRef idx="2">
+            <a:schemeClr val="accent1">
+              <a:shade val="50000"/>
+            </a:schemeClr>
+          </a:lnRef>
+          <a:fillRef idx="1">
+            <a:schemeClr val="accent1"/>
+          </a:fillRef>
+          <a:effectRef idx="0">
+            <a:schemeClr val="accent1"/>
+          </a:effectRef>
+          <a:fontRef idx="minor">
+            <a:schemeClr val="lt1"/>
+          </a:fontRef>
+        </p:style>
+        <p:txBody>
+          <a:bodyPr rtlCol="0" anchor="ctr"/>
+          <a:lstStyle/>
+          <a:p>
+            <a:pPr algn="ctr"/>
+            <a:endParaRPr lang="zh-CN" altLang="en-US"/>
+          </a:p>
+        </p:txBody>
+      </p:sp>
+      <p:cxnSp>
+        <p:nvCxnSpPr>
+          <p:cNvPr id="74" name="直接连接符 73"/>
+          <p:cNvCxnSpPr/>
+          <p:nvPr/>
+        </p:nvCxnSpPr>
+        <p:spPr>
+          <a:xfrm>
+            <a:off x="4937549" y="4795935"/>
+            <a:ext cx="0" cy="242596"/>
+          </a:xfrm>
+          <a:prstGeom prst="line">
+            <a:avLst/>
+          </a:prstGeom>
+        </p:spPr>
+        <p:style>
+          <a:lnRef idx="1">
+            <a:schemeClr val="accent1"/>
+          </a:lnRef>
+          <a:fillRef idx="0">
+            <a:schemeClr val="accent1"/>
+          </a:fillRef>
+          <a:effectRef idx="0">
+            <a:schemeClr val="accent1"/>
+          </a:effectRef>
+          <a:fontRef idx="minor">
+            <a:schemeClr val="tx1"/>
+          </a:fontRef>
+        </p:style>
+      </p:cxnSp>
+      <p:cxnSp>
+        <p:nvCxnSpPr>
+          <p:cNvPr id="75" name="直接连接符 74"/>
+          <p:cNvCxnSpPr/>
+          <p:nvPr/>
+        </p:nvCxnSpPr>
+        <p:spPr>
+          <a:xfrm>
+            <a:off x="5097950" y="4795935"/>
+            <a:ext cx="0" cy="242596"/>
+          </a:xfrm>
+          <a:prstGeom prst="line">
+            <a:avLst/>
+          </a:prstGeom>
+        </p:spPr>
+        <p:style>
+          <a:lnRef idx="1">
+            <a:schemeClr val="accent1"/>
+          </a:lnRef>
+          <a:fillRef idx="0">
+            <a:schemeClr val="accent1"/>
+          </a:fillRef>
+          <a:effectRef idx="0">
+            <a:schemeClr val="accent1"/>
+          </a:effectRef>
+          <a:fontRef idx="minor">
+            <a:schemeClr val="tx1"/>
+          </a:fontRef>
+        </p:style>
+      </p:cxnSp>
+      <p:cxnSp>
+        <p:nvCxnSpPr>
+          <p:cNvPr id="76" name="直接连接符 75"/>
+          <p:cNvCxnSpPr/>
+          <p:nvPr/>
+        </p:nvCxnSpPr>
+        <p:spPr>
+          <a:xfrm>
+            <a:off x="5258351" y="4795935"/>
+            <a:ext cx="0" cy="242596"/>
+          </a:xfrm>
+          <a:prstGeom prst="line">
+            <a:avLst/>
+          </a:prstGeom>
+        </p:spPr>
+        <p:style>
+          <a:lnRef idx="1">
+            <a:schemeClr val="accent1"/>
+          </a:lnRef>
+          <a:fillRef idx="0">
+            <a:schemeClr val="accent1"/>
+          </a:fillRef>
+          <a:effectRef idx="0">
+            <a:schemeClr val="accent1"/>
+          </a:effectRef>
+          <a:fontRef idx="minor">
+            <a:schemeClr val="tx1"/>
+          </a:fontRef>
+        </p:style>
+      </p:cxnSp>
+      <p:cxnSp>
+        <p:nvCxnSpPr>
+          <p:cNvPr id="77" name="直接连接符 76"/>
+          <p:cNvCxnSpPr/>
+          <p:nvPr/>
+        </p:nvCxnSpPr>
+        <p:spPr>
+          <a:xfrm>
+            <a:off x="5418752" y="4795935"/>
+            <a:ext cx="0" cy="242596"/>
+          </a:xfrm>
+          <a:prstGeom prst="line">
+            <a:avLst/>
+          </a:prstGeom>
+        </p:spPr>
+        <p:style>
+          <a:lnRef idx="1">
+            <a:schemeClr val="accent1"/>
+          </a:lnRef>
+          <a:fillRef idx="0">
+            <a:schemeClr val="accent1"/>
+          </a:fillRef>
+          <a:effectRef idx="0">
+            <a:schemeClr val="accent1"/>
+          </a:effectRef>
+          <a:fontRef idx="minor">
+            <a:schemeClr val="tx1"/>
+          </a:fontRef>
+        </p:style>
+      </p:cxnSp>
+      <p:cxnSp>
+        <p:nvCxnSpPr>
+          <p:cNvPr id="78" name="直接连接符 77"/>
+          <p:cNvCxnSpPr/>
+          <p:nvPr/>
+        </p:nvCxnSpPr>
+        <p:spPr>
+          <a:xfrm>
+            <a:off x="5579153" y="4795935"/>
+            <a:ext cx="0" cy="242596"/>
+          </a:xfrm>
+          <a:prstGeom prst="line">
+            <a:avLst/>
+          </a:prstGeom>
+        </p:spPr>
+        <p:style>
+          <a:lnRef idx="1">
+            <a:schemeClr val="accent1"/>
+          </a:lnRef>
+          <a:fillRef idx="0">
+            <a:schemeClr val="accent1"/>
+          </a:fillRef>
+          <a:effectRef idx="0">
+            <a:schemeClr val="accent1"/>
+          </a:effectRef>
+          <a:fontRef idx="minor">
+            <a:schemeClr val="tx1"/>
+          </a:fontRef>
+        </p:style>
+      </p:cxnSp>
+      <p:cxnSp>
+        <p:nvCxnSpPr>
+          <p:cNvPr id="79" name="直接连接符 78"/>
+          <p:cNvCxnSpPr/>
+          <p:nvPr/>
+        </p:nvCxnSpPr>
+        <p:spPr>
+          <a:xfrm>
+            <a:off x="5739554" y="4795935"/>
+            <a:ext cx="0" cy="242596"/>
+          </a:xfrm>
+          <a:prstGeom prst="line">
+            <a:avLst/>
+          </a:prstGeom>
+        </p:spPr>
+        <p:style>
+          <a:lnRef idx="1">
+            <a:schemeClr val="accent1"/>
+          </a:lnRef>
+          <a:fillRef idx="0">
+            <a:schemeClr val="accent1"/>
+          </a:fillRef>
+          <a:effectRef idx="0">
+            <a:schemeClr val="accent1"/>
+          </a:effectRef>
+          <a:fontRef idx="minor">
+            <a:schemeClr val="tx1"/>
+          </a:fontRef>
+        </p:style>
+      </p:cxnSp>
+      <p:cxnSp>
+        <p:nvCxnSpPr>
+          <p:cNvPr id="80" name="直接连接符 79"/>
+          <p:cNvCxnSpPr/>
+          <p:nvPr/>
+        </p:nvCxnSpPr>
+        <p:spPr>
+          <a:xfrm>
+            <a:off x="6653827" y="4795935"/>
+            <a:ext cx="0" cy="242596"/>
+          </a:xfrm>
+          <a:prstGeom prst="line">
+            <a:avLst/>
+          </a:prstGeom>
+        </p:spPr>
+        <p:style>
+          <a:lnRef idx="1">
+            <a:schemeClr val="accent1"/>
+          </a:lnRef>
+          <a:fillRef idx="0">
+            <a:schemeClr val="accent1"/>
+          </a:fillRef>
+          <a:effectRef idx="0">
+            <a:schemeClr val="accent1"/>
+          </a:effectRef>
+          <a:fontRef idx="minor">
+            <a:schemeClr val="tx1"/>
+          </a:fontRef>
+        </p:style>
+      </p:cxnSp>
+      <p:cxnSp>
+        <p:nvCxnSpPr>
+          <p:cNvPr id="81" name="直接连接符 80"/>
+          <p:cNvCxnSpPr/>
+          <p:nvPr/>
+        </p:nvCxnSpPr>
+        <p:spPr>
+          <a:xfrm>
+            <a:off x="6491775" y="4795935"/>
+            <a:ext cx="0" cy="242596"/>
+          </a:xfrm>
+          <a:prstGeom prst="line">
+            <a:avLst/>
+          </a:prstGeom>
+        </p:spPr>
+        <p:style>
+          <a:lnRef idx="1">
+            <a:schemeClr val="accent1"/>
+          </a:lnRef>
+          <a:fillRef idx="0">
+            <a:schemeClr val="accent1"/>
+          </a:fillRef>
+          <a:effectRef idx="0">
+            <a:schemeClr val="accent1"/>
+          </a:effectRef>
+          <a:fontRef idx="minor">
+            <a:schemeClr val="tx1"/>
+          </a:fontRef>
+        </p:style>
+      </p:cxnSp>
+      <p:cxnSp>
+        <p:nvCxnSpPr>
+          <p:cNvPr id="82" name="直接连接符 81"/>
+          <p:cNvCxnSpPr/>
+          <p:nvPr/>
+        </p:nvCxnSpPr>
+        <p:spPr>
+          <a:xfrm>
+            <a:off x="6329723" y="4795935"/>
+            <a:ext cx="0" cy="242596"/>
+          </a:xfrm>
+          <a:prstGeom prst="line">
+            <a:avLst/>
+          </a:prstGeom>
+        </p:spPr>
+        <p:style>
+          <a:lnRef idx="1">
+            <a:schemeClr val="accent1"/>
+          </a:lnRef>
+          <a:fillRef idx="0">
+            <a:schemeClr val="accent1"/>
+          </a:fillRef>
+          <a:effectRef idx="0">
+            <a:schemeClr val="accent1"/>
+          </a:effectRef>
+          <a:fontRef idx="minor">
+            <a:schemeClr val="tx1"/>
+          </a:fontRef>
+        </p:style>
+      </p:cxnSp>
+      <p:cxnSp>
+        <p:nvCxnSpPr>
+          <p:cNvPr id="83" name="直接连接符 82"/>
+          <p:cNvCxnSpPr/>
+          <p:nvPr/>
+        </p:nvCxnSpPr>
+        <p:spPr>
+          <a:xfrm>
+            <a:off x="6167671" y="4795935"/>
+            <a:ext cx="0" cy="242596"/>
+          </a:xfrm>
+          <a:prstGeom prst="line">
+            <a:avLst/>
+          </a:prstGeom>
+        </p:spPr>
+        <p:style>
+          <a:lnRef idx="1">
+            <a:schemeClr val="accent1"/>
+          </a:lnRef>
+          <a:fillRef idx="0">
+            <a:schemeClr val="accent1"/>
+          </a:fillRef>
+          <a:effectRef idx="0">
+            <a:schemeClr val="accent1"/>
+          </a:effectRef>
+          <a:fontRef idx="minor">
+            <a:schemeClr val="tx1"/>
+          </a:fontRef>
+        </p:style>
+      </p:cxnSp>
+      <p:cxnSp>
+        <p:nvCxnSpPr>
+          <p:cNvPr id="84" name="直接连接符 83"/>
+          <p:cNvCxnSpPr/>
+          <p:nvPr/>
+        </p:nvCxnSpPr>
+        <p:spPr>
+          <a:xfrm>
+            <a:off x="6005619" y="4795935"/>
+            <a:ext cx="0" cy="242596"/>
+          </a:xfrm>
+          <a:prstGeom prst="line">
+            <a:avLst/>
+          </a:prstGeom>
+        </p:spPr>
+        <p:style>
+          <a:lnRef idx="1">
+            <a:schemeClr val="accent1"/>
+          </a:lnRef>
+          <a:fillRef idx="0">
+            <a:schemeClr val="accent1"/>
+          </a:fillRef>
+          <a:effectRef idx="0">
+            <a:schemeClr val="accent1"/>
+          </a:effectRef>
+          <a:fontRef idx="minor">
+            <a:schemeClr val="tx1"/>
+          </a:fontRef>
+        </p:style>
+      </p:cxnSp>
+      <p:cxnSp>
+        <p:nvCxnSpPr>
+          <p:cNvPr id="85" name="直接连接符 84"/>
+          <p:cNvCxnSpPr/>
+          <p:nvPr/>
+        </p:nvCxnSpPr>
+        <p:spPr>
+          <a:xfrm>
+            <a:off x="6815879" y="4795935"/>
+            <a:ext cx="0" cy="242596"/>
+          </a:xfrm>
+          <a:prstGeom prst="line">
+            <a:avLst/>
+          </a:prstGeom>
+        </p:spPr>
+        <p:style>
+          <a:lnRef idx="1">
+            <a:schemeClr val="accent1"/>
+          </a:lnRef>
+          <a:fillRef idx="0">
+            <a:schemeClr val="accent1"/>
+          </a:fillRef>
+          <a:effectRef idx="0">
+            <a:schemeClr val="accent1"/>
+          </a:effectRef>
+          <a:fontRef idx="minor">
+            <a:schemeClr val="tx1"/>
+          </a:fontRef>
+        </p:style>
+      </p:cxnSp>
+      <p:sp>
+        <p:nvSpPr>
+          <p:cNvPr id="86" name="矩形 85"/>
+          <p:cNvSpPr/>
+          <p:nvPr/>
+        </p:nvSpPr>
+        <p:spPr>
+          <a:xfrm>
+            <a:off x="4902919" y="5038531"/>
+            <a:ext cx="69259" cy="186249"/>
+          </a:xfrm>
+          <a:prstGeom prst="rect">
+            <a:avLst/>
+          </a:prstGeom>
+          <a:solidFill>
+            <a:srgbClr val="FFC000"/>
+          </a:solidFill>
+        </p:spPr>
+        <p:style>
+          <a:lnRef idx="2">
+            <a:schemeClr val="accent1">
+              <a:shade val="50000"/>
+            </a:schemeClr>
+          </a:lnRef>
+          <a:fillRef idx="1">
+            <a:schemeClr val="accent1"/>
+          </a:fillRef>
+          <a:effectRef idx="0">
+            <a:schemeClr val="accent1"/>
+          </a:effectRef>
+          <a:fontRef idx="minor">
+            <a:schemeClr val="lt1"/>
+          </a:fontRef>
+        </p:style>
+        <p:txBody>
+          <a:bodyPr rtlCol="0" anchor="ctr"/>
+          <a:lstStyle/>
+          <a:p>
+            <a:pPr algn="ctr"/>
+            <a:endParaRPr lang="zh-CN" altLang="en-US" sz="2800"/>
+          </a:p>
+        </p:txBody>
+      </p:sp>
+      <p:sp>
+        <p:nvSpPr>
+          <p:cNvPr id="87" name="矩形 86"/>
+          <p:cNvSpPr/>
+          <p:nvPr/>
+        </p:nvSpPr>
+        <p:spPr>
+          <a:xfrm>
+            <a:off x="5061670" y="5038531"/>
+            <a:ext cx="69259" cy="186249"/>
+          </a:xfrm>
+          <a:prstGeom prst="rect">
+            <a:avLst/>
+          </a:prstGeom>
+          <a:solidFill>
+            <a:srgbClr val="FFC000"/>
+          </a:solidFill>
+        </p:spPr>
+        <p:style>
+          <a:lnRef idx="2">
+            <a:schemeClr val="accent1">
+              <a:shade val="50000"/>
+            </a:schemeClr>
+          </a:lnRef>
+          <a:fillRef idx="1">
+            <a:schemeClr val="accent1"/>
+          </a:fillRef>
+          <a:effectRef idx="0">
+            <a:schemeClr val="accent1"/>
+          </a:effectRef>
+          <a:fontRef idx="minor">
+            <a:schemeClr val="lt1"/>
+          </a:fontRef>
+        </p:style>
+        <p:txBody>
+          <a:bodyPr rtlCol="0" anchor="ctr"/>
+          <a:lstStyle/>
+          <a:p>
+            <a:pPr algn="ctr"/>
+            <a:endParaRPr lang="zh-CN" altLang="en-US" sz="2800"/>
+          </a:p>
+        </p:txBody>
+      </p:sp>
+      <p:sp>
+        <p:nvSpPr>
+          <p:cNvPr id="88" name="矩形 87"/>
+          <p:cNvSpPr/>
+          <p:nvPr/>
+        </p:nvSpPr>
+        <p:spPr>
+          <a:xfrm>
+            <a:off x="5222855" y="5038531"/>
+            <a:ext cx="69259" cy="186249"/>
+          </a:xfrm>
+          <a:prstGeom prst="rect">
+            <a:avLst/>
+          </a:prstGeom>
+          <a:solidFill>
+            <a:srgbClr val="FFC000"/>
+          </a:solidFill>
+        </p:spPr>
+        <p:style>
+          <a:lnRef idx="2">
+            <a:schemeClr val="accent1">
+              <a:shade val="50000"/>
+            </a:schemeClr>
+          </a:lnRef>
+          <a:fillRef idx="1">
+            <a:schemeClr val="accent1"/>
+          </a:fillRef>
+          <a:effectRef idx="0">
+            <a:schemeClr val="accent1"/>
+          </a:effectRef>
+          <a:fontRef idx="minor">
+            <a:schemeClr val="lt1"/>
+          </a:fontRef>
+        </p:style>
+        <p:txBody>
+          <a:bodyPr rtlCol="0" anchor="ctr"/>
+          <a:lstStyle/>
+          <a:p>
+            <a:pPr algn="ctr"/>
+            <a:endParaRPr lang="zh-CN" altLang="en-US" sz="2800"/>
+          </a:p>
+        </p:txBody>
+      </p:sp>
+      <p:sp>
+        <p:nvSpPr>
+          <p:cNvPr id="89" name="矩形 88"/>
+          <p:cNvSpPr/>
+          <p:nvPr/>
+        </p:nvSpPr>
+        <p:spPr>
+          <a:xfrm>
+            <a:off x="5383793" y="5038531"/>
+            <a:ext cx="69259" cy="186249"/>
+          </a:xfrm>
+          <a:prstGeom prst="rect">
+            <a:avLst/>
+          </a:prstGeom>
+          <a:solidFill>
+            <a:srgbClr val="FFC000"/>
+          </a:solidFill>
+        </p:spPr>
+        <p:style>
+          <a:lnRef idx="2">
+            <a:schemeClr val="accent1">
+              <a:shade val="50000"/>
+            </a:schemeClr>
+          </a:lnRef>
+          <a:fillRef idx="1">
+            <a:schemeClr val="accent1"/>
+          </a:fillRef>
+          <a:effectRef idx="0">
+            <a:schemeClr val="accent1"/>
+          </a:effectRef>
+          <a:fontRef idx="minor">
+            <a:schemeClr val="lt1"/>
+          </a:fontRef>
+        </p:style>
+        <p:txBody>
+          <a:bodyPr rtlCol="0" anchor="ctr"/>
+          <a:lstStyle/>
+          <a:p>
+            <a:pPr algn="ctr"/>
+            <a:endParaRPr lang="zh-CN" altLang="en-US" sz="2800"/>
+          </a:p>
+        </p:txBody>
+      </p:sp>
+      <p:sp>
+        <p:nvSpPr>
+          <p:cNvPr id="90" name="矩形 89"/>
+          <p:cNvSpPr/>
+          <p:nvPr/>
+        </p:nvSpPr>
+        <p:spPr>
+          <a:xfrm>
+            <a:off x="5545541" y="5041898"/>
+            <a:ext cx="69259" cy="186249"/>
+          </a:xfrm>
+          <a:prstGeom prst="rect">
+            <a:avLst/>
+          </a:prstGeom>
+          <a:solidFill>
+            <a:srgbClr val="FFC000"/>
+          </a:solidFill>
+        </p:spPr>
+        <p:style>
+          <a:lnRef idx="2">
+            <a:schemeClr val="accent1">
+              <a:shade val="50000"/>
+            </a:schemeClr>
+          </a:lnRef>
+          <a:fillRef idx="1">
+            <a:schemeClr val="accent1"/>
+          </a:fillRef>
+          <a:effectRef idx="0">
+            <a:schemeClr val="accent1"/>
+          </a:effectRef>
+          <a:fontRef idx="minor">
+            <a:schemeClr val="lt1"/>
+          </a:fontRef>
+        </p:style>
+        <p:txBody>
+          <a:bodyPr rtlCol="0" anchor="ctr"/>
+          <a:lstStyle/>
+          <a:p>
+            <a:pPr algn="ctr"/>
+            <a:endParaRPr lang="zh-CN" altLang="en-US" sz="2800"/>
+          </a:p>
+        </p:txBody>
+      </p:sp>
+      <p:sp>
+        <p:nvSpPr>
+          <p:cNvPr id="91" name="矩形 90"/>
+          <p:cNvSpPr/>
+          <p:nvPr/>
+        </p:nvSpPr>
+        <p:spPr>
+          <a:xfrm>
+            <a:off x="5705941" y="5038530"/>
+            <a:ext cx="69259" cy="186249"/>
+          </a:xfrm>
+          <a:prstGeom prst="rect">
+            <a:avLst/>
+          </a:prstGeom>
+          <a:solidFill>
+            <a:srgbClr val="FFC000"/>
+          </a:solidFill>
+        </p:spPr>
+        <p:style>
+          <a:lnRef idx="2">
+            <a:schemeClr val="accent1">
+              <a:shade val="50000"/>
+            </a:schemeClr>
+          </a:lnRef>
+          <a:fillRef idx="1">
+            <a:schemeClr val="accent1"/>
+          </a:fillRef>
+          <a:effectRef idx="0">
+            <a:schemeClr val="accent1"/>
+          </a:effectRef>
+          <a:fontRef idx="minor">
+            <a:schemeClr val="lt1"/>
+          </a:fontRef>
+        </p:style>
+        <p:txBody>
+          <a:bodyPr rtlCol="0" anchor="ctr"/>
+          <a:lstStyle/>
+          <a:p>
+            <a:pPr algn="ctr"/>
+            <a:endParaRPr lang="zh-CN" altLang="en-US" sz="2800"/>
+          </a:p>
+        </p:txBody>
+      </p:sp>
+      <p:sp>
+        <p:nvSpPr>
+          <p:cNvPr id="92" name="矩形 91"/>
+          <p:cNvSpPr/>
+          <p:nvPr/>
+        </p:nvSpPr>
+        <p:spPr>
+          <a:xfrm>
+            <a:off x="5970989" y="5038529"/>
+            <a:ext cx="69259" cy="186249"/>
+          </a:xfrm>
+          <a:prstGeom prst="rect">
+            <a:avLst/>
+          </a:prstGeom>
+          <a:solidFill>
+            <a:srgbClr val="FFC000"/>
+          </a:solidFill>
+        </p:spPr>
+        <p:style>
+          <a:lnRef idx="2">
+            <a:schemeClr val="accent1">
+              <a:shade val="50000"/>
+            </a:schemeClr>
+          </a:lnRef>
+          <a:fillRef idx="1">
+            <a:schemeClr val="accent1"/>
+          </a:fillRef>
+          <a:effectRef idx="0">
+            <a:schemeClr val="accent1"/>
+          </a:effectRef>
+          <a:fontRef idx="minor">
+            <a:schemeClr val="lt1"/>
+          </a:fontRef>
+        </p:style>
+        <p:txBody>
+          <a:bodyPr rtlCol="0" anchor="ctr"/>
+          <a:lstStyle/>
+          <a:p>
+            <a:pPr algn="ctr"/>
+            <a:endParaRPr lang="zh-CN" altLang="en-US" sz="2800"/>
+          </a:p>
+        </p:txBody>
+      </p:sp>
+      <p:sp>
+        <p:nvSpPr>
+          <p:cNvPr id="93" name="矩形 92"/>
+          <p:cNvSpPr/>
+          <p:nvPr/>
+        </p:nvSpPr>
+        <p:spPr>
+          <a:xfrm>
+            <a:off x="6129679" y="5038529"/>
+            <a:ext cx="69259" cy="186249"/>
+          </a:xfrm>
+          <a:prstGeom prst="rect">
+            <a:avLst/>
+          </a:prstGeom>
+          <a:solidFill>
+            <a:srgbClr val="FFC000"/>
+          </a:solidFill>
+        </p:spPr>
+        <p:style>
+          <a:lnRef idx="2">
+            <a:schemeClr val="accent1">
+              <a:shade val="50000"/>
+            </a:schemeClr>
+          </a:lnRef>
+          <a:fillRef idx="1">
+            <a:schemeClr val="accent1"/>
+          </a:fillRef>
+          <a:effectRef idx="0">
+            <a:schemeClr val="accent1"/>
+          </a:effectRef>
+          <a:fontRef idx="minor">
+            <a:schemeClr val="lt1"/>
+          </a:fontRef>
+        </p:style>
+        <p:txBody>
+          <a:bodyPr rtlCol="0" anchor="ctr"/>
+          <a:lstStyle/>
+          <a:p>
+            <a:pPr algn="ctr"/>
+            <a:endParaRPr lang="zh-CN" altLang="en-US" sz="2800"/>
+          </a:p>
+        </p:txBody>
+      </p:sp>
+      <p:sp>
+        <p:nvSpPr>
+          <p:cNvPr id="94" name="矩形 93"/>
+          <p:cNvSpPr/>
+          <p:nvPr/>
+        </p:nvSpPr>
+        <p:spPr>
+          <a:xfrm>
+            <a:off x="6296388" y="5038528"/>
+            <a:ext cx="69259" cy="186249"/>
+          </a:xfrm>
+          <a:prstGeom prst="rect">
+            <a:avLst/>
+          </a:prstGeom>
+          <a:solidFill>
+            <a:srgbClr val="FFC000"/>
+          </a:solidFill>
+        </p:spPr>
+        <p:style>
+          <a:lnRef idx="2">
+            <a:schemeClr val="accent1">
+              <a:shade val="50000"/>
+            </a:schemeClr>
+          </a:lnRef>
+          <a:fillRef idx="1">
+            <a:schemeClr val="accent1"/>
+          </a:fillRef>
+          <a:effectRef idx="0">
+            <a:schemeClr val="accent1"/>
+          </a:effectRef>
+          <a:fontRef idx="minor">
+            <a:schemeClr val="lt1"/>
+          </a:fontRef>
+        </p:style>
+        <p:txBody>
+          <a:bodyPr rtlCol="0" anchor="ctr"/>
+          <a:lstStyle/>
+          <a:p>
+            <a:pPr algn="ctr"/>
+            <a:endParaRPr lang="zh-CN" altLang="en-US" sz="2800"/>
+          </a:p>
+        </p:txBody>
+      </p:sp>
+      <p:sp>
+        <p:nvSpPr>
+          <p:cNvPr id="95" name="矩形 94"/>
+          <p:cNvSpPr/>
+          <p:nvPr/>
+        </p:nvSpPr>
+        <p:spPr>
+          <a:xfrm>
+            <a:off x="6460509" y="5037257"/>
+            <a:ext cx="69259" cy="186249"/>
+          </a:xfrm>
+          <a:prstGeom prst="rect">
+            <a:avLst/>
+          </a:prstGeom>
+          <a:solidFill>
+            <a:srgbClr val="FFC000"/>
+          </a:solidFill>
+        </p:spPr>
+        <p:style>
+          <a:lnRef idx="2">
+            <a:schemeClr val="accent1">
+              <a:shade val="50000"/>
+            </a:schemeClr>
+          </a:lnRef>
+          <a:fillRef idx="1">
+            <a:schemeClr val="accent1"/>
+          </a:fillRef>
+          <a:effectRef idx="0">
+            <a:schemeClr val="accent1"/>
+          </a:effectRef>
+          <a:fontRef idx="minor">
+            <a:schemeClr val="lt1"/>
+          </a:fontRef>
+        </p:style>
+        <p:txBody>
+          <a:bodyPr rtlCol="0" anchor="ctr"/>
+          <a:lstStyle/>
+          <a:p>
+            <a:pPr algn="ctr"/>
+            <a:endParaRPr lang="zh-CN" altLang="en-US" sz="2800"/>
+          </a:p>
+        </p:txBody>
+      </p:sp>
+      <p:sp>
+        <p:nvSpPr>
+          <p:cNvPr id="96" name="矩形 95"/>
+          <p:cNvSpPr/>
+          <p:nvPr/>
+        </p:nvSpPr>
+        <p:spPr>
+          <a:xfrm>
+            <a:off x="6624630" y="5037256"/>
+            <a:ext cx="69259" cy="186249"/>
+          </a:xfrm>
+          <a:prstGeom prst="rect">
+            <a:avLst/>
+          </a:prstGeom>
+          <a:solidFill>
+            <a:srgbClr val="FFC000"/>
+          </a:solidFill>
+        </p:spPr>
+        <p:style>
+          <a:lnRef idx="2">
+            <a:schemeClr val="accent1">
+              <a:shade val="50000"/>
+            </a:schemeClr>
+          </a:lnRef>
+          <a:fillRef idx="1">
+            <a:schemeClr val="accent1"/>
+          </a:fillRef>
+          <a:effectRef idx="0">
+            <a:schemeClr val="accent1"/>
+          </a:effectRef>
+          <a:fontRef idx="minor">
+            <a:schemeClr val="lt1"/>
+          </a:fontRef>
+        </p:style>
+        <p:txBody>
+          <a:bodyPr rtlCol="0" anchor="ctr"/>
+          <a:lstStyle/>
+          <a:p>
+            <a:pPr algn="ctr"/>
+            <a:endParaRPr lang="zh-CN" altLang="en-US" sz="2800"/>
+          </a:p>
+        </p:txBody>
+      </p:sp>
+      <p:sp>
+        <p:nvSpPr>
+          <p:cNvPr id="97" name="矩形 96"/>
+          <p:cNvSpPr/>
+          <p:nvPr/>
+        </p:nvSpPr>
+        <p:spPr>
+          <a:xfrm>
+            <a:off x="6786681" y="5037256"/>
+            <a:ext cx="69259" cy="186249"/>
+          </a:xfrm>
+          <a:prstGeom prst="rect">
+            <a:avLst/>
+          </a:prstGeom>
+          <a:solidFill>
+            <a:srgbClr val="FFC000"/>
+          </a:solidFill>
+        </p:spPr>
+        <p:style>
+          <a:lnRef idx="2">
+            <a:schemeClr val="accent1">
+              <a:shade val="50000"/>
+            </a:schemeClr>
+          </a:lnRef>
+          <a:fillRef idx="1">
+            <a:schemeClr val="accent1"/>
+          </a:fillRef>
+          <a:effectRef idx="0">
+            <a:schemeClr val="accent1"/>
+          </a:effectRef>
+          <a:fontRef idx="minor">
+            <a:schemeClr val="lt1"/>
+          </a:fontRef>
+        </p:style>
+        <p:txBody>
+          <a:bodyPr rtlCol="0" anchor="ctr"/>
+          <a:lstStyle/>
+          <a:p>
+            <a:pPr algn="ctr"/>
+            <a:endParaRPr lang="zh-CN" altLang="en-US" sz="2800"/>
+          </a:p>
+        </p:txBody>
+      </p:sp>
+      <p:sp>
+        <p:nvSpPr>
+          <p:cNvPr id="98" name="矩形 97"/>
+          <p:cNvSpPr/>
+          <p:nvPr/>
+        </p:nvSpPr>
+        <p:spPr>
+          <a:xfrm>
+            <a:off x="4670077" y="4934256"/>
+            <a:ext cx="1133669" cy="578498"/>
+          </a:xfrm>
+          <a:prstGeom prst="rect">
+            <a:avLst/>
+          </a:prstGeom>
+          <a:noFill/>
+        </p:spPr>
+        <p:style>
+          <a:lnRef idx="2">
+            <a:schemeClr val="accent1">
+              <a:shade val="50000"/>
+            </a:schemeClr>
+          </a:lnRef>
+          <a:fillRef idx="1">
+            <a:schemeClr val="accent1"/>
+          </a:fillRef>
+          <a:effectRef idx="0">
+            <a:schemeClr val="accent1"/>
+          </a:effectRef>
+          <a:fontRef idx="minor">
+            <a:schemeClr val="lt1"/>
+          </a:fontRef>
+        </p:style>
+        <p:txBody>
+          <a:bodyPr rtlCol="0" anchor="ctr"/>
+          <a:lstStyle/>
+          <a:p>
+            <a:pPr algn="ctr"/>
+            <a:endParaRPr lang="zh-CN" altLang="en-US"/>
+          </a:p>
+        </p:txBody>
+      </p:sp>
+      <p:sp>
+        <p:nvSpPr>
+          <p:cNvPr id="99" name="矩形 98"/>
+          <p:cNvSpPr/>
+          <p:nvPr/>
+        </p:nvSpPr>
+        <p:spPr>
+          <a:xfrm>
+            <a:off x="5944559" y="4934256"/>
+            <a:ext cx="1133669" cy="578498"/>
+          </a:xfrm>
+          <a:prstGeom prst="rect">
+            <a:avLst/>
+          </a:prstGeom>
+          <a:noFill/>
+        </p:spPr>
+        <p:style>
+          <a:lnRef idx="2">
+            <a:schemeClr val="accent1">
+              <a:shade val="50000"/>
+            </a:schemeClr>
+          </a:lnRef>
+          <a:fillRef idx="1">
+            <a:schemeClr val="accent1"/>
+          </a:fillRef>
+          <a:effectRef idx="0">
+            <a:schemeClr val="accent1"/>
+          </a:effectRef>
+          <a:fontRef idx="minor">
+            <a:schemeClr val="lt1"/>
+          </a:fontRef>
+        </p:style>
+        <p:txBody>
+          <a:bodyPr rtlCol="0" anchor="ctr"/>
+          <a:lstStyle/>
+          <a:p>
+            <a:pPr algn="ctr"/>
+            <a:endParaRPr lang="zh-CN" altLang="en-US"/>
+          </a:p>
+        </p:txBody>
+      </p:sp>
+      <p:sp>
+        <p:nvSpPr>
+          <p:cNvPr id="100" name="文本框 99"/>
+          <p:cNvSpPr txBox="1"/>
+          <p:nvPr/>
+        </p:nvSpPr>
+        <p:spPr>
+          <a:xfrm>
+            <a:off x="4973863" y="5235755"/>
+            <a:ext cx="641605" cy="276999"/>
+          </a:xfrm>
+          <a:prstGeom prst="rect">
+            <a:avLst/>
+          </a:prstGeom>
+          <a:noFill/>
+        </p:spPr>
+        <p:txBody>
+          <a:bodyPr wrap="square" rtlCol="0">
+            <a:spAutoFit/>
+          </a:bodyPr>
+          <a:lstStyle/>
+          <a:p>
+            <a:pPr algn="ctr"/>
+            <a:r>
+              <a:rPr lang="en-US" altLang="zh-CN" sz="1200" smtClean="0">
+                <a:latin typeface="华文楷体" panose="02010600040101010101" pitchFamily="2" charset="-122"/>
+                <a:ea typeface="华文楷体" panose="02010600040101010101" pitchFamily="2" charset="-122"/>
+              </a:rPr>
+              <a:t>PDU3</a:t>
+            </a:r>
+            <a:endParaRPr lang="zh-CN" altLang="en-US" sz="1200">
+              <a:latin typeface="华文楷体" panose="02010600040101010101" pitchFamily="2" charset="-122"/>
+              <a:ea typeface="华文楷体" panose="02010600040101010101" pitchFamily="2" charset="-122"/>
+            </a:endParaRPr>
+          </a:p>
+        </p:txBody>
+      </p:sp>
+      <p:sp>
+        <p:nvSpPr>
+          <p:cNvPr id="101" name="文本框 100"/>
+          <p:cNvSpPr txBox="1"/>
+          <p:nvPr/>
+        </p:nvSpPr>
+        <p:spPr>
+          <a:xfrm>
+            <a:off x="6231386" y="5230266"/>
+            <a:ext cx="641605" cy="276999"/>
+          </a:xfrm>
+          <a:prstGeom prst="rect">
+            <a:avLst/>
+          </a:prstGeom>
+          <a:noFill/>
+        </p:spPr>
+        <p:txBody>
+          <a:bodyPr wrap="square" rtlCol="0">
+            <a:spAutoFit/>
+          </a:bodyPr>
+          <a:lstStyle/>
+          <a:p>
+            <a:pPr algn="ctr"/>
+            <a:r>
+              <a:rPr lang="en-US" altLang="zh-CN" sz="1200" smtClean="0">
+                <a:latin typeface="华文楷体" panose="02010600040101010101" pitchFamily="2" charset="-122"/>
+                <a:ea typeface="华文楷体" panose="02010600040101010101" pitchFamily="2" charset="-122"/>
+              </a:rPr>
+              <a:t>PDU4</a:t>
+            </a:r>
+            <a:endParaRPr lang="zh-CN" altLang="en-US" sz="1200">
+              <a:latin typeface="华文楷体" panose="02010600040101010101" pitchFamily="2" charset="-122"/>
+              <a:ea typeface="华文楷体" panose="02010600040101010101" pitchFamily="2" charset="-122"/>
+            </a:endParaRPr>
+          </a:p>
+        </p:txBody>
+      </p:sp>
+      <p:sp>
+        <p:nvSpPr>
+          <p:cNvPr id="102" name="文本框 101"/>
+          <p:cNvSpPr txBox="1"/>
+          <p:nvPr/>
+        </p:nvSpPr>
+        <p:spPr>
+          <a:xfrm>
+            <a:off x="4883688" y="5011869"/>
+            <a:ext cx="114300" cy="261610"/>
+          </a:xfrm>
+          <a:prstGeom prst="rect">
+            <a:avLst/>
+          </a:prstGeom>
+          <a:noFill/>
+        </p:spPr>
+        <p:txBody>
+          <a:bodyPr wrap="square" rtlCol="0">
+            <a:spAutoFit/>
+          </a:bodyPr>
+          <a:lstStyle/>
+          <a:p>
+            <a:pPr algn="ctr"/>
+            <a:r>
+              <a:rPr lang="en-US" altLang="zh-CN" sz="1100" smtClean="0">
+                <a:latin typeface="华文楷体" panose="02010600040101010101" pitchFamily="2" charset="-122"/>
+                <a:ea typeface="华文楷体" panose="02010600040101010101" pitchFamily="2" charset="-122"/>
+              </a:rPr>
+              <a:t>1</a:t>
+            </a:r>
+            <a:endParaRPr lang="zh-CN" altLang="en-US" sz="1100">
+              <a:latin typeface="华文楷体" panose="02010600040101010101" pitchFamily="2" charset="-122"/>
+              <a:ea typeface="华文楷体" panose="02010600040101010101" pitchFamily="2" charset="-122"/>
+            </a:endParaRPr>
+          </a:p>
+        </p:txBody>
+      </p:sp>
+      <p:sp>
+        <p:nvSpPr>
+          <p:cNvPr id="103" name="文本框 102"/>
+          <p:cNvSpPr txBox="1"/>
+          <p:nvPr/>
+        </p:nvSpPr>
+        <p:spPr>
+          <a:xfrm>
+            <a:off x="5041001" y="5004698"/>
+            <a:ext cx="114300" cy="261610"/>
+          </a:xfrm>
+          <a:prstGeom prst="rect">
+            <a:avLst/>
+          </a:prstGeom>
+          <a:noFill/>
+        </p:spPr>
+        <p:txBody>
+          <a:bodyPr wrap="square" rtlCol="0">
+            <a:spAutoFit/>
+          </a:bodyPr>
+          <a:lstStyle/>
+          <a:p>
+            <a:pPr algn="ctr"/>
+            <a:r>
+              <a:rPr lang="en-US" altLang="zh-CN" sz="1100">
+                <a:latin typeface="华文楷体" panose="02010600040101010101" pitchFamily="2" charset="-122"/>
+                <a:ea typeface="华文楷体" panose="02010600040101010101" pitchFamily="2" charset="-122"/>
+              </a:rPr>
+              <a:t>2</a:t>
+            </a:r>
+            <a:endParaRPr lang="zh-CN" altLang="en-US" sz="1100">
+              <a:latin typeface="华文楷体" panose="02010600040101010101" pitchFamily="2" charset="-122"/>
+              <a:ea typeface="华文楷体" panose="02010600040101010101" pitchFamily="2" charset="-122"/>
+            </a:endParaRPr>
+          </a:p>
+        </p:txBody>
+      </p:sp>
+      <p:sp>
+        <p:nvSpPr>
+          <p:cNvPr id="104" name="文本框 103"/>
+          <p:cNvSpPr txBox="1"/>
+          <p:nvPr/>
+        </p:nvSpPr>
+        <p:spPr>
+          <a:xfrm>
+            <a:off x="5202946" y="5011869"/>
+            <a:ext cx="114300" cy="261610"/>
+          </a:xfrm>
+          <a:prstGeom prst="rect">
+            <a:avLst/>
+          </a:prstGeom>
+          <a:noFill/>
+        </p:spPr>
+        <p:txBody>
+          <a:bodyPr wrap="square" rtlCol="0">
+            <a:spAutoFit/>
+          </a:bodyPr>
+          <a:lstStyle/>
+          <a:p>
+            <a:pPr algn="ctr"/>
+            <a:r>
+              <a:rPr lang="en-US" altLang="zh-CN" sz="1100">
+                <a:latin typeface="华文楷体" panose="02010600040101010101" pitchFamily="2" charset="-122"/>
+                <a:ea typeface="华文楷体" panose="02010600040101010101" pitchFamily="2" charset="-122"/>
+              </a:rPr>
+              <a:t>3</a:t>
+            </a:r>
+            <a:endParaRPr lang="zh-CN" altLang="en-US" sz="1100">
+              <a:latin typeface="华文楷体" panose="02010600040101010101" pitchFamily="2" charset="-122"/>
+              <a:ea typeface="华文楷体" panose="02010600040101010101" pitchFamily="2" charset="-122"/>
+            </a:endParaRPr>
+          </a:p>
+        </p:txBody>
+      </p:sp>
+      <p:sp>
+        <p:nvSpPr>
+          <p:cNvPr id="105" name="文本框 104"/>
+          <p:cNvSpPr txBox="1"/>
+          <p:nvPr/>
+        </p:nvSpPr>
+        <p:spPr>
+          <a:xfrm>
+            <a:off x="5362551" y="5004698"/>
+            <a:ext cx="114300" cy="261610"/>
+          </a:xfrm>
+          <a:prstGeom prst="rect">
+            <a:avLst/>
+          </a:prstGeom>
+          <a:noFill/>
+        </p:spPr>
+        <p:txBody>
+          <a:bodyPr wrap="square" rtlCol="0">
+            <a:spAutoFit/>
+          </a:bodyPr>
+          <a:lstStyle/>
+          <a:p>
+            <a:pPr algn="ctr"/>
+            <a:r>
+              <a:rPr lang="en-US" altLang="zh-CN" sz="1100">
+                <a:latin typeface="华文楷体" panose="02010600040101010101" pitchFamily="2" charset="-122"/>
+                <a:ea typeface="华文楷体" panose="02010600040101010101" pitchFamily="2" charset="-122"/>
+              </a:rPr>
+              <a:t>4</a:t>
+            </a:r>
+            <a:endParaRPr lang="zh-CN" altLang="en-US" sz="1100">
+              <a:latin typeface="华文楷体" panose="02010600040101010101" pitchFamily="2" charset="-122"/>
+              <a:ea typeface="华文楷体" panose="02010600040101010101" pitchFamily="2" charset="-122"/>
+            </a:endParaRPr>
+          </a:p>
+        </p:txBody>
+      </p:sp>
+      <p:sp>
+        <p:nvSpPr>
+          <p:cNvPr id="106" name="文本框 105"/>
+          <p:cNvSpPr txBox="1"/>
+          <p:nvPr/>
+        </p:nvSpPr>
+        <p:spPr>
+          <a:xfrm>
+            <a:off x="5526899" y="5007009"/>
+            <a:ext cx="114300" cy="261610"/>
+          </a:xfrm>
+          <a:prstGeom prst="rect">
+            <a:avLst/>
+          </a:prstGeom>
+          <a:noFill/>
+        </p:spPr>
+        <p:txBody>
+          <a:bodyPr wrap="square" rtlCol="0">
+            <a:spAutoFit/>
+          </a:bodyPr>
+          <a:lstStyle/>
+          <a:p>
+            <a:pPr algn="ctr"/>
+            <a:r>
+              <a:rPr lang="en-US" altLang="zh-CN" sz="1100">
+                <a:latin typeface="华文楷体" panose="02010600040101010101" pitchFamily="2" charset="-122"/>
+                <a:ea typeface="华文楷体" panose="02010600040101010101" pitchFamily="2" charset="-122"/>
+              </a:rPr>
+              <a:t>5</a:t>
+            </a:r>
+            <a:endParaRPr lang="zh-CN" altLang="en-US" sz="1100">
+              <a:latin typeface="华文楷体" panose="02010600040101010101" pitchFamily="2" charset="-122"/>
+              <a:ea typeface="华文楷体" panose="02010600040101010101" pitchFamily="2" charset="-122"/>
+            </a:endParaRPr>
+          </a:p>
+        </p:txBody>
+      </p:sp>
+      <p:sp>
+        <p:nvSpPr>
+          <p:cNvPr id="107" name="文本框 106"/>
+          <p:cNvSpPr txBox="1"/>
+          <p:nvPr/>
+        </p:nvSpPr>
+        <p:spPr>
+          <a:xfrm>
+            <a:off x="5682214" y="5003422"/>
+            <a:ext cx="114300" cy="261610"/>
+          </a:xfrm>
+          <a:prstGeom prst="rect">
+            <a:avLst/>
+          </a:prstGeom>
+          <a:noFill/>
+        </p:spPr>
+        <p:txBody>
+          <a:bodyPr wrap="square" rtlCol="0">
+            <a:spAutoFit/>
+          </a:bodyPr>
+          <a:lstStyle/>
+          <a:p>
+            <a:pPr algn="ctr"/>
+            <a:r>
+              <a:rPr lang="en-US" altLang="zh-CN" sz="1100">
+                <a:latin typeface="华文楷体" panose="02010600040101010101" pitchFamily="2" charset="-122"/>
+                <a:ea typeface="华文楷体" panose="02010600040101010101" pitchFamily="2" charset="-122"/>
+              </a:rPr>
+              <a:t>6</a:t>
+            </a:r>
+            <a:endParaRPr lang="zh-CN" altLang="en-US" sz="1100">
+              <a:latin typeface="华文楷体" panose="02010600040101010101" pitchFamily="2" charset="-122"/>
+              <a:ea typeface="华文楷体" panose="02010600040101010101" pitchFamily="2" charset="-122"/>
+            </a:endParaRPr>
+          </a:p>
+        </p:txBody>
+      </p:sp>
+      <p:sp>
+        <p:nvSpPr>
+          <p:cNvPr id="108" name="文本框 107"/>
+          <p:cNvSpPr txBox="1"/>
+          <p:nvPr/>
+        </p:nvSpPr>
+        <p:spPr>
+          <a:xfrm>
+            <a:off x="6767856" y="4998777"/>
+            <a:ext cx="114300" cy="261610"/>
+          </a:xfrm>
+          <a:prstGeom prst="rect">
+            <a:avLst/>
+          </a:prstGeom>
+          <a:noFill/>
+        </p:spPr>
+        <p:txBody>
+          <a:bodyPr wrap="square" rtlCol="0">
+            <a:spAutoFit/>
+          </a:bodyPr>
+          <a:lstStyle/>
+          <a:p>
+            <a:pPr algn="ctr"/>
+            <a:r>
+              <a:rPr lang="en-US" altLang="zh-CN" sz="1100">
+                <a:latin typeface="华文楷体" panose="02010600040101010101" pitchFamily="2" charset="-122"/>
+                <a:ea typeface="华文楷体" panose="02010600040101010101" pitchFamily="2" charset="-122"/>
+              </a:rPr>
+              <a:t>6</a:t>
+            </a:r>
+            <a:endParaRPr lang="zh-CN" altLang="en-US" sz="1100">
+              <a:latin typeface="华文楷体" panose="02010600040101010101" pitchFamily="2" charset="-122"/>
+              <a:ea typeface="华文楷体" panose="02010600040101010101" pitchFamily="2" charset="-122"/>
+            </a:endParaRPr>
+          </a:p>
+        </p:txBody>
+      </p:sp>
+      <p:sp>
+        <p:nvSpPr>
+          <p:cNvPr id="109" name="文本框 108"/>
+          <p:cNvSpPr txBox="1"/>
+          <p:nvPr/>
+        </p:nvSpPr>
+        <p:spPr>
+          <a:xfrm>
+            <a:off x="6605805" y="5003002"/>
+            <a:ext cx="114300" cy="261610"/>
+          </a:xfrm>
+          <a:prstGeom prst="rect">
+            <a:avLst/>
+          </a:prstGeom>
+          <a:noFill/>
+        </p:spPr>
+        <p:txBody>
+          <a:bodyPr wrap="square" rtlCol="0">
+            <a:spAutoFit/>
+          </a:bodyPr>
+          <a:lstStyle/>
+          <a:p>
+            <a:pPr algn="ctr"/>
+            <a:r>
+              <a:rPr lang="en-US" altLang="zh-CN" sz="1100">
+                <a:latin typeface="华文楷体" panose="02010600040101010101" pitchFamily="2" charset="-122"/>
+                <a:ea typeface="华文楷体" panose="02010600040101010101" pitchFamily="2" charset="-122"/>
+              </a:rPr>
+              <a:t>5</a:t>
+            </a:r>
+            <a:endParaRPr lang="zh-CN" altLang="en-US" sz="1100">
+              <a:latin typeface="华文楷体" panose="02010600040101010101" pitchFamily="2" charset="-122"/>
+              <a:ea typeface="华文楷体" panose="02010600040101010101" pitchFamily="2" charset="-122"/>
+            </a:endParaRPr>
+          </a:p>
+        </p:txBody>
+      </p:sp>
+      <p:sp>
+        <p:nvSpPr>
+          <p:cNvPr id="110" name="文本框 109"/>
+          <p:cNvSpPr txBox="1"/>
+          <p:nvPr/>
+        </p:nvSpPr>
+        <p:spPr>
+          <a:xfrm>
+            <a:off x="6444212" y="5003002"/>
+            <a:ext cx="114300" cy="261610"/>
+          </a:xfrm>
+          <a:prstGeom prst="rect">
+            <a:avLst/>
+          </a:prstGeom>
+          <a:noFill/>
+        </p:spPr>
+        <p:txBody>
+          <a:bodyPr wrap="square" rtlCol="0">
+            <a:spAutoFit/>
+          </a:bodyPr>
+          <a:lstStyle/>
+          <a:p>
+            <a:pPr algn="ctr"/>
+            <a:r>
+              <a:rPr lang="en-US" altLang="zh-CN" sz="1100">
+                <a:latin typeface="华文楷体" panose="02010600040101010101" pitchFamily="2" charset="-122"/>
+                <a:ea typeface="华文楷体" panose="02010600040101010101" pitchFamily="2" charset="-122"/>
+              </a:rPr>
+              <a:t>4</a:t>
+            </a:r>
+            <a:endParaRPr lang="zh-CN" altLang="en-US" sz="1100">
+              <a:latin typeface="华文楷体" panose="02010600040101010101" pitchFamily="2" charset="-122"/>
+              <a:ea typeface="华文楷体" panose="02010600040101010101" pitchFamily="2" charset="-122"/>
+            </a:endParaRPr>
+          </a:p>
+        </p:txBody>
+      </p:sp>
+      <p:sp>
+        <p:nvSpPr>
+          <p:cNvPr id="111" name="文本框 110"/>
+          <p:cNvSpPr txBox="1"/>
+          <p:nvPr/>
+        </p:nvSpPr>
+        <p:spPr>
+          <a:xfrm>
+            <a:off x="6276702" y="5003002"/>
+            <a:ext cx="114300" cy="261610"/>
+          </a:xfrm>
+          <a:prstGeom prst="rect">
+            <a:avLst/>
+          </a:prstGeom>
+          <a:noFill/>
+        </p:spPr>
+        <p:txBody>
+          <a:bodyPr wrap="square" rtlCol="0">
+            <a:spAutoFit/>
+          </a:bodyPr>
+          <a:lstStyle/>
+          <a:p>
+            <a:pPr algn="ctr"/>
+            <a:r>
+              <a:rPr lang="en-US" altLang="zh-CN" sz="1100">
+                <a:latin typeface="华文楷体" panose="02010600040101010101" pitchFamily="2" charset="-122"/>
+                <a:ea typeface="华文楷体" panose="02010600040101010101" pitchFamily="2" charset="-122"/>
+              </a:rPr>
+              <a:t>3</a:t>
+            </a:r>
+            <a:endParaRPr lang="zh-CN" altLang="en-US" sz="1100">
+              <a:latin typeface="华文楷体" panose="02010600040101010101" pitchFamily="2" charset="-122"/>
+              <a:ea typeface="华文楷体" panose="02010600040101010101" pitchFamily="2" charset="-122"/>
+            </a:endParaRPr>
+          </a:p>
+        </p:txBody>
+      </p:sp>
+      <p:sp>
+        <p:nvSpPr>
+          <p:cNvPr id="112" name="文本框 111"/>
+          <p:cNvSpPr txBox="1"/>
+          <p:nvPr/>
+        </p:nvSpPr>
+        <p:spPr>
+          <a:xfrm>
+            <a:off x="6107486" y="5003642"/>
+            <a:ext cx="114300" cy="261610"/>
+          </a:xfrm>
+          <a:prstGeom prst="rect">
+            <a:avLst/>
+          </a:prstGeom>
+          <a:noFill/>
+        </p:spPr>
+        <p:txBody>
+          <a:bodyPr wrap="square" rtlCol="0">
+            <a:spAutoFit/>
+          </a:bodyPr>
+          <a:lstStyle/>
+          <a:p>
+            <a:pPr algn="ctr"/>
+            <a:r>
+              <a:rPr lang="en-US" altLang="zh-CN" sz="1100">
+                <a:latin typeface="华文楷体" panose="02010600040101010101" pitchFamily="2" charset="-122"/>
+                <a:ea typeface="华文楷体" panose="02010600040101010101" pitchFamily="2" charset="-122"/>
+              </a:rPr>
+              <a:t>2</a:t>
+            </a:r>
+            <a:endParaRPr lang="zh-CN" altLang="en-US" sz="1100">
+              <a:latin typeface="华文楷体" panose="02010600040101010101" pitchFamily="2" charset="-122"/>
+              <a:ea typeface="华文楷体" panose="02010600040101010101" pitchFamily="2" charset="-122"/>
+            </a:endParaRPr>
+          </a:p>
+        </p:txBody>
+      </p:sp>
+      <p:sp>
+        <p:nvSpPr>
+          <p:cNvPr id="113" name="文本框 112"/>
+          <p:cNvSpPr txBox="1"/>
+          <p:nvPr/>
+        </p:nvSpPr>
+        <p:spPr>
+          <a:xfrm>
+            <a:off x="5954764" y="5007009"/>
+            <a:ext cx="114300" cy="261610"/>
+          </a:xfrm>
+          <a:prstGeom prst="rect">
+            <a:avLst/>
+          </a:prstGeom>
+          <a:noFill/>
+        </p:spPr>
+        <p:txBody>
+          <a:bodyPr wrap="square" rtlCol="0">
+            <a:spAutoFit/>
+          </a:bodyPr>
+          <a:lstStyle/>
+          <a:p>
+            <a:pPr algn="ctr"/>
+            <a:r>
+              <a:rPr lang="en-US" altLang="zh-CN" sz="1100" smtClean="0">
+                <a:latin typeface="华文楷体" panose="02010600040101010101" pitchFamily="2" charset="-122"/>
+                <a:ea typeface="华文楷体" panose="02010600040101010101" pitchFamily="2" charset="-122"/>
+              </a:rPr>
+              <a:t>1</a:t>
+            </a:r>
+            <a:endParaRPr lang="zh-CN" altLang="en-US" sz="1100">
+              <a:latin typeface="华文楷体" panose="02010600040101010101" pitchFamily="2" charset="-122"/>
+              <a:ea typeface="华文楷体" panose="02010600040101010101" pitchFamily="2" charset="-122"/>
+            </a:endParaRPr>
+          </a:p>
+        </p:txBody>
+      </p:sp>
+      <p:sp>
+        <p:nvSpPr>
+          <p:cNvPr id="114" name="文本框 113"/>
+          <p:cNvSpPr txBox="1"/>
+          <p:nvPr/>
+        </p:nvSpPr>
+        <p:spPr>
+          <a:xfrm>
+            <a:off x="5416734" y="3951735"/>
+            <a:ext cx="912595" cy="369332"/>
+          </a:xfrm>
+          <a:prstGeom prst="rect">
+            <a:avLst/>
+          </a:prstGeom>
+          <a:noFill/>
+        </p:spPr>
+        <p:txBody>
+          <a:bodyPr wrap="square" rtlCol="0">
+            <a:spAutoFit/>
+          </a:bodyPr>
+          <a:lstStyle/>
+          <a:p>
+            <a:pPr algn="ctr"/>
+            <a:r>
+              <a:rPr lang="en-US" altLang="zh-CN" smtClean="0">
+                <a:latin typeface="华文楷体" panose="02010600040101010101" pitchFamily="2" charset="-122"/>
+                <a:ea typeface="华文楷体" panose="02010600040101010101" pitchFamily="2" charset="-122"/>
+              </a:rPr>
+              <a:t>3&amp;4</a:t>
+            </a:r>
+            <a:endParaRPr lang="zh-CN" altLang="en-US">
+              <a:latin typeface="华文楷体" panose="02010600040101010101" pitchFamily="2" charset="-122"/>
+              <a:ea typeface="华文楷体" panose="02010600040101010101" pitchFamily="2" charset="-122"/>
+            </a:endParaRPr>
+          </a:p>
+        </p:txBody>
+      </p:sp>
+      <p:sp>
+        <p:nvSpPr>
+          <p:cNvPr id="115" name="文本框 114"/>
+          <p:cNvSpPr txBox="1"/>
+          <p:nvPr/>
+        </p:nvSpPr>
+        <p:spPr>
+          <a:xfrm>
+            <a:off x="5176944" y="4389813"/>
+            <a:ext cx="1392174" cy="369332"/>
+          </a:xfrm>
+          <a:prstGeom prst="rect">
+            <a:avLst/>
+          </a:prstGeom>
+          <a:noFill/>
+        </p:spPr>
+        <p:txBody>
+          <a:bodyPr wrap="square" rtlCol="0">
+            <a:spAutoFit/>
+          </a:bodyPr>
+          <a:lstStyle/>
+          <a:p>
+            <a:pPr algn="ctr"/>
+            <a:r>
+              <a:rPr lang="en-US" altLang="zh-CN" smtClean="0">
+                <a:latin typeface="华文楷体" panose="02010600040101010101" pitchFamily="2" charset="-122"/>
+                <a:ea typeface="华文楷体" panose="02010600040101010101" pitchFamily="2" charset="-122"/>
+              </a:rPr>
+              <a:t>PDU</a:t>
+            </a:r>
+            <a:r>
+              <a:rPr lang="zh-CN" altLang="en-US">
+                <a:latin typeface="华文楷体" panose="02010600040101010101" pitchFamily="2" charset="-122"/>
+                <a:ea typeface="华文楷体" panose="02010600040101010101" pitchFamily="2" charset="-122"/>
+              </a:rPr>
+              <a:t>控制板</a:t>
+            </a:r>
+          </a:p>
+        </p:txBody>
+      </p:sp>
+      <p:sp>
+        <p:nvSpPr>
+          <p:cNvPr id="116" name="矩形 115"/>
+          <p:cNvSpPr/>
+          <p:nvPr/>
+        </p:nvSpPr>
+        <p:spPr>
+          <a:xfrm>
+            <a:off x="8994271" y="3900196"/>
+            <a:ext cx="1987421" cy="895739"/>
+          </a:xfrm>
+          <a:prstGeom prst="rect">
+            <a:avLst/>
+          </a:prstGeom>
+          <a:solidFill>
+            <a:schemeClr val="bg2">
+              <a:lumMod val="90000"/>
+            </a:schemeClr>
+          </a:solidFill>
+        </p:spPr>
+        <p:style>
+          <a:lnRef idx="2">
+            <a:schemeClr val="accent1">
+              <a:shade val="50000"/>
+            </a:schemeClr>
+          </a:lnRef>
+          <a:fillRef idx="1">
+            <a:schemeClr val="accent1"/>
+          </a:fillRef>
+          <a:effectRef idx="0">
+            <a:schemeClr val="accent1"/>
+          </a:effectRef>
+          <a:fontRef idx="minor">
+            <a:schemeClr val="lt1"/>
+          </a:fontRef>
+        </p:style>
+        <p:txBody>
+          <a:bodyPr rtlCol="0" anchor="ctr"/>
+          <a:lstStyle/>
+          <a:p>
+            <a:pPr algn="ctr"/>
+            <a:endParaRPr lang="zh-CN" altLang="en-US"/>
+          </a:p>
+        </p:txBody>
+      </p:sp>
+      <p:cxnSp>
+        <p:nvCxnSpPr>
+          <p:cNvPr id="117" name="直接连接符 116"/>
+          <p:cNvCxnSpPr/>
+          <p:nvPr/>
+        </p:nvCxnSpPr>
+        <p:spPr>
+          <a:xfrm>
+            <a:off x="9046250" y="4795935"/>
+            <a:ext cx="0" cy="242596"/>
+          </a:xfrm>
+          <a:prstGeom prst="line">
+            <a:avLst/>
+          </a:prstGeom>
+        </p:spPr>
+        <p:style>
+          <a:lnRef idx="1">
+            <a:schemeClr val="accent1"/>
+          </a:lnRef>
+          <a:fillRef idx="0">
+            <a:schemeClr val="accent1"/>
+          </a:fillRef>
+          <a:effectRef idx="0">
+            <a:schemeClr val="accent1"/>
+          </a:effectRef>
+          <a:fontRef idx="minor">
+            <a:schemeClr val="tx1"/>
+          </a:fontRef>
+        </p:style>
+      </p:cxnSp>
+      <p:cxnSp>
+        <p:nvCxnSpPr>
+          <p:cNvPr id="118" name="直接连接符 117"/>
+          <p:cNvCxnSpPr/>
+          <p:nvPr/>
+        </p:nvCxnSpPr>
+        <p:spPr>
+          <a:xfrm>
+            <a:off x="9206651" y="4795935"/>
+            <a:ext cx="0" cy="242596"/>
+          </a:xfrm>
+          <a:prstGeom prst="line">
+            <a:avLst/>
+          </a:prstGeom>
+        </p:spPr>
+        <p:style>
+          <a:lnRef idx="1">
+            <a:schemeClr val="accent1"/>
+          </a:lnRef>
+          <a:fillRef idx="0">
+            <a:schemeClr val="accent1"/>
+          </a:fillRef>
+          <a:effectRef idx="0">
+            <a:schemeClr val="accent1"/>
+          </a:effectRef>
+          <a:fontRef idx="minor">
+            <a:schemeClr val="tx1"/>
+          </a:fontRef>
+        </p:style>
+      </p:cxnSp>
+      <p:cxnSp>
+        <p:nvCxnSpPr>
+          <p:cNvPr id="119" name="直接连接符 118"/>
+          <p:cNvCxnSpPr/>
+          <p:nvPr/>
+        </p:nvCxnSpPr>
+        <p:spPr>
+          <a:xfrm>
+            <a:off x="9367052" y="4795935"/>
+            <a:ext cx="0" cy="242596"/>
+          </a:xfrm>
+          <a:prstGeom prst="line">
+            <a:avLst/>
+          </a:prstGeom>
+        </p:spPr>
+        <p:style>
+          <a:lnRef idx="1">
+            <a:schemeClr val="accent1"/>
+          </a:lnRef>
+          <a:fillRef idx="0">
+            <a:schemeClr val="accent1"/>
+          </a:fillRef>
+          <a:effectRef idx="0">
+            <a:schemeClr val="accent1"/>
+          </a:effectRef>
+          <a:fontRef idx="minor">
+            <a:schemeClr val="tx1"/>
+          </a:fontRef>
+        </p:style>
+      </p:cxnSp>
+      <p:cxnSp>
+        <p:nvCxnSpPr>
+          <p:cNvPr id="120" name="直接连接符 119"/>
+          <p:cNvCxnSpPr/>
+          <p:nvPr/>
+        </p:nvCxnSpPr>
+        <p:spPr>
+          <a:xfrm>
+            <a:off x="9527453" y="4795935"/>
+            <a:ext cx="0" cy="242596"/>
+          </a:xfrm>
+          <a:prstGeom prst="line">
+            <a:avLst/>
+          </a:prstGeom>
+        </p:spPr>
+        <p:style>
+          <a:lnRef idx="1">
+            <a:schemeClr val="accent1"/>
+          </a:lnRef>
+          <a:fillRef idx="0">
+            <a:schemeClr val="accent1"/>
+          </a:fillRef>
+          <a:effectRef idx="0">
+            <a:schemeClr val="accent1"/>
+          </a:effectRef>
+          <a:fontRef idx="minor">
+            <a:schemeClr val="tx1"/>
+          </a:fontRef>
+        </p:style>
+      </p:cxnSp>
+      <p:cxnSp>
+        <p:nvCxnSpPr>
+          <p:cNvPr id="121" name="直接连接符 120"/>
+          <p:cNvCxnSpPr/>
+          <p:nvPr/>
+        </p:nvCxnSpPr>
+        <p:spPr>
+          <a:xfrm>
+            <a:off x="9687854" y="4795935"/>
+            <a:ext cx="0" cy="242596"/>
+          </a:xfrm>
+          <a:prstGeom prst="line">
+            <a:avLst/>
+          </a:prstGeom>
+        </p:spPr>
+        <p:style>
+          <a:lnRef idx="1">
+            <a:schemeClr val="accent1"/>
+          </a:lnRef>
+          <a:fillRef idx="0">
+            <a:schemeClr val="accent1"/>
+          </a:fillRef>
+          <a:effectRef idx="0">
+            <a:schemeClr val="accent1"/>
+          </a:effectRef>
+          <a:fontRef idx="minor">
+            <a:schemeClr val="tx1"/>
+          </a:fontRef>
+        </p:style>
+      </p:cxnSp>
+      <p:cxnSp>
+        <p:nvCxnSpPr>
+          <p:cNvPr id="122" name="直接连接符 121"/>
+          <p:cNvCxnSpPr/>
+          <p:nvPr/>
+        </p:nvCxnSpPr>
+        <p:spPr>
+          <a:xfrm>
+            <a:off x="9848255" y="4795935"/>
+            <a:ext cx="0" cy="242596"/>
+          </a:xfrm>
+          <a:prstGeom prst="line">
+            <a:avLst/>
+          </a:prstGeom>
+        </p:spPr>
+        <p:style>
+          <a:lnRef idx="1">
+            <a:schemeClr val="accent1"/>
+          </a:lnRef>
+          <a:fillRef idx="0">
+            <a:schemeClr val="accent1"/>
+          </a:fillRef>
+          <a:effectRef idx="0">
+            <a:schemeClr val="accent1"/>
+          </a:effectRef>
+          <a:fontRef idx="minor">
+            <a:schemeClr val="tx1"/>
+          </a:fontRef>
+        </p:style>
+      </p:cxnSp>
+      <p:cxnSp>
+        <p:nvCxnSpPr>
+          <p:cNvPr id="123" name="直接连接符 122"/>
+          <p:cNvCxnSpPr/>
+          <p:nvPr/>
+        </p:nvCxnSpPr>
+        <p:spPr>
+          <a:xfrm>
+            <a:off x="10762528" y="4795935"/>
+            <a:ext cx="0" cy="242596"/>
+          </a:xfrm>
+          <a:prstGeom prst="line">
+            <a:avLst/>
+          </a:prstGeom>
+        </p:spPr>
+        <p:style>
+          <a:lnRef idx="1">
+            <a:schemeClr val="accent1"/>
+          </a:lnRef>
+          <a:fillRef idx="0">
+            <a:schemeClr val="accent1"/>
+          </a:fillRef>
+          <a:effectRef idx="0">
+            <a:schemeClr val="accent1"/>
+          </a:effectRef>
+          <a:fontRef idx="minor">
+            <a:schemeClr val="tx1"/>
+          </a:fontRef>
+        </p:style>
+      </p:cxnSp>
+      <p:cxnSp>
+        <p:nvCxnSpPr>
+          <p:cNvPr id="124" name="直接连接符 123"/>
+          <p:cNvCxnSpPr/>
+          <p:nvPr/>
+        </p:nvCxnSpPr>
+        <p:spPr>
+          <a:xfrm>
+            <a:off x="10600476" y="4795935"/>
+            <a:ext cx="0" cy="242596"/>
+          </a:xfrm>
+          <a:prstGeom prst="line">
+            <a:avLst/>
+          </a:prstGeom>
+        </p:spPr>
+        <p:style>
+          <a:lnRef idx="1">
+            <a:schemeClr val="accent1"/>
+          </a:lnRef>
+          <a:fillRef idx="0">
+            <a:schemeClr val="accent1"/>
+          </a:fillRef>
+          <a:effectRef idx="0">
+            <a:schemeClr val="accent1"/>
+          </a:effectRef>
+          <a:fontRef idx="minor">
+            <a:schemeClr val="tx1"/>
+          </a:fontRef>
+        </p:style>
+      </p:cxnSp>
+      <p:cxnSp>
+        <p:nvCxnSpPr>
+          <p:cNvPr id="125" name="直接连接符 124"/>
+          <p:cNvCxnSpPr/>
+          <p:nvPr/>
+        </p:nvCxnSpPr>
+        <p:spPr>
+          <a:xfrm>
+            <a:off x="10438424" y="4795935"/>
+            <a:ext cx="0" cy="242596"/>
+          </a:xfrm>
+          <a:prstGeom prst="line">
+            <a:avLst/>
+          </a:prstGeom>
+        </p:spPr>
+        <p:style>
+          <a:lnRef idx="1">
+            <a:schemeClr val="accent1"/>
+          </a:lnRef>
+          <a:fillRef idx="0">
+            <a:schemeClr val="accent1"/>
+          </a:fillRef>
+          <a:effectRef idx="0">
+            <a:schemeClr val="accent1"/>
+          </a:effectRef>
+          <a:fontRef idx="minor">
+            <a:schemeClr val="tx1"/>
+          </a:fontRef>
+        </p:style>
+      </p:cxnSp>
+      <p:cxnSp>
+        <p:nvCxnSpPr>
+          <p:cNvPr id="126" name="直接连接符 125"/>
+          <p:cNvCxnSpPr/>
+          <p:nvPr/>
+        </p:nvCxnSpPr>
+        <p:spPr>
+          <a:xfrm>
+            <a:off x="10276372" y="4795935"/>
+            <a:ext cx="0" cy="242596"/>
+          </a:xfrm>
+          <a:prstGeom prst="line">
+            <a:avLst/>
+          </a:prstGeom>
+        </p:spPr>
+        <p:style>
+          <a:lnRef idx="1">
+            <a:schemeClr val="accent1"/>
+          </a:lnRef>
+          <a:fillRef idx="0">
+            <a:schemeClr val="accent1"/>
+          </a:fillRef>
+          <a:effectRef idx="0">
+            <a:schemeClr val="accent1"/>
+          </a:effectRef>
+          <a:fontRef idx="minor">
+            <a:schemeClr val="tx1"/>
+          </a:fontRef>
+        </p:style>
+      </p:cxnSp>
+      <p:cxnSp>
+        <p:nvCxnSpPr>
+          <p:cNvPr id="127" name="直接连接符 126"/>
+          <p:cNvCxnSpPr/>
+          <p:nvPr/>
+        </p:nvCxnSpPr>
+        <p:spPr>
+          <a:xfrm>
+            <a:off x="10114320" y="4795935"/>
+            <a:ext cx="0" cy="242596"/>
+          </a:xfrm>
+          <a:prstGeom prst="line">
+            <a:avLst/>
+          </a:prstGeom>
+        </p:spPr>
+        <p:style>
+          <a:lnRef idx="1">
+            <a:schemeClr val="accent1"/>
+          </a:lnRef>
+          <a:fillRef idx="0">
+            <a:schemeClr val="accent1"/>
+          </a:fillRef>
+          <a:effectRef idx="0">
+            <a:schemeClr val="accent1"/>
+          </a:effectRef>
+          <a:fontRef idx="minor">
+            <a:schemeClr val="tx1"/>
+          </a:fontRef>
+        </p:style>
+      </p:cxnSp>
+      <p:cxnSp>
+        <p:nvCxnSpPr>
+          <p:cNvPr id="128" name="直接连接符 127"/>
+          <p:cNvCxnSpPr/>
+          <p:nvPr/>
+        </p:nvCxnSpPr>
+        <p:spPr>
+          <a:xfrm>
+            <a:off x="10924580" y="4795935"/>
+            <a:ext cx="0" cy="242596"/>
+          </a:xfrm>
+          <a:prstGeom prst="line">
+            <a:avLst/>
+          </a:prstGeom>
+        </p:spPr>
+        <p:style>
+          <a:lnRef idx="1">
+            <a:schemeClr val="accent1"/>
+          </a:lnRef>
+          <a:fillRef idx="0">
+            <a:schemeClr val="accent1"/>
+          </a:fillRef>
+          <a:effectRef idx="0">
+            <a:schemeClr val="accent1"/>
+          </a:effectRef>
+          <a:fontRef idx="minor">
+            <a:schemeClr val="tx1"/>
+          </a:fontRef>
+        </p:style>
+      </p:cxnSp>
+      <p:sp>
+        <p:nvSpPr>
+          <p:cNvPr id="129" name="矩形 128"/>
+          <p:cNvSpPr/>
+          <p:nvPr/>
+        </p:nvSpPr>
+        <p:spPr>
+          <a:xfrm>
+            <a:off x="9011620" y="5038531"/>
+            <a:ext cx="69259" cy="186249"/>
+          </a:xfrm>
+          <a:prstGeom prst="rect">
+            <a:avLst/>
+          </a:prstGeom>
+          <a:solidFill>
+            <a:srgbClr val="FFC000"/>
+          </a:solidFill>
+        </p:spPr>
+        <p:style>
+          <a:lnRef idx="2">
+            <a:schemeClr val="accent1">
+              <a:shade val="50000"/>
+            </a:schemeClr>
+          </a:lnRef>
+          <a:fillRef idx="1">
+            <a:schemeClr val="accent1"/>
+          </a:fillRef>
+          <a:effectRef idx="0">
+            <a:schemeClr val="accent1"/>
+          </a:effectRef>
+          <a:fontRef idx="minor">
+            <a:schemeClr val="lt1"/>
+          </a:fontRef>
+        </p:style>
+        <p:txBody>
+          <a:bodyPr rtlCol="0" anchor="ctr"/>
+          <a:lstStyle/>
+          <a:p>
+            <a:pPr algn="ctr"/>
+            <a:endParaRPr lang="zh-CN" altLang="en-US" sz="2800"/>
+          </a:p>
+        </p:txBody>
+      </p:sp>
+      <p:sp>
+        <p:nvSpPr>
+          <p:cNvPr id="130" name="矩形 129"/>
+          <p:cNvSpPr/>
+          <p:nvPr/>
+        </p:nvSpPr>
+        <p:spPr>
+          <a:xfrm>
+            <a:off x="9170371" y="5038531"/>
+            <a:ext cx="69259" cy="186249"/>
+          </a:xfrm>
+          <a:prstGeom prst="rect">
+            <a:avLst/>
+          </a:prstGeom>
+          <a:solidFill>
+            <a:srgbClr val="FFC000"/>
+          </a:solidFill>
+        </p:spPr>
+        <p:style>
+          <a:lnRef idx="2">
+            <a:schemeClr val="accent1">
+              <a:shade val="50000"/>
+            </a:schemeClr>
+          </a:lnRef>
+          <a:fillRef idx="1">
+            <a:schemeClr val="accent1"/>
+          </a:fillRef>
+          <a:effectRef idx="0">
+            <a:schemeClr val="accent1"/>
+          </a:effectRef>
+          <a:fontRef idx="minor">
+            <a:schemeClr val="lt1"/>
+          </a:fontRef>
+        </p:style>
+        <p:txBody>
+          <a:bodyPr rtlCol="0" anchor="ctr"/>
+          <a:lstStyle/>
+          <a:p>
+            <a:pPr algn="ctr"/>
+            <a:endParaRPr lang="zh-CN" altLang="en-US" sz="2800"/>
+          </a:p>
+        </p:txBody>
+      </p:sp>
+      <p:sp>
+        <p:nvSpPr>
+          <p:cNvPr id="131" name="矩形 130"/>
+          <p:cNvSpPr/>
+          <p:nvPr/>
+        </p:nvSpPr>
+        <p:spPr>
+          <a:xfrm>
+            <a:off x="9331556" y="5038531"/>
+            <a:ext cx="69259" cy="186249"/>
+          </a:xfrm>
+          <a:prstGeom prst="rect">
+            <a:avLst/>
+          </a:prstGeom>
+          <a:solidFill>
+            <a:srgbClr val="FFC000"/>
+          </a:solidFill>
+        </p:spPr>
+        <p:style>
+          <a:lnRef idx="2">
+            <a:schemeClr val="accent1">
+              <a:shade val="50000"/>
+            </a:schemeClr>
+          </a:lnRef>
+          <a:fillRef idx="1">
+            <a:schemeClr val="accent1"/>
+          </a:fillRef>
+          <a:effectRef idx="0">
+            <a:schemeClr val="accent1"/>
+          </a:effectRef>
+          <a:fontRef idx="minor">
+            <a:schemeClr val="lt1"/>
+          </a:fontRef>
+        </p:style>
+        <p:txBody>
+          <a:bodyPr rtlCol="0" anchor="ctr"/>
+          <a:lstStyle/>
+          <a:p>
+            <a:pPr algn="ctr"/>
+            <a:endParaRPr lang="zh-CN" altLang="en-US" sz="2800"/>
+          </a:p>
+        </p:txBody>
+      </p:sp>
+      <p:sp>
+        <p:nvSpPr>
+          <p:cNvPr id="132" name="矩形 131"/>
+          <p:cNvSpPr/>
+          <p:nvPr/>
+        </p:nvSpPr>
+        <p:spPr>
+          <a:xfrm>
+            <a:off x="9492494" y="5038531"/>
+            <a:ext cx="69259" cy="186249"/>
+          </a:xfrm>
+          <a:prstGeom prst="rect">
+            <a:avLst/>
+          </a:prstGeom>
+          <a:solidFill>
+            <a:srgbClr val="FFC000"/>
+          </a:solidFill>
+        </p:spPr>
+        <p:style>
+          <a:lnRef idx="2">
+            <a:schemeClr val="accent1">
+              <a:shade val="50000"/>
+            </a:schemeClr>
+          </a:lnRef>
+          <a:fillRef idx="1">
+            <a:schemeClr val="accent1"/>
+          </a:fillRef>
+          <a:effectRef idx="0">
+            <a:schemeClr val="accent1"/>
+          </a:effectRef>
+          <a:fontRef idx="minor">
+            <a:schemeClr val="lt1"/>
+          </a:fontRef>
+        </p:style>
+        <p:txBody>
+          <a:bodyPr rtlCol="0" anchor="ctr"/>
+          <a:lstStyle/>
+          <a:p>
+            <a:pPr algn="ctr"/>
+            <a:endParaRPr lang="zh-CN" altLang="en-US" sz="2800"/>
+          </a:p>
+        </p:txBody>
+      </p:sp>
+      <p:sp>
+        <p:nvSpPr>
+          <p:cNvPr id="133" name="矩形 132"/>
+          <p:cNvSpPr/>
+          <p:nvPr/>
+        </p:nvSpPr>
+        <p:spPr>
+          <a:xfrm>
+            <a:off x="9654242" y="5041898"/>
+            <a:ext cx="69259" cy="186249"/>
+          </a:xfrm>
+          <a:prstGeom prst="rect">
+            <a:avLst/>
+          </a:prstGeom>
+          <a:solidFill>
+            <a:srgbClr val="FFC000"/>
+          </a:solidFill>
+        </p:spPr>
+        <p:style>
+          <a:lnRef idx="2">
+            <a:schemeClr val="accent1">
+              <a:shade val="50000"/>
+            </a:schemeClr>
+          </a:lnRef>
+          <a:fillRef idx="1">
+            <a:schemeClr val="accent1"/>
+          </a:fillRef>
+          <a:effectRef idx="0">
+            <a:schemeClr val="accent1"/>
+          </a:effectRef>
+          <a:fontRef idx="minor">
+            <a:schemeClr val="lt1"/>
+          </a:fontRef>
+        </p:style>
+        <p:txBody>
+          <a:bodyPr rtlCol="0" anchor="ctr"/>
+          <a:lstStyle/>
+          <a:p>
+            <a:pPr algn="ctr"/>
+            <a:endParaRPr lang="zh-CN" altLang="en-US" sz="2800"/>
+          </a:p>
+        </p:txBody>
+      </p:sp>
+      <p:sp>
+        <p:nvSpPr>
+          <p:cNvPr id="134" name="矩形 133"/>
+          <p:cNvSpPr/>
+          <p:nvPr/>
+        </p:nvSpPr>
+        <p:spPr>
+          <a:xfrm>
+            <a:off x="9814642" y="5038530"/>
+            <a:ext cx="69259" cy="186249"/>
+          </a:xfrm>
+          <a:prstGeom prst="rect">
+            <a:avLst/>
+          </a:prstGeom>
+          <a:solidFill>
+            <a:srgbClr val="FFC000"/>
+          </a:solidFill>
+        </p:spPr>
+        <p:style>
+          <a:lnRef idx="2">
+            <a:schemeClr val="accent1">
+              <a:shade val="50000"/>
+            </a:schemeClr>
+          </a:lnRef>
+          <a:fillRef idx="1">
+            <a:schemeClr val="accent1"/>
+          </a:fillRef>
+          <a:effectRef idx="0">
+            <a:schemeClr val="accent1"/>
+          </a:effectRef>
+          <a:fontRef idx="minor">
+            <a:schemeClr val="lt1"/>
+          </a:fontRef>
+        </p:style>
+        <p:txBody>
+          <a:bodyPr rtlCol="0" anchor="ctr"/>
+          <a:lstStyle/>
+          <a:p>
+            <a:pPr algn="ctr"/>
+            <a:endParaRPr lang="zh-CN" altLang="en-US" sz="2800"/>
+          </a:p>
+        </p:txBody>
+      </p:sp>
+      <p:sp>
+        <p:nvSpPr>
+          <p:cNvPr id="135" name="矩形 134"/>
+          <p:cNvSpPr/>
+          <p:nvPr/>
+        </p:nvSpPr>
+        <p:spPr>
+          <a:xfrm>
+            <a:off x="10079690" y="5038529"/>
+            <a:ext cx="69259" cy="186249"/>
+          </a:xfrm>
+          <a:prstGeom prst="rect">
+            <a:avLst/>
+          </a:prstGeom>
+          <a:solidFill>
+            <a:srgbClr val="FFC000"/>
+          </a:solidFill>
+        </p:spPr>
+        <p:style>
+          <a:lnRef idx="2">
+            <a:schemeClr val="accent1">
+              <a:shade val="50000"/>
+            </a:schemeClr>
+          </a:lnRef>
+          <a:fillRef idx="1">
+            <a:schemeClr val="accent1"/>
+          </a:fillRef>
+          <a:effectRef idx="0">
+            <a:schemeClr val="accent1"/>
+          </a:effectRef>
+          <a:fontRef idx="minor">
+            <a:schemeClr val="lt1"/>
+          </a:fontRef>
+        </p:style>
+        <p:txBody>
+          <a:bodyPr rtlCol="0" anchor="ctr"/>
+          <a:lstStyle/>
+          <a:p>
+            <a:pPr algn="ctr"/>
+            <a:endParaRPr lang="zh-CN" altLang="en-US" sz="2800"/>
+          </a:p>
+        </p:txBody>
+      </p:sp>
+      <p:sp>
+        <p:nvSpPr>
+          <p:cNvPr id="136" name="矩形 135"/>
+          <p:cNvSpPr/>
+          <p:nvPr/>
+        </p:nvSpPr>
+        <p:spPr>
+          <a:xfrm>
+            <a:off x="10238380" y="5038529"/>
+            <a:ext cx="69259" cy="186249"/>
+          </a:xfrm>
+          <a:prstGeom prst="rect">
+            <a:avLst/>
+          </a:prstGeom>
+          <a:solidFill>
+            <a:srgbClr val="FFC000"/>
+          </a:solidFill>
+        </p:spPr>
+        <p:style>
+          <a:lnRef idx="2">
+            <a:schemeClr val="accent1">
+              <a:shade val="50000"/>
+            </a:schemeClr>
+          </a:lnRef>
+          <a:fillRef idx="1">
+            <a:schemeClr val="accent1"/>
+          </a:fillRef>
+          <a:effectRef idx="0">
+            <a:schemeClr val="accent1"/>
+          </a:effectRef>
+          <a:fontRef idx="minor">
+            <a:schemeClr val="lt1"/>
+          </a:fontRef>
+        </p:style>
+        <p:txBody>
+          <a:bodyPr rtlCol="0" anchor="ctr"/>
+          <a:lstStyle/>
+          <a:p>
+            <a:pPr algn="ctr"/>
+            <a:endParaRPr lang="zh-CN" altLang="en-US" sz="2800"/>
+          </a:p>
+        </p:txBody>
+      </p:sp>
+      <p:sp>
+        <p:nvSpPr>
+          <p:cNvPr id="137" name="矩形 136"/>
+          <p:cNvSpPr/>
+          <p:nvPr/>
+        </p:nvSpPr>
+        <p:spPr>
+          <a:xfrm>
+            <a:off x="10405089" y="5038528"/>
+            <a:ext cx="69259" cy="186249"/>
+          </a:xfrm>
+          <a:prstGeom prst="rect">
+            <a:avLst/>
+          </a:prstGeom>
+          <a:solidFill>
+            <a:srgbClr val="FFC000"/>
+          </a:solidFill>
+        </p:spPr>
+        <p:style>
+          <a:lnRef idx="2">
+            <a:schemeClr val="accent1">
+              <a:shade val="50000"/>
+            </a:schemeClr>
+          </a:lnRef>
+          <a:fillRef idx="1">
+            <a:schemeClr val="accent1"/>
+          </a:fillRef>
+          <a:effectRef idx="0">
+            <a:schemeClr val="accent1"/>
+          </a:effectRef>
+          <a:fontRef idx="minor">
+            <a:schemeClr val="lt1"/>
+          </a:fontRef>
+        </p:style>
+        <p:txBody>
+          <a:bodyPr rtlCol="0" anchor="ctr"/>
+          <a:lstStyle/>
+          <a:p>
+            <a:pPr algn="ctr"/>
+            <a:endParaRPr lang="zh-CN" altLang="en-US" sz="2800"/>
+          </a:p>
+        </p:txBody>
+      </p:sp>
+      <p:sp>
+        <p:nvSpPr>
+          <p:cNvPr id="138" name="矩形 137"/>
+          <p:cNvSpPr/>
+          <p:nvPr/>
+        </p:nvSpPr>
+        <p:spPr>
+          <a:xfrm>
+            <a:off x="10569210" y="5037257"/>
+            <a:ext cx="69259" cy="186249"/>
+          </a:xfrm>
+          <a:prstGeom prst="rect">
+            <a:avLst/>
+          </a:prstGeom>
+          <a:solidFill>
+            <a:srgbClr val="FFC000"/>
+          </a:solidFill>
+        </p:spPr>
+        <p:style>
+          <a:lnRef idx="2">
+            <a:schemeClr val="accent1">
+              <a:shade val="50000"/>
+            </a:schemeClr>
+          </a:lnRef>
+          <a:fillRef idx="1">
+            <a:schemeClr val="accent1"/>
+          </a:fillRef>
+          <a:effectRef idx="0">
+            <a:schemeClr val="accent1"/>
+          </a:effectRef>
+          <a:fontRef idx="minor">
+            <a:schemeClr val="lt1"/>
+          </a:fontRef>
+        </p:style>
+        <p:txBody>
+          <a:bodyPr rtlCol="0" anchor="ctr"/>
+          <a:lstStyle/>
+          <a:p>
+            <a:pPr algn="ctr"/>
+            <a:endParaRPr lang="zh-CN" altLang="en-US" sz="2800"/>
+          </a:p>
+        </p:txBody>
+      </p:sp>
+      <p:sp>
+        <p:nvSpPr>
+          <p:cNvPr id="139" name="矩形 138"/>
+          <p:cNvSpPr/>
+          <p:nvPr/>
+        </p:nvSpPr>
+        <p:spPr>
+          <a:xfrm>
+            <a:off x="10733331" y="5037256"/>
+            <a:ext cx="69259" cy="186249"/>
+          </a:xfrm>
+          <a:prstGeom prst="rect">
+            <a:avLst/>
+          </a:prstGeom>
+          <a:solidFill>
+            <a:srgbClr val="FFC000"/>
+          </a:solidFill>
+        </p:spPr>
+        <p:style>
+          <a:lnRef idx="2">
+            <a:schemeClr val="accent1">
+              <a:shade val="50000"/>
+            </a:schemeClr>
+          </a:lnRef>
+          <a:fillRef idx="1">
+            <a:schemeClr val="accent1"/>
+          </a:fillRef>
+          <a:effectRef idx="0">
+            <a:schemeClr val="accent1"/>
+          </a:effectRef>
+          <a:fontRef idx="minor">
+            <a:schemeClr val="lt1"/>
+          </a:fontRef>
+        </p:style>
+        <p:txBody>
+          <a:bodyPr rtlCol="0" anchor="ctr"/>
+          <a:lstStyle/>
+          <a:p>
+            <a:pPr algn="ctr"/>
+            <a:endParaRPr lang="zh-CN" altLang="en-US" sz="2800"/>
+          </a:p>
+        </p:txBody>
+      </p:sp>
+      <p:sp>
+        <p:nvSpPr>
+          <p:cNvPr id="140" name="矩形 139"/>
+          <p:cNvSpPr/>
+          <p:nvPr/>
+        </p:nvSpPr>
+        <p:spPr>
+          <a:xfrm>
+            <a:off x="10895382" y="5037256"/>
+            <a:ext cx="69259" cy="186249"/>
+          </a:xfrm>
+          <a:prstGeom prst="rect">
+            <a:avLst/>
+          </a:prstGeom>
+          <a:solidFill>
+            <a:srgbClr val="FFC000"/>
+          </a:solidFill>
+        </p:spPr>
+        <p:style>
+          <a:lnRef idx="2">
+            <a:schemeClr val="accent1">
+              <a:shade val="50000"/>
+            </a:schemeClr>
+          </a:lnRef>
+          <a:fillRef idx="1">
+            <a:schemeClr val="accent1"/>
+          </a:fillRef>
+          <a:effectRef idx="0">
+            <a:schemeClr val="accent1"/>
+          </a:effectRef>
+          <a:fontRef idx="minor">
+            <a:schemeClr val="lt1"/>
+          </a:fontRef>
+        </p:style>
+        <p:txBody>
+          <a:bodyPr rtlCol="0" anchor="ctr"/>
+          <a:lstStyle/>
+          <a:p>
+            <a:pPr algn="ctr"/>
+            <a:endParaRPr lang="zh-CN" altLang="en-US" sz="2800"/>
+          </a:p>
+        </p:txBody>
+      </p:sp>
+      <p:sp>
+        <p:nvSpPr>
+          <p:cNvPr id="141" name="矩形 140"/>
+          <p:cNvSpPr/>
+          <p:nvPr/>
+        </p:nvSpPr>
+        <p:spPr>
+          <a:xfrm>
+            <a:off x="8778778" y="4934256"/>
+            <a:ext cx="1133669" cy="578498"/>
+          </a:xfrm>
+          <a:prstGeom prst="rect">
+            <a:avLst/>
+          </a:prstGeom>
+          <a:noFill/>
+        </p:spPr>
+        <p:style>
+          <a:lnRef idx="2">
+            <a:schemeClr val="accent1">
+              <a:shade val="50000"/>
+            </a:schemeClr>
+          </a:lnRef>
+          <a:fillRef idx="1">
+            <a:schemeClr val="accent1"/>
+          </a:fillRef>
+          <a:effectRef idx="0">
+            <a:schemeClr val="accent1"/>
+          </a:effectRef>
+          <a:fontRef idx="minor">
+            <a:schemeClr val="lt1"/>
+          </a:fontRef>
+        </p:style>
+        <p:txBody>
+          <a:bodyPr rtlCol="0" anchor="ctr"/>
+          <a:lstStyle/>
+          <a:p>
+            <a:pPr algn="ctr"/>
+            <a:endParaRPr lang="zh-CN" altLang="en-US"/>
+          </a:p>
+        </p:txBody>
+      </p:sp>
+      <p:sp>
+        <p:nvSpPr>
+          <p:cNvPr id="142" name="矩形 141"/>
+          <p:cNvSpPr/>
+          <p:nvPr/>
+        </p:nvSpPr>
+        <p:spPr>
+          <a:xfrm>
+            <a:off x="10053260" y="4934256"/>
+            <a:ext cx="1133669" cy="578498"/>
+          </a:xfrm>
+          <a:prstGeom prst="rect">
+            <a:avLst/>
+          </a:prstGeom>
+          <a:noFill/>
+        </p:spPr>
+        <p:style>
+          <a:lnRef idx="2">
+            <a:schemeClr val="accent1">
+              <a:shade val="50000"/>
+            </a:schemeClr>
+          </a:lnRef>
+          <a:fillRef idx="1">
+            <a:schemeClr val="accent1"/>
+          </a:fillRef>
+          <a:effectRef idx="0">
+            <a:schemeClr val="accent1"/>
+          </a:effectRef>
+          <a:fontRef idx="minor">
+            <a:schemeClr val="lt1"/>
+          </a:fontRef>
+        </p:style>
+        <p:txBody>
+          <a:bodyPr rtlCol="0" anchor="ctr"/>
+          <a:lstStyle/>
+          <a:p>
+            <a:pPr algn="ctr"/>
+            <a:endParaRPr lang="zh-CN" altLang="en-US"/>
+          </a:p>
+        </p:txBody>
+      </p:sp>
+      <p:sp>
+        <p:nvSpPr>
+          <p:cNvPr id="143" name="文本框 142"/>
+          <p:cNvSpPr txBox="1"/>
+          <p:nvPr/>
+        </p:nvSpPr>
+        <p:spPr>
+          <a:xfrm>
+            <a:off x="9082564" y="5235755"/>
+            <a:ext cx="641605" cy="276999"/>
+          </a:xfrm>
+          <a:prstGeom prst="rect">
+            <a:avLst/>
+          </a:prstGeom>
+          <a:noFill/>
+        </p:spPr>
+        <p:txBody>
+          <a:bodyPr wrap="square" rtlCol="0">
+            <a:spAutoFit/>
+          </a:bodyPr>
+          <a:lstStyle/>
+          <a:p>
+            <a:pPr algn="ctr"/>
+            <a:r>
+              <a:rPr lang="en-US" altLang="zh-CN" sz="1200" smtClean="0">
+                <a:latin typeface="华文楷体" panose="02010600040101010101" pitchFamily="2" charset="-122"/>
+                <a:ea typeface="华文楷体" panose="02010600040101010101" pitchFamily="2" charset="-122"/>
+              </a:rPr>
+              <a:t>PDU11</a:t>
+            </a:r>
+            <a:endParaRPr lang="zh-CN" altLang="en-US" sz="1200">
+              <a:latin typeface="华文楷体" panose="02010600040101010101" pitchFamily="2" charset="-122"/>
+              <a:ea typeface="华文楷体" panose="02010600040101010101" pitchFamily="2" charset="-122"/>
+            </a:endParaRPr>
+          </a:p>
+        </p:txBody>
+      </p:sp>
+      <p:sp>
+        <p:nvSpPr>
+          <p:cNvPr id="144" name="文本框 143"/>
+          <p:cNvSpPr txBox="1"/>
+          <p:nvPr/>
+        </p:nvSpPr>
+        <p:spPr>
+          <a:xfrm>
+            <a:off x="10340087" y="5230266"/>
+            <a:ext cx="641605" cy="276999"/>
+          </a:xfrm>
+          <a:prstGeom prst="rect">
+            <a:avLst/>
+          </a:prstGeom>
+          <a:noFill/>
+        </p:spPr>
+        <p:txBody>
+          <a:bodyPr wrap="square" rtlCol="0">
+            <a:spAutoFit/>
+          </a:bodyPr>
+          <a:lstStyle/>
+          <a:p>
+            <a:pPr algn="ctr"/>
+            <a:r>
+              <a:rPr lang="en-US" altLang="zh-CN" sz="1200" smtClean="0">
+                <a:latin typeface="华文楷体" panose="02010600040101010101" pitchFamily="2" charset="-122"/>
+                <a:ea typeface="华文楷体" panose="02010600040101010101" pitchFamily="2" charset="-122"/>
+              </a:rPr>
+              <a:t>PDU12</a:t>
+            </a:r>
+            <a:endParaRPr lang="zh-CN" altLang="en-US" sz="1200">
+              <a:latin typeface="华文楷体" panose="02010600040101010101" pitchFamily="2" charset="-122"/>
+              <a:ea typeface="华文楷体" panose="02010600040101010101" pitchFamily="2" charset="-122"/>
+            </a:endParaRPr>
+          </a:p>
+        </p:txBody>
+      </p:sp>
+      <p:sp>
+        <p:nvSpPr>
+          <p:cNvPr id="145" name="文本框 144"/>
+          <p:cNvSpPr txBox="1"/>
+          <p:nvPr/>
+        </p:nvSpPr>
+        <p:spPr>
+          <a:xfrm>
+            <a:off x="8992389" y="5011869"/>
+            <a:ext cx="114300" cy="261610"/>
+          </a:xfrm>
+          <a:prstGeom prst="rect">
+            <a:avLst/>
+          </a:prstGeom>
+          <a:noFill/>
+        </p:spPr>
+        <p:txBody>
+          <a:bodyPr wrap="square" rtlCol="0">
+            <a:spAutoFit/>
+          </a:bodyPr>
+          <a:lstStyle/>
+          <a:p>
+            <a:pPr algn="ctr"/>
+            <a:r>
+              <a:rPr lang="en-US" altLang="zh-CN" sz="1100" smtClean="0">
+                <a:latin typeface="华文楷体" panose="02010600040101010101" pitchFamily="2" charset="-122"/>
+                <a:ea typeface="华文楷体" panose="02010600040101010101" pitchFamily="2" charset="-122"/>
+              </a:rPr>
+              <a:t>1</a:t>
+            </a:r>
+            <a:endParaRPr lang="zh-CN" altLang="en-US" sz="1100">
+              <a:latin typeface="华文楷体" panose="02010600040101010101" pitchFamily="2" charset="-122"/>
+              <a:ea typeface="华文楷体" panose="02010600040101010101" pitchFamily="2" charset="-122"/>
+            </a:endParaRPr>
+          </a:p>
+        </p:txBody>
+      </p:sp>
+      <p:sp>
+        <p:nvSpPr>
+          <p:cNvPr id="146" name="文本框 145"/>
+          <p:cNvSpPr txBox="1"/>
+          <p:nvPr/>
+        </p:nvSpPr>
+        <p:spPr>
+          <a:xfrm>
+            <a:off x="9149702" y="5004698"/>
+            <a:ext cx="114300" cy="261610"/>
+          </a:xfrm>
+          <a:prstGeom prst="rect">
+            <a:avLst/>
+          </a:prstGeom>
+          <a:noFill/>
+        </p:spPr>
+        <p:txBody>
+          <a:bodyPr wrap="square" rtlCol="0">
+            <a:spAutoFit/>
+          </a:bodyPr>
+          <a:lstStyle/>
+          <a:p>
+            <a:pPr algn="ctr"/>
+            <a:r>
+              <a:rPr lang="en-US" altLang="zh-CN" sz="1100">
+                <a:latin typeface="华文楷体" panose="02010600040101010101" pitchFamily="2" charset="-122"/>
+                <a:ea typeface="华文楷体" panose="02010600040101010101" pitchFamily="2" charset="-122"/>
+              </a:rPr>
+              <a:t>2</a:t>
+            </a:r>
+            <a:endParaRPr lang="zh-CN" altLang="en-US" sz="1100">
+              <a:latin typeface="华文楷体" panose="02010600040101010101" pitchFamily="2" charset="-122"/>
+              <a:ea typeface="华文楷体" panose="02010600040101010101" pitchFamily="2" charset="-122"/>
+            </a:endParaRPr>
+          </a:p>
+        </p:txBody>
+      </p:sp>
+      <p:sp>
+        <p:nvSpPr>
+          <p:cNvPr id="147" name="文本框 146"/>
+          <p:cNvSpPr txBox="1"/>
+          <p:nvPr/>
+        </p:nvSpPr>
+        <p:spPr>
+          <a:xfrm>
+            <a:off x="9311647" y="5011869"/>
+            <a:ext cx="114300" cy="261610"/>
+          </a:xfrm>
+          <a:prstGeom prst="rect">
+            <a:avLst/>
+          </a:prstGeom>
+          <a:noFill/>
+        </p:spPr>
+        <p:txBody>
+          <a:bodyPr wrap="square" rtlCol="0">
+            <a:spAutoFit/>
+          </a:bodyPr>
+          <a:lstStyle/>
+          <a:p>
+            <a:pPr algn="ctr"/>
+            <a:r>
+              <a:rPr lang="en-US" altLang="zh-CN" sz="1100">
+                <a:latin typeface="华文楷体" panose="02010600040101010101" pitchFamily="2" charset="-122"/>
+                <a:ea typeface="华文楷体" panose="02010600040101010101" pitchFamily="2" charset="-122"/>
+              </a:rPr>
+              <a:t>3</a:t>
+            </a:r>
+            <a:endParaRPr lang="zh-CN" altLang="en-US" sz="1100">
+              <a:latin typeface="华文楷体" panose="02010600040101010101" pitchFamily="2" charset="-122"/>
+              <a:ea typeface="华文楷体" panose="02010600040101010101" pitchFamily="2" charset="-122"/>
+            </a:endParaRPr>
+          </a:p>
+        </p:txBody>
+      </p:sp>
+      <p:sp>
+        <p:nvSpPr>
+          <p:cNvPr id="148" name="文本框 147"/>
+          <p:cNvSpPr txBox="1"/>
+          <p:nvPr/>
+        </p:nvSpPr>
+        <p:spPr>
+          <a:xfrm>
+            <a:off x="9471252" y="5004698"/>
+            <a:ext cx="114300" cy="261610"/>
+          </a:xfrm>
+          <a:prstGeom prst="rect">
+            <a:avLst/>
+          </a:prstGeom>
+          <a:noFill/>
+        </p:spPr>
+        <p:txBody>
+          <a:bodyPr wrap="square" rtlCol="0">
+            <a:spAutoFit/>
+          </a:bodyPr>
+          <a:lstStyle/>
+          <a:p>
+            <a:pPr algn="ctr"/>
+            <a:r>
+              <a:rPr lang="en-US" altLang="zh-CN" sz="1100">
+                <a:latin typeface="华文楷体" panose="02010600040101010101" pitchFamily="2" charset="-122"/>
+                <a:ea typeface="华文楷体" panose="02010600040101010101" pitchFamily="2" charset="-122"/>
+              </a:rPr>
+              <a:t>4</a:t>
+            </a:r>
+            <a:endParaRPr lang="zh-CN" altLang="en-US" sz="1100">
+              <a:latin typeface="华文楷体" panose="02010600040101010101" pitchFamily="2" charset="-122"/>
+              <a:ea typeface="华文楷体" panose="02010600040101010101" pitchFamily="2" charset="-122"/>
+            </a:endParaRPr>
+          </a:p>
+        </p:txBody>
+      </p:sp>
+      <p:sp>
+        <p:nvSpPr>
+          <p:cNvPr id="149" name="文本框 148"/>
+          <p:cNvSpPr txBox="1"/>
+          <p:nvPr/>
+        </p:nvSpPr>
+        <p:spPr>
+          <a:xfrm>
+            <a:off x="9635600" y="5007009"/>
+            <a:ext cx="114300" cy="261610"/>
+          </a:xfrm>
+          <a:prstGeom prst="rect">
+            <a:avLst/>
+          </a:prstGeom>
+          <a:noFill/>
+        </p:spPr>
+        <p:txBody>
+          <a:bodyPr wrap="square" rtlCol="0">
+            <a:spAutoFit/>
+          </a:bodyPr>
+          <a:lstStyle/>
+          <a:p>
+            <a:pPr algn="ctr"/>
+            <a:r>
+              <a:rPr lang="en-US" altLang="zh-CN" sz="1100">
+                <a:latin typeface="华文楷体" panose="02010600040101010101" pitchFamily="2" charset="-122"/>
+                <a:ea typeface="华文楷体" panose="02010600040101010101" pitchFamily="2" charset="-122"/>
+              </a:rPr>
+              <a:t>5</a:t>
+            </a:r>
+            <a:endParaRPr lang="zh-CN" altLang="en-US" sz="1100">
+              <a:latin typeface="华文楷体" panose="02010600040101010101" pitchFamily="2" charset="-122"/>
+              <a:ea typeface="华文楷体" panose="02010600040101010101" pitchFamily="2" charset="-122"/>
+            </a:endParaRPr>
+          </a:p>
+        </p:txBody>
+      </p:sp>
+      <p:sp>
+        <p:nvSpPr>
+          <p:cNvPr id="150" name="文本框 149"/>
+          <p:cNvSpPr txBox="1"/>
+          <p:nvPr/>
+        </p:nvSpPr>
+        <p:spPr>
+          <a:xfrm>
+            <a:off x="9790915" y="5003422"/>
+            <a:ext cx="114300" cy="261610"/>
+          </a:xfrm>
+          <a:prstGeom prst="rect">
+            <a:avLst/>
+          </a:prstGeom>
+          <a:noFill/>
+        </p:spPr>
+        <p:txBody>
+          <a:bodyPr wrap="square" rtlCol="0">
+            <a:spAutoFit/>
+          </a:bodyPr>
+          <a:lstStyle/>
+          <a:p>
+            <a:pPr algn="ctr"/>
+            <a:r>
+              <a:rPr lang="en-US" altLang="zh-CN" sz="1100">
+                <a:latin typeface="华文楷体" panose="02010600040101010101" pitchFamily="2" charset="-122"/>
+                <a:ea typeface="华文楷体" panose="02010600040101010101" pitchFamily="2" charset="-122"/>
+              </a:rPr>
+              <a:t>6</a:t>
+            </a:r>
+            <a:endParaRPr lang="zh-CN" altLang="en-US" sz="1100">
+              <a:latin typeface="华文楷体" panose="02010600040101010101" pitchFamily="2" charset="-122"/>
+              <a:ea typeface="华文楷体" panose="02010600040101010101" pitchFamily="2" charset="-122"/>
+            </a:endParaRPr>
+          </a:p>
+        </p:txBody>
+      </p:sp>
+      <p:sp>
+        <p:nvSpPr>
+          <p:cNvPr id="151" name="文本框 150"/>
+          <p:cNvSpPr txBox="1"/>
+          <p:nvPr/>
+        </p:nvSpPr>
+        <p:spPr>
+          <a:xfrm>
+            <a:off x="10876557" y="4998777"/>
+            <a:ext cx="114300" cy="261610"/>
+          </a:xfrm>
+          <a:prstGeom prst="rect">
+            <a:avLst/>
+          </a:prstGeom>
+          <a:noFill/>
+        </p:spPr>
+        <p:txBody>
+          <a:bodyPr wrap="square" rtlCol="0">
+            <a:spAutoFit/>
+          </a:bodyPr>
+          <a:lstStyle/>
+          <a:p>
+            <a:pPr algn="ctr"/>
+            <a:r>
+              <a:rPr lang="en-US" altLang="zh-CN" sz="1100">
+                <a:latin typeface="华文楷体" panose="02010600040101010101" pitchFamily="2" charset="-122"/>
+                <a:ea typeface="华文楷体" panose="02010600040101010101" pitchFamily="2" charset="-122"/>
+              </a:rPr>
+              <a:t>6</a:t>
+            </a:r>
+            <a:endParaRPr lang="zh-CN" altLang="en-US" sz="1100">
+              <a:latin typeface="华文楷体" panose="02010600040101010101" pitchFamily="2" charset="-122"/>
+              <a:ea typeface="华文楷体" panose="02010600040101010101" pitchFamily="2" charset="-122"/>
+            </a:endParaRPr>
+          </a:p>
+        </p:txBody>
+      </p:sp>
+      <p:sp>
+        <p:nvSpPr>
+          <p:cNvPr id="152" name="文本框 151"/>
+          <p:cNvSpPr txBox="1"/>
+          <p:nvPr/>
+        </p:nvSpPr>
+        <p:spPr>
+          <a:xfrm>
+            <a:off x="10714506" y="5003002"/>
+            <a:ext cx="114300" cy="261610"/>
+          </a:xfrm>
+          <a:prstGeom prst="rect">
+            <a:avLst/>
+          </a:prstGeom>
+          <a:noFill/>
+        </p:spPr>
+        <p:txBody>
+          <a:bodyPr wrap="square" rtlCol="0">
+            <a:spAutoFit/>
+          </a:bodyPr>
+          <a:lstStyle/>
+          <a:p>
+            <a:pPr algn="ctr"/>
+            <a:r>
+              <a:rPr lang="en-US" altLang="zh-CN" sz="1100">
+                <a:latin typeface="华文楷体" panose="02010600040101010101" pitchFamily="2" charset="-122"/>
+                <a:ea typeface="华文楷体" panose="02010600040101010101" pitchFamily="2" charset="-122"/>
+              </a:rPr>
+              <a:t>5</a:t>
+            </a:r>
+            <a:endParaRPr lang="zh-CN" altLang="en-US" sz="1100">
+              <a:latin typeface="华文楷体" panose="02010600040101010101" pitchFamily="2" charset="-122"/>
+              <a:ea typeface="华文楷体" panose="02010600040101010101" pitchFamily="2" charset="-122"/>
+            </a:endParaRPr>
+          </a:p>
+        </p:txBody>
+      </p:sp>
+      <p:sp>
+        <p:nvSpPr>
+          <p:cNvPr id="153" name="文本框 152"/>
+          <p:cNvSpPr txBox="1"/>
+          <p:nvPr/>
+        </p:nvSpPr>
+        <p:spPr>
+          <a:xfrm>
+            <a:off x="10552913" y="5003002"/>
+            <a:ext cx="114300" cy="261610"/>
+          </a:xfrm>
+          <a:prstGeom prst="rect">
+            <a:avLst/>
+          </a:prstGeom>
+          <a:noFill/>
+        </p:spPr>
+        <p:txBody>
+          <a:bodyPr wrap="square" rtlCol="0">
+            <a:spAutoFit/>
+          </a:bodyPr>
+          <a:lstStyle/>
+          <a:p>
+            <a:pPr algn="ctr"/>
+            <a:r>
+              <a:rPr lang="en-US" altLang="zh-CN" sz="1100">
+                <a:latin typeface="华文楷体" panose="02010600040101010101" pitchFamily="2" charset="-122"/>
+                <a:ea typeface="华文楷体" panose="02010600040101010101" pitchFamily="2" charset="-122"/>
+              </a:rPr>
+              <a:t>4</a:t>
+            </a:r>
+            <a:endParaRPr lang="zh-CN" altLang="en-US" sz="1100">
+              <a:latin typeface="华文楷体" panose="02010600040101010101" pitchFamily="2" charset="-122"/>
+              <a:ea typeface="华文楷体" panose="02010600040101010101" pitchFamily="2" charset="-122"/>
+            </a:endParaRPr>
+          </a:p>
+        </p:txBody>
+      </p:sp>
+      <p:sp>
+        <p:nvSpPr>
+          <p:cNvPr id="154" name="文本框 153"/>
+          <p:cNvSpPr txBox="1"/>
+          <p:nvPr/>
+        </p:nvSpPr>
+        <p:spPr>
+          <a:xfrm>
+            <a:off x="10385403" y="5003002"/>
+            <a:ext cx="114300" cy="261610"/>
+          </a:xfrm>
+          <a:prstGeom prst="rect">
+            <a:avLst/>
+          </a:prstGeom>
+          <a:noFill/>
+        </p:spPr>
+        <p:txBody>
+          <a:bodyPr wrap="square" rtlCol="0">
+            <a:spAutoFit/>
+          </a:bodyPr>
+          <a:lstStyle/>
+          <a:p>
+            <a:pPr algn="ctr"/>
+            <a:r>
+              <a:rPr lang="en-US" altLang="zh-CN" sz="1100">
+                <a:latin typeface="华文楷体" panose="02010600040101010101" pitchFamily="2" charset="-122"/>
+                <a:ea typeface="华文楷体" panose="02010600040101010101" pitchFamily="2" charset="-122"/>
+              </a:rPr>
+              <a:t>3</a:t>
+            </a:r>
+            <a:endParaRPr lang="zh-CN" altLang="en-US" sz="1100">
+              <a:latin typeface="华文楷体" panose="02010600040101010101" pitchFamily="2" charset="-122"/>
+              <a:ea typeface="华文楷体" panose="02010600040101010101" pitchFamily="2" charset="-122"/>
+            </a:endParaRPr>
+          </a:p>
+        </p:txBody>
+      </p:sp>
+      <p:sp>
+        <p:nvSpPr>
+          <p:cNvPr id="155" name="文本框 154"/>
+          <p:cNvSpPr txBox="1"/>
+          <p:nvPr/>
+        </p:nvSpPr>
+        <p:spPr>
+          <a:xfrm>
+            <a:off x="10216187" y="5003642"/>
+            <a:ext cx="114300" cy="261610"/>
+          </a:xfrm>
+          <a:prstGeom prst="rect">
+            <a:avLst/>
+          </a:prstGeom>
+          <a:noFill/>
+        </p:spPr>
+        <p:txBody>
+          <a:bodyPr wrap="square" rtlCol="0">
+            <a:spAutoFit/>
+          </a:bodyPr>
+          <a:lstStyle/>
+          <a:p>
+            <a:pPr algn="ctr"/>
+            <a:r>
+              <a:rPr lang="en-US" altLang="zh-CN" sz="1100">
+                <a:latin typeface="华文楷体" panose="02010600040101010101" pitchFamily="2" charset="-122"/>
+                <a:ea typeface="华文楷体" panose="02010600040101010101" pitchFamily="2" charset="-122"/>
+              </a:rPr>
+              <a:t>2</a:t>
+            </a:r>
+            <a:endParaRPr lang="zh-CN" altLang="en-US" sz="1100">
+              <a:latin typeface="华文楷体" panose="02010600040101010101" pitchFamily="2" charset="-122"/>
+              <a:ea typeface="华文楷体" panose="02010600040101010101" pitchFamily="2" charset="-122"/>
+            </a:endParaRPr>
+          </a:p>
+        </p:txBody>
+      </p:sp>
+      <p:sp>
+        <p:nvSpPr>
+          <p:cNvPr id="156" name="文本框 155"/>
+          <p:cNvSpPr txBox="1"/>
+          <p:nvPr/>
+        </p:nvSpPr>
+        <p:spPr>
+          <a:xfrm>
+            <a:off x="10063465" y="5007009"/>
+            <a:ext cx="114300" cy="261610"/>
+          </a:xfrm>
+          <a:prstGeom prst="rect">
+            <a:avLst/>
+          </a:prstGeom>
+          <a:noFill/>
+        </p:spPr>
+        <p:txBody>
+          <a:bodyPr wrap="square" rtlCol="0">
+            <a:spAutoFit/>
+          </a:bodyPr>
+          <a:lstStyle/>
+          <a:p>
+            <a:pPr algn="ctr"/>
+            <a:r>
+              <a:rPr lang="en-US" altLang="zh-CN" sz="1100" smtClean="0">
+                <a:latin typeface="华文楷体" panose="02010600040101010101" pitchFamily="2" charset="-122"/>
+                <a:ea typeface="华文楷体" panose="02010600040101010101" pitchFamily="2" charset="-122"/>
+              </a:rPr>
+              <a:t>1</a:t>
+            </a:r>
+            <a:endParaRPr lang="zh-CN" altLang="en-US" sz="1100">
+              <a:latin typeface="华文楷体" panose="02010600040101010101" pitchFamily="2" charset="-122"/>
+              <a:ea typeface="华文楷体" panose="02010600040101010101" pitchFamily="2" charset="-122"/>
+            </a:endParaRPr>
+          </a:p>
+        </p:txBody>
+      </p:sp>
+      <p:sp>
+        <p:nvSpPr>
+          <p:cNvPr id="157" name="文本框 156"/>
+          <p:cNvSpPr txBox="1"/>
+          <p:nvPr/>
+        </p:nvSpPr>
+        <p:spPr>
+          <a:xfrm>
+            <a:off x="9525435" y="3951735"/>
+            <a:ext cx="912595" cy="369332"/>
+          </a:xfrm>
+          <a:prstGeom prst="rect">
+            <a:avLst/>
+          </a:prstGeom>
+          <a:noFill/>
+        </p:spPr>
+        <p:txBody>
+          <a:bodyPr wrap="square" rtlCol="0">
+            <a:spAutoFit/>
+          </a:bodyPr>
+          <a:lstStyle/>
+          <a:p>
+            <a:pPr algn="ctr"/>
+            <a:r>
+              <a:rPr lang="en-US" altLang="zh-CN" smtClean="0">
+                <a:latin typeface="华文楷体" panose="02010600040101010101" pitchFamily="2" charset="-122"/>
+                <a:ea typeface="华文楷体" panose="02010600040101010101" pitchFamily="2" charset="-122"/>
+              </a:rPr>
+              <a:t>11&amp;12</a:t>
+            </a:r>
+            <a:endParaRPr lang="zh-CN" altLang="en-US">
+              <a:latin typeface="华文楷体" panose="02010600040101010101" pitchFamily="2" charset="-122"/>
+              <a:ea typeface="华文楷体" panose="02010600040101010101" pitchFamily="2" charset="-122"/>
+            </a:endParaRPr>
+          </a:p>
+        </p:txBody>
+      </p:sp>
+      <p:sp>
+        <p:nvSpPr>
+          <p:cNvPr id="158" name="文本框 157"/>
+          <p:cNvSpPr txBox="1"/>
+          <p:nvPr/>
+        </p:nvSpPr>
+        <p:spPr>
+          <a:xfrm>
+            <a:off x="9285645" y="4389813"/>
+            <a:ext cx="1392174" cy="369332"/>
+          </a:xfrm>
+          <a:prstGeom prst="rect">
+            <a:avLst/>
+          </a:prstGeom>
+          <a:noFill/>
+        </p:spPr>
+        <p:txBody>
+          <a:bodyPr wrap="square" rtlCol="0">
+            <a:spAutoFit/>
+          </a:bodyPr>
+          <a:lstStyle/>
+          <a:p>
+            <a:pPr algn="ctr"/>
+            <a:r>
+              <a:rPr lang="en-US" altLang="zh-CN" smtClean="0">
+                <a:latin typeface="华文楷体" panose="02010600040101010101" pitchFamily="2" charset="-122"/>
+                <a:ea typeface="华文楷体" panose="02010600040101010101" pitchFamily="2" charset="-122"/>
+              </a:rPr>
+              <a:t>PDU</a:t>
+            </a:r>
+            <a:r>
+              <a:rPr lang="zh-CN" altLang="en-US">
+                <a:latin typeface="华文楷体" panose="02010600040101010101" pitchFamily="2" charset="-122"/>
+                <a:ea typeface="华文楷体" panose="02010600040101010101" pitchFamily="2" charset="-122"/>
+              </a:rPr>
+              <a:t>控制板</a:t>
+            </a:r>
+          </a:p>
+        </p:txBody>
+      </p:sp>
+      <p:sp>
+        <p:nvSpPr>
+          <p:cNvPr id="159" name="矩形 158"/>
+          <p:cNvSpPr/>
+          <p:nvPr/>
+        </p:nvSpPr>
+        <p:spPr>
+          <a:xfrm>
+            <a:off x="2212639" y="1085231"/>
+            <a:ext cx="1280818" cy="895739"/>
+          </a:xfrm>
+          <a:prstGeom prst="rect">
+            <a:avLst/>
+          </a:prstGeom>
+          <a:solidFill>
+            <a:schemeClr val="bg2">
+              <a:lumMod val="90000"/>
+            </a:schemeClr>
+          </a:solidFill>
+        </p:spPr>
+        <p:style>
+          <a:lnRef idx="2">
+            <a:schemeClr val="accent1">
+              <a:shade val="50000"/>
+            </a:schemeClr>
+          </a:lnRef>
+          <a:fillRef idx="1">
+            <a:schemeClr val="accent1"/>
+          </a:fillRef>
+          <a:effectRef idx="0">
+            <a:schemeClr val="accent1"/>
+          </a:effectRef>
+          <a:fontRef idx="minor">
+            <a:schemeClr val="lt1"/>
+          </a:fontRef>
+        </p:style>
+        <p:txBody>
+          <a:bodyPr rtlCol="0" anchor="ctr"/>
+          <a:lstStyle/>
+          <a:p>
+            <a:pPr algn="ctr"/>
+            <a:endParaRPr lang="zh-CN" altLang="en-US"/>
+          </a:p>
+        </p:txBody>
+      </p:sp>
+      <p:sp>
+        <p:nvSpPr>
+          <p:cNvPr id="161" name="矩形 160"/>
+          <p:cNvSpPr/>
+          <p:nvPr/>
+        </p:nvSpPr>
+        <p:spPr>
+          <a:xfrm>
+            <a:off x="3879336" y="1085230"/>
+            <a:ext cx="1280818" cy="895739"/>
+          </a:xfrm>
+          <a:prstGeom prst="rect">
+            <a:avLst/>
+          </a:prstGeom>
+          <a:solidFill>
+            <a:schemeClr val="bg2">
+              <a:lumMod val="90000"/>
+            </a:schemeClr>
+          </a:solidFill>
+        </p:spPr>
+        <p:style>
+          <a:lnRef idx="2">
+            <a:schemeClr val="accent1">
+              <a:shade val="50000"/>
+            </a:schemeClr>
+          </a:lnRef>
+          <a:fillRef idx="1">
+            <a:schemeClr val="accent1"/>
+          </a:fillRef>
+          <a:effectRef idx="0">
+            <a:schemeClr val="accent1"/>
+          </a:effectRef>
+          <a:fontRef idx="minor">
+            <a:schemeClr val="lt1"/>
+          </a:fontRef>
+        </p:style>
+        <p:txBody>
+          <a:bodyPr rtlCol="0" anchor="ctr"/>
+          <a:lstStyle/>
+          <a:p>
+            <a:pPr algn="ctr"/>
+            <a:endParaRPr lang="zh-CN" altLang="en-US"/>
+          </a:p>
+        </p:txBody>
+      </p:sp>
+      <p:sp>
+        <p:nvSpPr>
+          <p:cNvPr id="162" name="矩形 161"/>
+          <p:cNvSpPr/>
+          <p:nvPr/>
+        </p:nvSpPr>
+        <p:spPr>
+          <a:xfrm>
+            <a:off x="6491245" y="1085230"/>
+            <a:ext cx="1280818" cy="895739"/>
+          </a:xfrm>
+          <a:prstGeom prst="rect">
+            <a:avLst/>
+          </a:prstGeom>
+          <a:solidFill>
+            <a:schemeClr val="bg2">
+              <a:lumMod val="90000"/>
+            </a:schemeClr>
+          </a:solidFill>
+        </p:spPr>
+        <p:style>
+          <a:lnRef idx="2">
+            <a:schemeClr val="accent1">
+              <a:shade val="50000"/>
+            </a:schemeClr>
+          </a:lnRef>
+          <a:fillRef idx="1">
+            <a:schemeClr val="accent1"/>
+          </a:fillRef>
+          <a:effectRef idx="0">
+            <a:schemeClr val="accent1"/>
+          </a:effectRef>
+          <a:fontRef idx="minor">
+            <a:schemeClr val="lt1"/>
+          </a:fontRef>
+        </p:style>
+        <p:txBody>
+          <a:bodyPr rtlCol="0" anchor="ctr"/>
+          <a:lstStyle/>
+          <a:p>
+            <a:pPr algn="ctr"/>
+            <a:endParaRPr lang="zh-CN" altLang="en-US"/>
+          </a:p>
+        </p:txBody>
+      </p:sp>
+      <p:sp>
+        <p:nvSpPr>
+          <p:cNvPr id="163" name="矩形 162"/>
+          <p:cNvSpPr/>
+          <p:nvPr/>
+        </p:nvSpPr>
+        <p:spPr>
+          <a:xfrm>
+            <a:off x="9362870" y="1085230"/>
+            <a:ext cx="1280818" cy="895739"/>
+          </a:xfrm>
+          <a:prstGeom prst="rect">
+            <a:avLst/>
+          </a:prstGeom>
+          <a:solidFill>
+            <a:schemeClr val="bg2">
+              <a:lumMod val="90000"/>
+            </a:schemeClr>
+          </a:solidFill>
+        </p:spPr>
+        <p:style>
+          <a:lnRef idx="2">
+            <a:schemeClr val="accent1">
+              <a:shade val="50000"/>
+            </a:schemeClr>
+          </a:lnRef>
+          <a:fillRef idx="1">
+            <a:schemeClr val="accent1"/>
+          </a:fillRef>
+          <a:effectRef idx="0">
+            <a:schemeClr val="accent1"/>
+          </a:effectRef>
+          <a:fontRef idx="minor">
+            <a:schemeClr val="lt1"/>
+          </a:fontRef>
+        </p:style>
+        <p:txBody>
+          <a:bodyPr rtlCol="0" anchor="ctr"/>
+          <a:lstStyle/>
+          <a:p>
+            <a:pPr algn="ctr"/>
+            <a:endParaRPr lang="zh-CN" altLang="en-US"/>
+          </a:p>
+        </p:txBody>
+      </p:sp>
+      <p:sp>
+        <p:nvSpPr>
+          <p:cNvPr id="164" name="椭圆 163"/>
+          <p:cNvSpPr/>
+          <p:nvPr/>
+        </p:nvSpPr>
+        <p:spPr>
+          <a:xfrm>
+            <a:off x="7651991" y="4274235"/>
+            <a:ext cx="120072" cy="115578"/>
+          </a:xfrm>
+          <a:prstGeom prst="ellipse">
+            <a:avLst/>
+          </a:prstGeom>
+          <a:solidFill>
+            <a:srgbClr val="002060"/>
+          </a:solidFill>
+        </p:spPr>
+        <p:style>
+          <a:lnRef idx="2">
+            <a:schemeClr val="accent1">
+              <a:shade val="50000"/>
+            </a:schemeClr>
+          </a:lnRef>
+          <a:fillRef idx="1">
+            <a:schemeClr val="accent1"/>
+          </a:fillRef>
+          <a:effectRef idx="0">
+            <a:schemeClr val="accent1"/>
+          </a:effectRef>
+          <a:fontRef idx="minor">
+            <a:schemeClr val="lt1"/>
+          </a:fontRef>
+        </p:style>
+        <p:txBody>
+          <a:bodyPr rtlCol="0" anchor="ctr"/>
+          <a:lstStyle/>
+          <a:p>
+            <a:pPr algn="ctr"/>
+            <a:endParaRPr lang="zh-CN" altLang="en-US"/>
+          </a:p>
+        </p:txBody>
+      </p:sp>
+      <p:sp>
+        <p:nvSpPr>
+          <p:cNvPr id="165" name="椭圆 164"/>
+          <p:cNvSpPr/>
+          <p:nvPr/>
+        </p:nvSpPr>
+        <p:spPr>
+          <a:xfrm>
+            <a:off x="7873525" y="4274235"/>
+            <a:ext cx="120072" cy="115578"/>
+          </a:xfrm>
+          <a:prstGeom prst="ellipse">
+            <a:avLst/>
+          </a:prstGeom>
+          <a:solidFill>
+            <a:srgbClr val="002060"/>
+          </a:solidFill>
+        </p:spPr>
+        <p:style>
+          <a:lnRef idx="2">
+            <a:schemeClr val="accent1">
+              <a:shade val="50000"/>
+            </a:schemeClr>
+          </a:lnRef>
+          <a:fillRef idx="1">
+            <a:schemeClr val="accent1"/>
+          </a:fillRef>
+          <a:effectRef idx="0">
+            <a:schemeClr val="accent1"/>
+          </a:effectRef>
+          <a:fontRef idx="minor">
+            <a:schemeClr val="lt1"/>
+          </a:fontRef>
+        </p:style>
+        <p:txBody>
+          <a:bodyPr rtlCol="0" anchor="ctr"/>
+          <a:lstStyle/>
+          <a:p>
+            <a:pPr algn="ctr"/>
+            <a:endParaRPr lang="zh-CN" altLang="en-US"/>
+          </a:p>
+        </p:txBody>
+      </p:sp>
+      <p:sp>
+        <p:nvSpPr>
+          <p:cNvPr id="166" name="椭圆 165"/>
+          <p:cNvSpPr/>
+          <p:nvPr/>
+        </p:nvSpPr>
+        <p:spPr>
+          <a:xfrm>
+            <a:off x="8095198" y="4274235"/>
+            <a:ext cx="120072" cy="115578"/>
+          </a:xfrm>
+          <a:prstGeom prst="ellipse">
+            <a:avLst/>
+          </a:prstGeom>
+          <a:solidFill>
+            <a:srgbClr val="002060"/>
+          </a:solidFill>
+        </p:spPr>
+        <p:style>
+          <a:lnRef idx="2">
+            <a:schemeClr val="accent1">
+              <a:shade val="50000"/>
+            </a:schemeClr>
+          </a:lnRef>
+          <a:fillRef idx="1">
+            <a:schemeClr val="accent1"/>
+          </a:fillRef>
+          <a:effectRef idx="0">
+            <a:schemeClr val="accent1"/>
+          </a:effectRef>
+          <a:fontRef idx="minor">
+            <a:schemeClr val="lt1"/>
+          </a:fontRef>
+        </p:style>
+        <p:txBody>
+          <a:bodyPr rtlCol="0" anchor="ctr"/>
+          <a:lstStyle/>
+          <a:p>
+            <a:pPr algn="ctr"/>
+            <a:endParaRPr lang="zh-CN" altLang="en-US"/>
+          </a:p>
+        </p:txBody>
+      </p:sp>
+      <p:sp>
+        <p:nvSpPr>
+          <p:cNvPr id="167" name="椭圆 166"/>
+          <p:cNvSpPr/>
+          <p:nvPr/>
+        </p:nvSpPr>
+        <p:spPr>
+          <a:xfrm>
+            <a:off x="5547751" y="1472199"/>
+            <a:ext cx="120072" cy="115578"/>
+          </a:xfrm>
+          <a:prstGeom prst="ellipse">
+            <a:avLst/>
+          </a:prstGeom>
+          <a:solidFill>
+            <a:srgbClr val="002060"/>
+          </a:solidFill>
+        </p:spPr>
+        <p:style>
+          <a:lnRef idx="2">
+            <a:schemeClr val="accent1">
+              <a:shade val="50000"/>
+            </a:schemeClr>
+          </a:lnRef>
+          <a:fillRef idx="1">
+            <a:schemeClr val="accent1"/>
+          </a:fillRef>
+          <a:effectRef idx="0">
+            <a:schemeClr val="accent1"/>
+          </a:effectRef>
+          <a:fontRef idx="minor">
+            <a:schemeClr val="lt1"/>
+          </a:fontRef>
+        </p:style>
+        <p:txBody>
+          <a:bodyPr rtlCol="0" anchor="ctr"/>
+          <a:lstStyle/>
+          <a:p>
+            <a:pPr algn="ctr"/>
+            <a:endParaRPr lang="zh-CN" altLang="en-US"/>
+          </a:p>
+        </p:txBody>
+      </p:sp>
+      <p:sp>
+        <p:nvSpPr>
+          <p:cNvPr id="168" name="椭圆 167"/>
+          <p:cNvSpPr/>
+          <p:nvPr/>
+        </p:nvSpPr>
+        <p:spPr>
+          <a:xfrm>
+            <a:off x="5769285" y="1472199"/>
+            <a:ext cx="120072" cy="115578"/>
+          </a:xfrm>
+          <a:prstGeom prst="ellipse">
+            <a:avLst/>
+          </a:prstGeom>
+          <a:solidFill>
+            <a:srgbClr val="002060"/>
+          </a:solidFill>
+        </p:spPr>
+        <p:style>
+          <a:lnRef idx="2">
+            <a:schemeClr val="accent1">
+              <a:shade val="50000"/>
+            </a:schemeClr>
+          </a:lnRef>
+          <a:fillRef idx="1">
+            <a:schemeClr val="accent1"/>
+          </a:fillRef>
+          <a:effectRef idx="0">
+            <a:schemeClr val="accent1"/>
+          </a:effectRef>
+          <a:fontRef idx="minor">
+            <a:schemeClr val="lt1"/>
+          </a:fontRef>
+        </p:style>
+        <p:txBody>
+          <a:bodyPr rtlCol="0" anchor="ctr"/>
+          <a:lstStyle/>
+          <a:p>
+            <a:pPr algn="ctr"/>
+            <a:endParaRPr lang="zh-CN" altLang="en-US"/>
+          </a:p>
+        </p:txBody>
+      </p:sp>
+      <p:sp>
+        <p:nvSpPr>
+          <p:cNvPr id="169" name="椭圆 168"/>
+          <p:cNvSpPr/>
+          <p:nvPr/>
+        </p:nvSpPr>
+        <p:spPr>
+          <a:xfrm>
+            <a:off x="5990958" y="1472199"/>
+            <a:ext cx="120072" cy="115578"/>
+          </a:xfrm>
+          <a:prstGeom prst="ellipse">
+            <a:avLst/>
+          </a:prstGeom>
+          <a:solidFill>
+            <a:srgbClr val="002060"/>
+          </a:solidFill>
+        </p:spPr>
+        <p:style>
+          <a:lnRef idx="2">
+            <a:schemeClr val="accent1">
+              <a:shade val="50000"/>
+            </a:schemeClr>
+          </a:lnRef>
+          <a:fillRef idx="1">
+            <a:schemeClr val="accent1"/>
+          </a:fillRef>
+          <a:effectRef idx="0">
+            <a:schemeClr val="accent1"/>
+          </a:effectRef>
+          <a:fontRef idx="minor">
+            <a:schemeClr val="lt1"/>
+          </a:fontRef>
+        </p:style>
+        <p:txBody>
+          <a:bodyPr rtlCol="0" anchor="ctr"/>
+          <a:lstStyle/>
+          <a:p>
+            <a:pPr algn="ctr"/>
+            <a:endParaRPr lang="zh-CN" altLang="en-US"/>
+          </a:p>
+        </p:txBody>
+      </p:sp>
+      <p:sp>
+        <p:nvSpPr>
+          <p:cNvPr id="170" name="文本框 169"/>
+          <p:cNvSpPr txBox="1"/>
+          <p:nvPr/>
+        </p:nvSpPr>
+        <p:spPr>
+          <a:xfrm>
+            <a:off x="2209473" y="1345322"/>
+            <a:ext cx="1274427" cy="369332"/>
+          </a:xfrm>
+          <a:prstGeom prst="rect">
+            <a:avLst/>
+          </a:prstGeom>
+          <a:noFill/>
+        </p:spPr>
+        <p:txBody>
+          <a:bodyPr wrap="square" rtlCol="0">
+            <a:spAutoFit/>
+          </a:bodyPr>
+          <a:lstStyle/>
+          <a:p>
+            <a:pPr algn="ctr"/>
+            <a:r>
+              <a:rPr lang="zh-CN" altLang="en-US" smtClean="0">
+                <a:latin typeface="华文楷体" panose="02010600040101010101" pitchFamily="2" charset="-122"/>
+                <a:ea typeface="华文楷体" panose="02010600040101010101" pitchFamily="2" charset="-122"/>
+              </a:rPr>
+              <a:t>电源模块</a:t>
+            </a:r>
+            <a:r>
+              <a:rPr lang="en-US" altLang="zh-CN" smtClean="0">
+                <a:latin typeface="华文楷体" panose="02010600040101010101" pitchFamily="2" charset="-122"/>
+                <a:ea typeface="华文楷体" panose="02010600040101010101" pitchFamily="2" charset="-122"/>
+              </a:rPr>
+              <a:t>1</a:t>
+            </a:r>
+            <a:endParaRPr lang="zh-CN" altLang="en-US">
+              <a:latin typeface="华文楷体" panose="02010600040101010101" pitchFamily="2" charset="-122"/>
+              <a:ea typeface="华文楷体" panose="02010600040101010101" pitchFamily="2" charset="-122"/>
+            </a:endParaRPr>
+          </a:p>
+        </p:txBody>
+      </p:sp>
+      <p:sp>
+        <p:nvSpPr>
+          <p:cNvPr id="171" name="文本框 170"/>
+          <p:cNvSpPr txBox="1"/>
+          <p:nvPr/>
+        </p:nvSpPr>
+        <p:spPr>
+          <a:xfrm>
+            <a:off x="3879925" y="1345322"/>
+            <a:ext cx="1274427" cy="369332"/>
+          </a:xfrm>
+          <a:prstGeom prst="rect">
+            <a:avLst/>
+          </a:prstGeom>
+          <a:noFill/>
+        </p:spPr>
+        <p:txBody>
+          <a:bodyPr wrap="square" rtlCol="0">
+            <a:spAutoFit/>
+          </a:bodyPr>
+          <a:lstStyle/>
+          <a:p>
+            <a:pPr algn="ctr"/>
+            <a:r>
+              <a:rPr lang="zh-CN" altLang="en-US" smtClean="0">
+                <a:latin typeface="华文楷体" panose="02010600040101010101" pitchFamily="2" charset="-122"/>
+                <a:ea typeface="华文楷体" panose="02010600040101010101" pitchFamily="2" charset="-122"/>
+              </a:rPr>
+              <a:t>电源模块</a:t>
+            </a:r>
+            <a:r>
+              <a:rPr lang="en-US" altLang="zh-CN">
+                <a:latin typeface="华文楷体" panose="02010600040101010101" pitchFamily="2" charset="-122"/>
+                <a:ea typeface="华文楷体" panose="02010600040101010101" pitchFamily="2" charset="-122"/>
+              </a:rPr>
+              <a:t>2</a:t>
+            </a:r>
+            <a:endParaRPr lang="zh-CN" altLang="en-US">
+              <a:latin typeface="华文楷体" panose="02010600040101010101" pitchFamily="2" charset="-122"/>
+              <a:ea typeface="华文楷体" panose="02010600040101010101" pitchFamily="2" charset="-122"/>
+            </a:endParaRPr>
+          </a:p>
+        </p:txBody>
+      </p:sp>
+      <p:sp>
+        <p:nvSpPr>
+          <p:cNvPr id="172" name="文本框 171"/>
+          <p:cNvSpPr txBox="1"/>
+          <p:nvPr/>
+        </p:nvSpPr>
+        <p:spPr>
+          <a:xfrm>
+            <a:off x="9364042" y="1345322"/>
+            <a:ext cx="1274427" cy="369332"/>
+          </a:xfrm>
+          <a:prstGeom prst="rect">
+            <a:avLst/>
+          </a:prstGeom>
+          <a:noFill/>
+        </p:spPr>
+        <p:txBody>
+          <a:bodyPr wrap="square" rtlCol="0">
+            <a:spAutoFit/>
+          </a:bodyPr>
+          <a:lstStyle/>
+          <a:p>
+            <a:pPr algn="ctr"/>
+            <a:r>
+              <a:rPr lang="en-US" altLang="zh-CN" smtClean="0">
+                <a:latin typeface="华文楷体" panose="02010600040101010101" pitchFamily="2" charset="-122"/>
+                <a:ea typeface="华文楷体" panose="02010600040101010101" pitchFamily="2" charset="-122"/>
+              </a:rPr>
+              <a:t>A7</a:t>
+            </a:r>
+            <a:r>
+              <a:rPr lang="zh-CN" altLang="en-US" smtClean="0">
+                <a:latin typeface="华文楷体" panose="02010600040101010101" pitchFamily="2" charset="-122"/>
+                <a:ea typeface="华文楷体" panose="02010600040101010101" pitchFamily="2" charset="-122"/>
+              </a:rPr>
+              <a:t>板</a:t>
+            </a:r>
+            <a:endParaRPr lang="zh-CN" altLang="en-US">
+              <a:latin typeface="华文楷体" panose="02010600040101010101" pitchFamily="2" charset="-122"/>
+              <a:ea typeface="华文楷体" panose="02010600040101010101" pitchFamily="2" charset="-122"/>
+            </a:endParaRPr>
+          </a:p>
+        </p:txBody>
+      </p:sp>
+      <p:sp>
+        <p:nvSpPr>
+          <p:cNvPr id="173" name="文本框 172"/>
+          <p:cNvSpPr txBox="1"/>
+          <p:nvPr/>
+        </p:nvSpPr>
+        <p:spPr>
+          <a:xfrm>
+            <a:off x="6494440" y="1345322"/>
+            <a:ext cx="1274427" cy="369332"/>
+          </a:xfrm>
+          <a:prstGeom prst="rect">
+            <a:avLst/>
+          </a:prstGeom>
+          <a:noFill/>
+        </p:spPr>
+        <p:txBody>
+          <a:bodyPr wrap="square" rtlCol="0">
+            <a:spAutoFit/>
+          </a:bodyPr>
+          <a:lstStyle/>
+          <a:p>
+            <a:pPr algn="ctr"/>
+            <a:r>
+              <a:rPr lang="zh-CN" altLang="en-US" smtClean="0">
+                <a:latin typeface="华文楷体" panose="02010600040101010101" pitchFamily="2" charset="-122"/>
+                <a:ea typeface="华文楷体" panose="02010600040101010101" pitchFamily="2" charset="-122"/>
+              </a:rPr>
+              <a:t>电源模块</a:t>
+            </a:r>
+            <a:r>
+              <a:rPr lang="en-US" altLang="zh-CN" smtClean="0">
+                <a:latin typeface="华文楷体" panose="02010600040101010101" pitchFamily="2" charset="-122"/>
+                <a:ea typeface="华文楷体" panose="02010600040101010101" pitchFamily="2" charset="-122"/>
+              </a:rPr>
+              <a:t>N</a:t>
+            </a:r>
+            <a:endParaRPr lang="zh-CN" altLang="en-US">
+              <a:latin typeface="华文楷体" panose="02010600040101010101" pitchFamily="2" charset="-122"/>
+              <a:ea typeface="华文楷体" panose="02010600040101010101" pitchFamily="2" charset="-122"/>
+            </a:endParaRPr>
+          </a:p>
+        </p:txBody>
+      </p:sp>
+      <p:cxnSp>
+        <p:nvCxnSpPr>
+          <p:cNvPr id="175" name="直接连接符 174"/>
+          <p:cNvCxnSpPr/>
+          <p:nvPr/>
+        </p:nvCxnSpPr>
+        <p:spPr>
+          <a:xfrm>
+            <a:off x="2548640" y="1980969"/>
+            <a:ext cx="0" cy="692679"/>
+          </a:xfrm>
+          <a:prstGeom prst="line">
+            <a:avLst/>
+          </a:prstGeom>
+        </p:spPr>
+        <p:style>
+          <a:lnRef idx="1">
+            <a:schemeClr val="accent1"/>
+          </a:lnRef>
+          <a:fillRef idx="0">
+            <a:schemeClr val="accent1"/>
+          </a:fillRef>
+          <a:effectRef idx="0">
+            <a:schemeClr val="accent1"/>
+          </a:effectRef>
+          <a:fontRef idx="minor">
+            <a:schemeClr val="tx1"/>
+          </a:fontRef>
+        </p:style>
+      </p:cxnSp>
+      <p:cxnSp>
+        <p:nvCxnSpPr>
+          <p:cNvPr id="177" name="直接连接符 176"/>
+          <p:cNvCxnSpPr/>
+          <p:nvPr/>
+        </p:nvCxnSpPr>
+        <p:spPr>
+          <a:xfrm>
+            <a:off x="3198816" y="1980969"/>
+            <a:ext cx="0" cy="1568901"/>
+          </a:xfrm>
+          <a:prstGeom prst="line">
+            <a:avLst/>
+          </a:prstGeom>
+        </p:spPr>
+        <p:style>
+          <a:lnRef idx="1">
+            <a:schemeClr val="accent1"/>
+          </a:lnRef>
+          <a:fillRef idx="0">
+            <a:schemeClr val="accent1"/>
+          </a:fillRef>
+          <a:effectRef idx="0">
+            <a:schemeClr val="accent1"/>
+          </a:effectRef>
+          <a:fontRef idx="minor">
+            <a:schemeClr val="tx1"/>
+          </a:fontRef>
+        </p:style>
+      </p:cxnSp>
+      <p:cxnSp>
+        <p:nvCxnSpPr>
+          <p:cNvPr id="179" name="直接连接符 178"/>
+          <p:cNvCxnSpPr/>
+          <p:nvPr/>
+        </p:nvCxnSpPr>
+        <p:spPr>
+          <a:xfrm>
+            <a:off x="4188848" y="1980969"/>
+            <a:ext cx="0" cy="692679"/>
+          </a:xfrm>
+          <a:prstGeom prst="line">
+            <a:avLst/>
+          </a:prstGeom>
+        </p:spPr>
+        <p:style>
+          <a:lnRef idx="1">
+            <a:schemeClr val="accent1"/>
+          </a:lnRef>
+          <a:fillRef idx="0">
+            <a:schemeClr val="accent1"/>
+          </a:fillRef>
+          <a:effectRef idx="0">
+            <a:schemeClr val="accent1"/>
+          </a:effectRef>
+          <a:fontRef idx="minor">
+            <a:schemeClr val="tx1"/>
+          </a:fontRef>
+        </p:style>
+      </p:cxnSp>
+      <p:cxnSp>
+        <p:nvCxnSpPr>
+          <p:cNvPr id="181" name="直接连接符 180"/>
+          <p:cNvCxnSpPr/>
+          <p:nvPr/>
+        </p:nvCxnSpPr>
+        <p:spPr>
+          <a:xfrm>
+            <a:off x="4883688" y="1980969"/>
+            <a:ext cx="0" cy="1568901"/>
+          </a:xfrm>
+          <a:prstGeom prst="line">
+            <a:avLst/>
+          </a:prstGeom>
+        </p:spPr>
+        <p:style>
+          <a:lnRef idx="1">
+            <a:schemeClr val="accent1"/>
+          </a:lnRef>
+          <a:fillRef idx="0">
+            <a:schemeClr val="accent1"/>
+          </a:fillRef>
+          <a:effectRef idx="0">
+            <a:schemeClr val="accent1"/>
+          </a:effectRef>
+          <a:fontRef idx="minor">
+            <a:schemeClr val="tx1"/>
+          </a:fontRef>
+        </p:style>
+      </p:cxnSp>
+      <p:cxnSp>
+        <p:nvCxnSpPr>
+          <p:cNvPr id="183" name="直接连接符 182"/>
+          <p:cNvCxnSpPr/>
+          <p:nvPr/>
+        </p:nvCxnSpPr>
+        <p:spPr>
+          <a:xfrm>
+            <a:off x="6857236" y="1980969"/>
+            <a:ext cx="0" cy="692679"/>
+          </a:xfrm>
+          <a:prstGeom prst="line">
+            <a:avLst/>
+          </a:prstGeom>
+        </p:spPr>
+        <p:style>
+          <a:lnRef idx="1">
+            <a:schemeClr val="accent1"/>
+          </a:lnRef>
+          <a:fillRef idx="0">
+            <a:schemeClr val="accent1"/>
+          </a:fillRef>
+          <a:effectRef idx="0">
+            <a:schemeClr val="accent1"/>
+          </a:effectRef>
+          <a:fontRef idx="minor">
+            <a:schemeClr val="tx1"/>
+          </a:fontRef>
+        </p:style>
+      </p:cxnSp>
+      <p:cxnSp>
+        <p:nvCxnSpPr>
+          <p:cNvPr id="185" name="直接连接符 184"/>
+          <p:cNvCxnSpPr/>
+          <p:nvPr/>
+        </p:nvCxnSpPr>
+        <p:spPr>
+          <a:xfrm>
+            <a:off x="7538720" y="1980969"/>
+            <a:ext cx="0" cy="1568901"/>
+          </a:xfrm>
+          <a:prstGeom prst="line">
+            <a:avLst/>
+          </a:prstGeom>
+        </p:spPr>
+        <p:style>
+          <a:lnRef idx="1">
+            <a:schemeClr val="accent1"/>
+          </a:lnRef>
+          <a:fillRef idx="0">
+            <a:schemeClr val="accent1"/>
+          </a:fillRef>
+          <a:effectRef idx="0">
+            <a:schemeClr val="accent1"/>
+          </a:effectRef>
+          <a:fontRef idx="minor">
+            <a:schemeClr val="tx1"/>
+          </a:fontRef>
+        </p:style>
+      </p:cxnSp>
+      <p:cxnSp>
+        <p:nvCxnSpPr>
+          <p:cNvPr id="187" name="直接连接符 186"/>
+          <p:cNvCxnSpPr/>
+          <p:nvPr/>
+        </p:nvCxnSpPr>
+        <p:spPr>
+          <a:xfrm>
+            <a:off x="9681614" y="1980969"/>
+            <a:ext cx="0" cy="692679"/>
+          </a:xfrm>
+          <a:prstGeom prst="line">
+            <a:avLst/>
+          </a:prstGeom>
+        </p:spPr>
+        <p:style>
+          <a:lnRef idx="1">
+            <a:schemeClr val="accent1"/>
+          </a:lnRef>
+          <a:fillRef idx="0">
+            <a:schemeClr val="accent1"/>
+          </a:fillRef>
+          <a:effectRef idx="0">
+            <a:schemeClr val="accent1"/>
+          </a:effectRef>
+          <a:fontRef idx="minor">
+            <a:schemeClr val="tx1"/>
+          </a:fontRef>
+        </p:style>
+      </p:cxnSp>
+      <p:cxnSp>
+        <p:nvCxnSpPr>
+          <p:cNvPr id="189" name="直接连接符 188"/>
+          <p:cNvCxnSpPr/>
+          <p:nvPr/>
+        </p:nvCxnSpPr>
+        <p:spPr>
+          <a:xfrm>
+            <a:off x="10340087" y="1980969"/>
+            <a:ext cx="0" cy="1568901"/>
+          </a:xfrm>
+          <a:prstGeom prst="line">
+            <a:avLst/>
+          </a:prstGeom>
+        </p:spPr>
+        <p:style>
+          <a:lnRef idx="1">
+            <a:schemeClr val="accent1"/>
+          </a:lnRef>
+          <a:fillRef idx="0">
+            <a:schemeClr val="accent1"/>
+          </a:fillRef>
+          <a:effectRef idx="0">
+            <a:schemeClr val="accent1"/>
+          </a:effectRef>
+          <a:fontRef idx="minor">
+            <a:schemeClr val="tx1"/>
+          </a:fontRef>
+        </p:style>
+      </p:cxnSp>
+      <p:cxnSp>
+        <p:nvCxnSpPr>
+          <p:cNvPr id="191" name="直接连接符 190"/>
+          <p:cNvCxnSpPr/>
+          <p:nvPr/>
+        </p:nvCxnSpPr>
+        <p:spPr>
+          <a:xfrm flipV="1">
+            <a:off x="2387455" y="3549870"/>
+            <a:ext cx="0" cy="350326"/>
+          </a:xfrm>
+          <a:prstGeom prst="line">
+            <a:avLst/>
+          </a:prstGeom>
+        </p:spPr>
+        <p:style>
+          <a:lnRef idx="1">
+            <a:schemeClr val="accent1"/>
+          </a:lnRef>
+          <a:fillRef idx="0">
+            <a:schemeClr val="accent1"/>
+          </a:fillRef>
+          <a:effectRef idx="0">
+            <a:schemeClr val="accent1"/>
+          </a:effectRef>
+          <a:fontRef idx="minor">
+            <a:schemeClr val="tx1"/>
+          </a:fontRef>
+        </p:style>
+      </p:cxnSp>
+      <p:cxnSp>
+        <p:nvCxnSpPr>
+          <p:cNvPr id="195" name="直接连接符 194"/>
+          <p:cNvCxnSpPr/>
+          <p:nvPr/>
+        </p:nvCxnSpPr>
+        <p:spPr>
+          <a:xfrm flipV="1">
+            <a:off x="2688336" y="2673648"/>
+            <a:ext cx="0" cy="1226548"/>
+          </a:xfrm>
+          <a:prstGeom prst="line">
+            <a:avLst/>
+          </a:prstGeom>
+        </p:spPr>
+        <p:style>
+          <a:lnRef idx="1">
+            <a:schemeClr val="accent1"/>
+          </a:lnRef>
+          <a:fillRef idx="0">
+            <a:schemeClr val="accent1"/>
+          </a:fillRef>
+          <a:effectRef idx="0">
+            <a:schemeClr val="accent1"/>
+          </a:effectRef>
+          <a:fontRef idx="minor">
+            <a:schemeClr val="tx1"/>
+          </a:fontRef>
+        </p:style>
+      </p:cxnSp>
+      <p:cxnSp>
+        <p:nvCxnSpPr>
+          <p:cNvPr id="197" name="直接连接符 196"/>
+          <p:cNvCxnSpPr/>
+          <p:nvPr/>
+        </p:nvCxnSpPr>
+        <p:spPr>
+          <a:xfrm flipV="1">
+            <a:off x="5202946" y="3549870"/>
+            <a:ext cx="0" cy="350326"/>
+          </a:xfrm>
+          <a:prstGeom prst="line">
+            <a:avLst/>
+          </a:prstGeom>
+        </p:spPr>
+        <p:style>
+          <a:lnRef idx="1">
+            <a:schemeClr val="accent1"/>
+          </a:lnRef>
+          <a:fillRef idx="0">
+            <a:schemeClr val="accent1"/>
+          </a:fillRef>
+          <a:effectRef idx="0">
+            <a:schemeClr val="accent1"/>
+          </a:effectRef>
+          <a:fontRef idx="minor">
+            <a:schemeClr val="tx1"/>
+          </a:fontRef>
+        </p:style>
+      </p:cxnSp>
+      <p:cxnSp>
+        <p:nvCxnSpPr>
+          <p:cNvPr id="199" name="直接连接符 198"/>
+          <p:cNvCxnSpPr/>
+          <p:nvPr/>
+        </p:nvCxnSpPr>
+        <p:spPr>
+          <a:xfrm flipV="1">
+            <a:off x="5519907" y="2661771"/>
+            <a:ext cx="0" cy="1226548"/>
+          </a:xfrm>
+          <a:prstGeom prst="line">
+            <a:avLst/>
+          </a:prstGeom>
+        </p:spPr>
+        <p:style>
+          <a:lnRef idx="1">
+            <a:schemeClr val="accent1"/>
+          </a:lnRef>
+          <a:fillRef idx="0">
+            <a:schemeClr val="accent1"/>
+          </a:fillRef>
+          <a:effectRef idx="0">
+            <a:schemeClr val="accent1"/>
+          </a:effectRef>
+          <a:fontRef idx="minor">
+            <a:schemeClr val="tx1"/>
+          </a:fontRef>
+        </p:style>
+      </p:cxnSp>
+      <p:cxnSp>
+        <p:nvCxnSpPr>
+          <p:cNvPr id="201" name="直接连接符 200"/>
+          <p:cNvCxnSpPr/>
+          <p:nvPr/>
+        </p:nvCxnSpPr>
+        <p:spPr>
+          <a:xfrm flipV="1">
+            <a:off x="9239630" y="3549870"/>
+            <a:ext cx="0" cy="350326"/>
+          </a:xfrm>
+          <a:prstGeom prst="line">
+            <a:avLst/>
+          </a:prstGeom>
+        </p:spPr>
+        <p:style>
+          <a:lnRef idx="1">
+            <a:schemeClr val="accent1"/>
+          </a:lnRef>
+          <a:fillRef idx="0">
+            <a:schemeClr val="accent1"/>
+          </a:fillRef>
+          <a:effectRef idx="0">
+            <a:schemeClr val="accent1"/>
+          </a:effectRef>
+          <a:fontRef idx="minor">
+            <a:schemeClr val="tx1"/>
+          </a:fontRef>
+        </p:style>
+      </p:cxnSp>
+      <p:cxnSp>
+        <p:nvCxnSpPr>
+          <p:cNvPr id="206" name="直接连接符 205"/>
+          <p:cNvCxnSpPr/>
+          <p:nvPr/>
+        </p:nvCxnSpPr>
+        <p:spPr>
+          <a:xfrm flipV="1">
+            <a:off x="9538683" y="2673648"/>
+            <a:ext cx="0" cy="1226548"/>
+          </a:xfrm>
+          <a:prstGeom prst="line">
+            <a:avLst/>
+          </a:prstGeom>
+        </p:spPr>
+        <p:style>
+          <a:lnRef idx="1">
+            <a:schemeClr val="accent1"/>
+          </a:lnRef>
+          <a:fillRef idx="0">
+            <a:schemeClr val="accent1"/>
+          </a:fillRef>
+          <a:effectRef idx="0">
+            <a:schemeClr val="accent1"/>
+          </a:effectRef>
+          <a:fontRef idx="minor">
+            <a:schemeClr val="tx1"/>
+          </a:fontRef>
+        </p:style>
+      </p:cxnSp>
+      <p:sp>
+        <p:nvSpPr>
+          <p:cNvPr id="207" name="文本框 206"/>
+          <p:cNvSpPr txBox="1"/>
+          <p:nvPr/>
+        </p:nvSpPr>
+        <p:spPr>
+          <a:xfrm>
+            <a:off x="1156996" y="5814253"/>
+            <a:ext cx="10611906" cy="584775"/>
+          </a:xfrm>
+          <a:prstGeom prst="rect">
+            <a:avLst/>
+          </a:prstGeom>
+          <a:noFill/>
+        </p:spPr>
+        <p:txBody>
+          <a:bodyPr wrap="square" rtlCol="0">
+            <a:spAutoFit/>
+          </a:bodyPr>
+          <a:lstStyle/>
+          <a:p>
+            <a:pPr algn="ctr"/>
+            <a:r>
+              <a:rPr lang="en-US" altLang="zh-CN" smtClean="0">
+                <a:latin typeface="华文楷体" panose="02010600040101010101" pitchFamily="2" charset="-122"/>
+                <a:ea typeface="华文楷体" panose="02010600040101010101" pitchFamily="2" charset="-122"/>
+              </a:rPr>
+              <a:t>RelayCtrlFrame</a:t>
+            </a:r>
+            <a:r>
+              <a:rPr lang="zh-CN" altLang="en-US" smtClean="0">
+                <a:latin typeface="华文楷体" panose="02010600040101010101" pitchFamily="2" charset="-122"/>
+                <a:ea typeface="华文楷体" panose="02010600040101010101" pitchFamily="2" charset="-122"/>
+              </a:rPr>
+              <a:t>（</a:t>
+            </a:r>
+            <a:r>
+              <a:rPr lang="en-US" altLang="zh-CN" smtClean="0">
+                <a:latin typeface="华文楷体" panose="02010600040101010101" pitchFamily="2" charset="-122"/>
+                <a:ea typeface="华文楷体" panose="02010600040101010101" pitchFamily="2" charset="-122"/>
+              </a:rPr>
+              <a:t>6</a:t>
+            </a:r>
+            <a:r>
+              <a:rPr lang="zh-CN" altLang="en-US" smtClean="0">
+                <a:latin typeface="华文楷体" panose="02010600040101010101" pitchFamily="2" charset="-122"/>
+                <a:ea typeface="华文楷体" panose="02010600040101010101" pitchFamily="2" charset="-122"/>
+              </a:rPr>
+              <a:t>个元素的</a:t>
+            </a:r>
+            <a:r>
+              <a:rPr lang="en-US" altLang="zh-CN" smtClean="0">
+                <a:latin typeface="华文楷体" panose="02010600040101010101" pitchFamily="2" charset="-122"/>
+                <a:ea typeface="华文楷体" panose="02010600040101010101" pitchFamily="2" charset="-122"/>
+              </a:rPr>
+              <a:t>uint8_t</a:t>
+            </a:r>
+            <a:r>
+              <a:rPr lang="zh-CN" altLang="en-US" smtClean="0">
+                <a:latin typeface="华文楷体" panose="02010600040101010101" pitchFamily="2" charset="-122"/>
+                <a:ea typeface="华文楷体" panose="02010600040101010101" pitchFamily="2" charset="-122"/>
+              </a:rPr>
+              <a:t>类型数组，</a:t>
+            </a:r>
+            <a:r>
+              <a:rPr lang="en-US" altLang="zh-CN" smtClean="0">
+                <a:latin typeface="华文楷体" panose="02010600040101010101" pitchFamily="2" charset="-122"/>
+                <a:ea typeface="华文楷体" panose="02010600040101010101" pitchFamily="2" charset="-122"/>
+              </a:rPr>
+              <a:t>PDU</a:t>
+            </a:r>
+            <a:r>
+              <a:rPr lang="zh-CN" altLang="en-US" smtClean="0">
+                <a:latin typeface="华文楷体" panose="02010600040101010101" pitchFamily="2" charset="-122"/>
+                <a:ea typeface="华文楷体" panose="02010600040101010101" pitchFamily="2" charset="-122"/>
+              </a:rPr>
+              <a:t>编号，发送</a:t>
+            </a:r>
+            <a:r>
+              <a:rPr lang="en-US" altLang="zh-CN" smtClean="0">
+                <a:latin typeface="华文楷体" panose="02010600040101010101" pitchFamily="2" charset="-122"/>
+                <a:ea typeface="华文楷体" panose="02010600040101010101" pitchFamily="2" charset="-122"/>
+              </a:rPr>
+              <a:t>buf</a:t>
+            </a:r>
+            <a:r>
+              <a:rPr lang="zh-CN" altLang="en-US" smtClean="0">
+                <a:latin typeface="华文楷体" panose="02010600040101010101" pitchFamily="2" charset="-122"/>
+                <a:ea typeface="华文楷体" panose="02010600040101010101" pitchFamily="2" charset="-122"/>
+              </a:rPr>
+              <a:t>）</a:t>
+            </a:r>
+            <a:r>
+              <a:rPr lang="en-US" altLang="zh-CN" sz="3200" b="1" smtClean="0">
+                <a:latin typeface="华文楷体" panose="02010600040101010101" pitchFamily="2" charset="-122"/>
+                <a:ea typeface="华文楷体" panose="02010600040101010101" pitchFamily="2" charset="-122"/>
+              </a:rPr>
+              <a:t>+</a:t>
+            </a:r>
+            <a:r>
+              <a:rPr lang="en-US" altLang="zh-CN" smtClean="0">
+                <a:latin typeface="华文楷体" panose="02010600040101010101" pitchFamily="2" charset="-122"/>
+                <a:ea typeface="华文楷体" panose="02010600040101010101" pitchFamily="2" charset="-122"/>
+              </a:rPr>
+              <a:t> CMD_RELAY_CTRL</a:t>
+            </a:r>
+            <a:r>
+              <a:rPr lang="zh-CN" altLang="en-US" smtClean="0">
+                <a:latin typeface="华文楷体" panose="02010600040101010101" pitchFamily="2" charset="-122"/>
+                <a:ea typeface="华文楷体" panose="02010600040101010101" pitchFamily="2" charset="-122"/>
+              </a:rPr>
+              <a:t>（</a:t>
+            </a:r>
+            <a:r>
+              <a:rPr lang="en-US" altLang="zh-CN">
+                <a:latin typeface="华文楷体" panose="02010600040101010101" pitchFamily="2" charset="-122"/>
+                <a:ea typeface="华文楷体" panose="02010600040101010101" pitchFamily="2" charset="-122"/>
+              </a:rPr>
+              <a:t>0x0C2A3055</a:t>
+            </a:r>
+            <a:r>
+              <a:rPr lang="zh-CN" altLang="en-US" smtClean="0">
+                <a:latin typeface="华文楷体" panose="02010600040101010101" pitchFamily="2" charset="-122"/>
+                <a:ea typeface="华文楷体" panose="02010600040101010101" pitchFamily="2" charset="-122"/>
+              </a:rPr>
+              <a:t>）</a:t>
+            </a:r>
+            <a:endParaRPr lang="zh-CN" altLang="en-US">
+              <a:latin typeface="华文楷体" panose="02010600040101010101" pitchFamily="2" charset="-122"/>
+              <a:ea typeface="华文楷体" panose="02010600040101010101" pitchFamily="2" charset="-122"/>
+            </a:endParaRPr>
+          </a:p>
+        </p:txBody>
+      </p:sp>
+    </p:spTree>
+    <p:extLst>
+      <p:ext uri="{BB962C8B-B14F-4D97-AF65-F5344CB8AC3E}">
+        <p14:creationId xmlns:p14="http://schemas.microsoft.com/office/powerpoint/2010/main" val="861549043"/>
+      </p:ext>
+    </p:extLst>
+  </p:cSld>
+  <p:clrMapOvr>
+    <a:masterClrMapping/>
+  </p:clrMapOvr>
+</p:sld>
+</file>
+
+<file path=ppt/slides/slide12.xml><?xml version="1.0" encoding="utf-8"?>
+<p:sld xmlns:a="http://schemas.openxmlformats.org/drawingml/2006/main" xmlns:r="http://schemas.openxmlformats.org/officeDocument/2006/relationships" xmlns:p="http://schemas.openxmlformats.org/presentationml/2006/main">
+  <p:cSld>
+    <p:spTree>
+      <p:nvGrpSpPr>
+        <p:cNvPr id="1" name=""/>
+        <p:cNvGrpSpPr/>
+        <p:nvPr/>
+      </p:nvGrpSpPr>
+      <p:grpSpPr>
+        <a:xfrm>
+          <a:off x="0" y="0"/>
+          <a:ext cx="0" cy="0"/>
+          <a:chOff x="0" y="0"/>
+          <a:chExt cx="0" cy="0"/>
+        </a:xfrm>
+      </p:grpSpPr>
+      <p:sp>
+        <p:nvSpPr>
+          <p:cNvPr id="2" name="文本框 1"/>
+          <p:cNvSpPr txBox="1"/>
+          <p:nvPr/>
+        </p:nvSpPr>
+        <p:spPr>
+          <a:xfrm>
+            <a:off x="2519266" y="2575248"/>
+            <a:ext cx="923730" cy="461665"/>
+          </a:xfrm>
+          <a:prstGeom prst="rect">
+            <a:avLst/>
+          </a:prstGeom>
+          <a:noFill/>
+          <a:ln>
+            <a:solidFill>
+              <a:srgbClr val="7030A0"/>
+            </a:solidFill>
+          </a:ln>
+        </p:spPr>
+        <p:txBody>
+          <a:bodyPr wrap="square" rtlCol="0">
+            <a:spAutoFit/>
+          </a:bodyPr>
+          <a:lstStyle/>
+          <a:p>
+            <a:pPr algn="ctr"/>
+            <a:r>
+              <a:rPr lang="zh-CN" altLang="en-US" sz="2400" smtClean="0">
+                <a:latin typeface="华文楷体" panose="02010600040101010101" pitchFamily="2" charset="-122"/>
+                <a:ea typeface="华文楷体" panose="02010600040101010101" pitchFamily="2" charset="-122"/>
+              </a:rPr>
+              <a:t>终端</a:t>
+            </a:r>
+            <a:endParaRPr lang="zh-CN" altLang="en-US" sz="2400">
+              <a:latin typeface="华文楷体" panose="02010600040101010101" pitchFamily="2" charset="-122"/>
+              <a:ea typeface="华文楷体" panose="02010600040101010101" pitchFamily="2" charset="-122"/>
+            </a:endParaRPr>
+          </a:p>
+        </p:txBody>
+      </p:sp>
+      <p:sp>
+        <p:nvSpPr>
+          <p:cNvPr id="4" name="文本框 3"/>
+          <p:cNvSpPr txBox="1"/>
+          <p:nvPr/>
+        </p:nvSpPr>
+        <p:spPr>
+          <a:xfrm>
+            <a:off x="5445967" y="2636803"/>
+            <a:ext cx="656253" cy="338554"/>
+          </a:xfrm>
+          <a:prstGeom prst="rect">
+            <a:avLst/>
+          </a:prstGeom>
+          <a:noFill/>
+          <a:ln>
+            <a:solidFill>
+              <a:srgbClr val="7030A0"/>
+            </a:solidFill>
+          </a:ln>
+        </p:spPr>
+        <p:txBody>
+          <a:bodyPr wrap="square" rtlCol="0">
+            <a:spAutoFit/>
+          </a:bodyPr>
+          <a:lstStyle/>
+          <a:p>
+            <a:pPr algn="ctr"/>
+            <a:r>
+              <a:rPr lang="zh-CN" altLang="en-US" sz="1600" smtClean="0">
+                <a:latin typeface="华文楷体" panose="02010600040101010101" pitchFamily="2" charset="-122"/>
+                <a:ea typeface="华文楷体" panose="02010600040101010101" pitchFamily="2" charset="-122"/>
+              </a:rPr>
+              <a:t>分配</a:t>
+            </a:r>
+            <a:endParaRPr lang="zh-CN" altLang="en-US" sz="1600">
+              <a:latin typeface="华文楷体" panose="02010600040101010101" pitchFamily="2" charset="-122"/>
+              <a:ea typeface="华文楷体" panose="02010600040101010101" pitchFamily="2" charset="-122"/>
+            </a:endParaRPr>
+          </a:p>
+        </p:txBody>
+      </p:sp>
+      <p:sp>
+        <p:nvSpPr>
+          <p:cNvPr id="5" name="文本框 4"/>
+          <p:cNvSpPr txBox="1"/>
+          <p:nvPr/>
+        </p:nvSpPr>
+        <p:spPr>
+          <a:xfrm>
+            <a:off x="6839339" y="2636803"/>
+            <a:ext cx="656253" cy="338554"/>
+          </a:xfrm>
+          <a:prstGeom prst="rect">
+            <a:avLst/>
+          </a:prstGeom>
+          <a:noFill/>
+          <a:ln>
+            <a:solidFill>
+              <a:srgbClr val="7030A0"/>
+            </a:solidFill>
+          </a:ln>
+        </p:spPr>
+        <p:txBody>
+          <a:bodyPr wrap="square" rtlCol="0">
+            <a:spAutoFit/>
+          </a:bodyPr>
+          <a:lstStyle/>
+          <a:p>
+            <a:pPr algn="ctr"/>
+            <a:r>
+              <a:rPr lang="zh-CN" altLang="en-US" sz="1600" smtClean="0">
+                <a:latin typeface="华文楷体" panose="02010600040101010101" pitchFamily="2" charset="-122"/>
+                <a:ea typeface="华文楷体" panose="02010600040101010101" pitchFamily="2" charset="-122"/>
+              </a:rPr>
+              <a:t>部署</a:t>
+            </a:r>
+            <a:endParaRPr lang="zh-CN" altLang="en-US" sz="1600">
+              <a:latin typeface="华文楷体" panose="02010600040101010101" pitchFamily="2" charset="-122"/>
+              <a:ea typeface="华文楷体" panose="02010600040101010101" pitchFamily="2" charset="-122"/>
+            </a:endParaRPr>
+          </a:p>
+        </p:txBody>
+      </p:sp>
+      <p:cxnSp>
+        <p:nvCxnSpPr>
+          <p:cNvPr id="7" name="直接箭头连接符 6"/>
+          <p:cNvCxnSpPr/>
+          <p:nvPr/>
+        </p:nvCxnSpPr>
+        <p:spPr>
+          <a:xfrm>
+            <a:off x="3442996" y="2718344"/>
+            <a:ext cx="2002971" cy="0"/>
+          </a:xfrm>
+          <a:prstGeom prst="straightConnector1">
+            <a:avLst/>
+          </a:prstGeom>
+          <a:ln>
+            <a:tailEnd type="triangle"/>
+          </a:ln>
+        </p:spPr>
+        <p:style>
+          <a:lnRef idx="1">
+            <a:schemeClr val="accent1"/>
+          </a:lnRef>
+          <a:fillRef idx="0">
+            <a:schemeClr val="accent1"/>
+          </a:fillRef>
+          <a:effectRef idx="0">
+            <a:schemeClr val="accent1"/>
+          </a:effectRef>
+          <a:fontRef idx="minor">
+            <a:schemeClr val="tx1"/>
+          </a:fontRef>
+        </p:style>
+      </p:cxnSp>
+      <p:cxnSp>
+        <p:nvCxnSpPr>
+          <p:cNvPr id="9" name="直接箭头连接符 8"/>
+          <p:cNvCxnSpPr/>
+          <p:nvPr/>
+        </p:nvCxnSpPr>
+        <p:spPr>
+          <a:xfrm flipH="1">
+            <a:off x="3442995" y="2882050"/>
+            <a:ext cx="2002971" cy="0"/>
+          </a:xfrm>
+          <a:prstGeom prst="straightConnector1">
+            <a:avLst/>
+          </a:prstGeom>
+          <a:ln>
+            <a:tailEnd type="triangle"/>
+          </a:ln>
+        </p:spPr>
+        <p:style>
+          <a:lnRef idx="1">
+            <a:schemeClr val="accent1"/>
+          </a:lnRef>
+          <a:fillRef idx="0">
+            <a:schemeClr val="accent1"/>
+          </a:fillRef>
+          <a:effectRef idx="0">
+            <a:schemeClr val="accent1"/>
+          </a:effectRef>
+          <a:fontRef idx="minor">
+            <a:schemeClr val="tx1"/>
+          </a:fontRef>
+        </p:style>
+      </p:cxnSp>
+      <p:cxnSp>
+        <p:nvCxnSpPr>
+          <p:cNvPr id="11" name="直接箭头连接符 10"/>
+          <p:cNvCxnSpPr>
+            <a:stCxn id="4" idx="3"/>
+            <a:endCxn id="5" idx="1"/>
+          </p:cNvCxnSpPr>
+          <p:nvPr/>
+        </p:nvCxnSpPr>
+        <p:spPr>
+          <a:xfrm>
+            <a:off x="6102220" y="2806080"/>
+            <a:ext cx="737119" cy="0"/>
+          </a:xfrm>
+          <a:prstGeom prst="straightConnector1">
+            <a:avLst/>
+          </a:prstGeom>
+          <a:ln>
+            <a:tailEnd type="triangle"/>
+          </a:ln>
+        </p:spPr>
+        <p:style>
+          <a:lnRef idx="1">
+            <a:schemeClr val="accent1"/>
+          </a:lnRef>
+          <a:fillRef idx="0">
+            <a:schemeClr val="accent1"/>
+          </a:fillRef>
+          <a:effectRef idx="0">
+            <a:schemeClr val="accent1"/>
+          </a:effectRef>
+          <a:fontRef idx="minor">
+            <a:schemeClr val="tx1"/>
+          </a:fontRef>
+        </p:style>
+      </p:cxnSp>
+      <p:sp>
+        <p:nvSpPr>
+          <p:cNvPr id="12" name="文本框 11"/>
+          <p:cNvSpPr txBox="1"/>
+          <p:nvPr/>
+        </p:nvSpPr>
+        <p:spPr>
+          <a:xfrm>
+            <a:off x="4110133" y="2835398"/>
+            <a:ext cx="513183" cy="276999"/>
+          </a:xfrm>
+          <a:prstGeom prst="rect">
+            <a:avLst/>
+          </a:prstGeom>
+          <a:noFill/>
+        </p:spPr>
+        <p:txBody>
+          <a:bodyPr wrap="square" rtlCol="0">
+            <a:spAutoFit/>
+          </a:bodyPr>
+          <a:lstStyle/>
+          <a:p>
+            <a:pPr algn="ctr"/>
+            <a:r>
+              <a:rPr lang="zh-CN" altLang="en-US" sz="1200" smtClean="0">
+                <a:latin typeface="华文楷体" panose="02010600040101010101" pitchFamily="2" charset="-122"/>
+                <a:ea typeface="华文楷体" panose="02010600040101010101" pitchFamily="2" charset="-122"/>
+              </a:rPr>
+              <a:t>回应</a:t>
+            </a:r>
+            <a:endParaRPr lang="zh-CN" altLang="en-US" sz="1200">
+              <a:latin typeface="华文楷体" panose="02010600040101010101" pitchFamily="2" charset="-122"/>
+              <a:ea typeface="华文楷体" panose="02010600040101010101" pitchFamily="2" charset="-122"/>
+            </a:endParaRPr>
+          </a:p>
+        </p:txBody>
+      </p:sp>
+      <p:sp>
+        <p:nvSpPr>
+          <p:cNvPr id="13" name="文本框 12"/>
+          <p:cNvSpPr txBox="1"/>
+          <p:nvPr/>
+        </p:nvSpPr>
+        <p:spPr>
+          <a:xfrm>
+            <a:off x="4110134" y="2496844"/>
+            <a:ext cx="513183" cy="279918"/>
+          </a:xfrm>
+          <a:prstGeom prst="rect">
+            <a:avLst/>
+          </a:prstGeom>
+          <a:noFill/>
+        </p:spPr>
+        <p:txBody>
+          <a:bodyPr wrap="square" rtlCol="0">
+            <a:spAutoFit/>
+          </a:bodyPr>
+          <a:lstStyle/>
+          <a:p>
+            <a:pPr algn="ctr"/>
+            <a:r>
+              <a:rPr lang="zh-CN" altLang="en-US" sz="1200" smtClean="0">
+                <a:latin typeface="华文楷体" panose="02010600040101010101" pitchFamily="2" charset="-122"/>
+                <a:ea typeface="华文楷体" panose="02010600040101010101" pitchFamily="2" charset="-122"/>
+              </a:rPr>
+              <a:t>需求</a:t>
+            </a:r>
+            <a:endParaRPr lang="zh-CN" altLang="en-US" sz="1200">
+              <a:latin typeface="华文楷体" panose="02010600040101010101" pitchFamily="2" charset="-122"/>
+              <a:ea typeface="华文楷体" panose="02010600040101010101" pitchFamily="2" charset="-122"/>
+            </a:endParaRPr>
+          </a:p>
+        </p:txBody>
+      </p:sp>
+      <p:sp>
+        <p:nvSpPr>
+          <p:cNvPr id="14" name="矩形 13"/>
+          <p:cNvSpPr/>
+          <p:nvPr/>
+        </p:nvSpPr>
+        <p:spPr>
+          <a:xfrm>
+            <a:off x="4777273" y="1296955"/>
+            <a:ext cx="3228392" cy="2976465"/>
+          </a:xfrm>
+          <a:prstGeom prst="rect">
+            <a:avLst/>
+          </a:prstGeom>
+          <a:noFill/>
+        </p:spPr>
+        <p:style>
+          <a:lnRef idx="2">
+            <a:schemeClr val="accent1">
+              <a:shade val="50000"/>
+            </a:schemeClr>
+          </a:lnRef>
+          <a:fillRef idx="1">
+            <a:schemeClr val="accent1"/>
+          </a:fillRef>
+          <a:effectRef idx="0">
+            <a:schemeClr val="accent1"/>
+          </a:effectRef>
+          <a:fontRef idx="minor">
+            <a:schemeClr val="lt1"/>
+          </a:fontRef>
+        </p:style>
+        <p:txBody>
+          <a:bodyPr rtlCol="0" anchor="ctr"/>
+          <a:lstStyle/>
+          <a:p>
+            <a:pPr algn="ctr"/>
+            <a:endParaRPr lang="zh-CN" altLang="en-US"/>
+          </a:p>
+        </p:txBody>
+      </p:sp>
+      <p:sp>
+        <p:nvSpPr>
+          <p:cNvPr id="15" name="文本框 14"/>
+          <p:cNvSpPr txBox="1"/>
+          <p:nvPr/>
+        </p:nvSpPr>
+        <p:spPr>
+          <a:xfrm>
+            <a:off x="5752322" y="3665561"/>
+            <a:ext cx="1278294" cy="461665"/>
+          </a:xfrm>
+          <a:prstGeom prst="rect">
+            <a:avLst/>
+          </a:prstGeom>
+          <a:noFill/>
+        </p:spPr>
+        <p:txBody>
+          <a:bodyPr wrap="square" rtlCol="0">
+            <a:spAutoFit/>
+          </a:bodyPr>
+          <a:lstStyle/>
+          <a:p>
+            <a:pPr algn="ctr"/>
+            <a:r>
+              <a:rPr lang="zh-CN" altLang="en-US" sz="2400" smtClean="0">
+                <a:latin typeface="华文楷体" panose="02010600040101010101" pitchFamily="2" charset="-122"/>
+                <a:ea typeface="华文楷体" panose="02010600040101010101" pitchFamily="2" charset="-122"/>
+              </a:rPr>
+              <a:t>整流柜</a:t>
+            </a:r>
+            <a:endParaRPr lang="zh-CN" altLang="en-US" sz="2400">
+              <a:latin typeface="华文楷体" panose="02010600040101010101" pitchFamily="2" charset="-122"/>
+              <a:ea typeface="华文楷体" panose="02010600040101010101" pitchFamily="2" charset="-122"/>
+            </a:endParaRPr>
+          </a:p>
+        </p:txBody>
+      </p:sp>
+      <p:sp>
+        <p:nvSpPr>
+          <p:cNvPr id="18" name="矩形 17"/>
+          <p:cNvSpPr/>
+          <p:nvPr/>
+        </p:nvSpPr>
+        <p:spPr>
+          <a:xfrm>
+            <a:off x="5523722" y="2496844"/>
+            <a:ext cx="2099388" cy="615553"/>
+          </a:xfrm>
+          <a:prstGeom prst="rect">
+            <a:avLst/>
+          </a:prstGeom>
+          <a:noFill/>
+          <a:ln>
+            <a:solidFill>
+              <a:srgbClr val="FF0000"/>
+            </a:solidFill>
+            <a:prstDash val="lgDashDotDot"/>
+          </a:ln>
+        </p:spPr>
+        <p:style>
+          <a:lnRef idx="2">
+            <a:schemeClr val="accent1">
+              <a:shade val="50000"/>
+            </a:schemeClr>
+          </a:lnRef>
+          <a:fillRef idx="1">
+            <a:schemeClr val="accent1"/>
+          </a:fillRef>
+          <a:effectRef idx="0">
+            <a:schemeClr val="accent1"/>
+          </a:effectRef>
+          <a:fontRef idx="minor">
+            <a:schemeClr val="lt1"/>
+          </a:fontRef>
+        </p:style>
+        <p:txBody>
+          <a:bodyPr rtlCol="0" anchor="ctr"/>
+          <a:lstStyle/>
+          <a:p>
+            <a:pPr algn="ctr"/>
+            <a:endParaRPr lang="zh-CN" altLang="en-US">
+              <a:ln>
+                <a:solidFill>
+                  <a:srgbClr val="FF0000"/>
+                </a:solidFill>
+              </a:ln>
+            </a:endParaRPr>
+          </a:p>
+        </p:txBody>
+      </p:sp>
+    </p:spTree>
+    <p:extLst>
+      <p:ext uri="{BB962C8B-B14F-4D97-AF65-F5344CB8AC3E}">
+        <p14:creationId xmlns:p14="http://schemas.microsoft.com/office/powerpoint/2010/main" val="4237051315"/>
       </p:ext>
     </p:extLst>
   </p:cSld>
@@ -12079,10 +18830,15 @@
           <a:prstGeom prst="rect">
             <a:avLst/>
           </a:prstGeom>
-          <a:noFill/>
+          <a:solidFill>
+            <a:schemeClr val="accent2">
+              <a:lumMod val="20000"/>
+              <a:lumOff val="80000"/>
+            </a:schemeClr>
+          </a:solidFill>
           <a:ln>
             <a:solidFill>
-              <a:srgbClr val="002060"/>
+              <a:srgbClr val="FF0000"/>
             </a:solidFill>
           </a:ln>
         </p:spPr>
@@ -12368,10 +19124,15 @@
           <a:prstGeom prst="rect">
             <a:avLst/>
           </a:prstGeom>
-          <a:noFill/>
+          <a:solidFill>
+            <a:schemeClr val="accent2">
+              <a:lumMod val="20000"/>
+              <a:lumOff val="80000"/>
+            </a:schemeClr>
+          </a:solidFill>
           <a:ln>
             <a:solidFill>
-              <a:srgbClr val="002060"/>
+              <a:srgbClr val="FF0000"/>
             </a:solidFill>
           </a:ln>
         </p:spPr>
@@ -15081,6 +21842,449 @@
                 <a:ea typeface="华文楷体" panose="02010600040101010101" pitchFamily="2" charset="-122"/>
               </a:rPr>
               <a:t>PDU6</a:t>
+            </a:r>
+            <a:endParaRPr lang="zh-CN" altLang="en-US" sz="1400">
+              <a:latin typeface="华文楷体" panose="02010600040101010101" pitchFamily="2" charset="-122"/>
+              <a:ea typeface="华文楷体" panose="02010600040101010101" pitchFamily="2" charset="-122"/>
+            </a:endParaRPr>
+          </a:p>
+        </p:txBody>
+      </p:sp>
+      <p:sp>
+        <p:nvSpPr>
+          <p:cNvPr id="15" name="文本框 14"/>
+          <p:cNvSpPr txBox="1"/>
+          <p:nvPr/>
+        </p:nvSpPr>
+        <p:spPr>
+          <a:xfrm>
+            <a:off x="3377" y="449584"/>
+            <a:ext cx="12191999" cy="738664"/>
+          </a:xfrm>
+          <a:prstGeom prst="rect">
+            <a:avLst/>
+          </a:prstGeom>
+          <a:noFill/>
+        </p:spPr>
+        <p:txBody>
+          <a:bodyPr wrap="square" rtlCol="0">
+            <a:spAutoFit/>
+          </a:bodyPr>
+          <a:lstStyle/>
+          <a:p>
+            <a:pPr algn="ctr"/>
+            <a:r>
+              <a:rPr lang="zh-CN" altLang="en-US" sz="1400" smtClean="0">
+                <a:latin typeface="华文楷体" panose="02010600040101010101" pitchFamily="2" charset="-122"/>
+                <a:ea typeface="华文楷体" panose="02010600040101010101" pitchFamily="2" charset="-122"/>
+              </a:rPr>
+              <a:t>这里的</a:t>
+            </a:r>
+            <a:r>
+              <a:rPr lang="en-US" altLang="zh-CN" sz="1400" smtClean="0">
+                <a:latin typeface="华文楷体" panose="02010600040101010101" pitchFamily="2" charset="-122"/>
+                <a:ea typeface="华文楷体" panose="02010600040101010101" pitchFamily="2" charset="-122"/>
+              </a:rPr>
+              <a:t>PDU</a:t>
+            </a:r>
+            <a:r>
+              <a:rPr lang="zh-CN" altLang="en-US" sz="1400">
+                <a:latin typeface="华文楷体" panose="02010600040101010101" pitchFamily="2" charset="-122"/>
+                <a:ea typeface="华文楷体" panose="02010600040101010101" pitchFamily="2" charset="-122"/>
+              </a:rPr>
+              <a:t>指</a:t>
+            </a:r>
+            <a:r>
+              <a:rPr lang="zh-CN" altLang="en-US" sz="1400">
+                <a:latin typeface="华文楷体" panose="02010600040101010101" pitchFamily="2" charset="-122"/>
+                <a:ea typeface="华文楷体" panose="02010600040101010101" pitchFamily="2" charset="-122"/>
+              </a:rPr>
+              <a:t>的</a:t>
+            </a:r>
+            <a:r>
+              <a:rPr lang="zh-CN" altLang="en-US" sz="1400" smtClean="0">
+                <a:latin typeface="华文楷体" panose="02010600040101010101" pitchFamily="2" charset="-122"/>
+                <a:ea typeface="华文楷体" panose="02010600040101010101" pitchFamily="2" charset="-122"/>
+              </a:rPr>
+              <a:t>是</a:t>
+            </a:r>
+            <a:r>
+              <a:rPr lang="en-US" altLang="zh-CN" sz="1400" smtClean="0">
+                <a:latin typeface="华文楷体" panose="02010600040101010101" pitchFamily="2" charset="-122"/>
+                <a:ea typeface="华文楷体" panose="02010600040101010101" pitchFamily="2" charset="-122"/>
+              </a:rPr>
+              <a:t>PDU</a:t>
+            </a:r>
+            <a:r>
+              <a:rPr lang="zh-CN" altLang="en-US" sz="1400" smtClean="0">
+                <a:latin typeface="华文楷体" panose="02010600040101010101" pitchFamily="2" charset="-122"/>
+                <a:ea typeface="华文楷体" panose="02010600040101010101" pitchFamily="2" charset="-122"/>
+              </a:rPr>
+              <a:t>模块（</a:t>
+            </a:r>
+            <a:r>
+              <a:rPr lang="en-US" altLang="zh-CN" sz="1400" smtClean="0">
+                <a:latin typeface="华文楷体" panose="02010600040101010101" pitchFamily="2" charset="-122"/>
+                <a:ea typeface="华文楷体" panose="02010600040101010101" pitchFamily="2" charset="-122"/>
+              </a:rPr>
+              <a:t>6</a:t>
+            </a:r>
+            <a:r>
+              <a:rPr lang="zh-CN" altLang="en-US" sz="1400" smtClean="0">
+                <a:latin typeface="华文楷体" panose="02010600040101010101" pitchFamily="2" charset="-122"/>
+                <a:ea typeface="华文楷体" panose="02010600040101010101" pitchFamily="2" charset="-122"/>
+              </a:rPr>
+              <a:t>个继电器），而</a:t>
+            </a:r>
+            <a:r>
+              <a:rPr lang="en-US" altLang="zh-CN" sz="1400" smtClean="0">
+                <a:latin typeface="华文楷体" panose="02010600040101010101" pitchFamily="2" charset="-122"/>
+                <a:ea typeface="华文楷体" panose="02010600040101010101" pitchFamily="2" charset="-122"/>
+              </a:rPr>
+              <a:t>PDU</a:t>
+            </a:r>
+            <a:r>
+              <a:rPr lang="zh-CN" altLang="en-US" sz="1400" smtClean="0">
+                <a:latin typeface="华文楷体" panose="02010600040101010101" pitchFamily="2" charset="-122"/>
+                <a:ea typeface="华文楷体" panose="02010600040101010101" pitchFamily="2" charset="-122"/>
+              </a:rPr>
+              <a:t>板子是控制继电器的，把</a:t>
+            </a:r>
+            <a:r>
+              <a:rPr lang="en-US" altLang="zh-CN" sz="1400" smtClean="0">
+                <a:latin typeface="华文楷体" panose="02010600040101010101" pitchFamily="2" charset="-122"/>
+                <a:ea typeface="华文楷体" panose="02010600040101010101" pitchFamily="2" charset="-122"/>
+              </a:rPr>
+              <a:t>PDU</a:t>
+            </a:r>
+            <a:r>
+              <a:rPr lang="zh-CN" altLang="en-US" sz="1400" smtClean="0">
+                <a:latin typeface="华文楷体" panose="02010600040101010101" pitchFamily="2" charset="-122"/>
+                <a:ea typeface="华文楷体" panose="02010600040101010101" pitchFamily="2" charset="-122"/>
+              </a:rPr>
+              <a:t>模块接到</a:t>
+            </a:r>
+            <a:r>
+              <a:rPr lang="en-US" altLang="zh-CN" sz="1400" smtClean="0">
+                <a:latin typeface="华文楷体" panose="02010600040101010101" pitchFamily="2" charset="-122"/>
+                <a:ea typeface="华文楷体" panose="02010600040101010101" pitchFamily="2" charset="-122"/>
+              </a:rPr>
+              <a:t>PDU</a:t>
+            </a:r>
+            <a:r>
+              <a:rPr lang="zh-CN" altLang="en-US" sz="1400" smtClean="0">
+                <a:latin typeface="华文楷体" panose="02010600040101010101" pitchFamily="2" charset="-122"/>
+                <a:ea typeface="华文楷体" panose="02010600040101010101" pitchFamily="2" charset="-122"/>
+              </a:rPr>
+              <a:t>板子相当于把</a:t>
+            </a:r>
+            <a:r>
+              <a:rPr lang="en-US" altLang="zh-CN" sz="1400" smtClean="0">
+                <a:latin typeface="华文楷体" panose="02010600040101010101" pitchFamily="2" charset="-122"/>
+                <a:ea typeface="华文楷体" panose="02010600040101010101" pitchFamily="2" charset="-122"/>
+              </a:rPr>
+              <a:t>6</a:t>
+            </a:r>
+            <a:r>
+              <a:rPr lang="zh-CN" altLang="en-US" sz="1400" smtClean="0">
+                <a:latin typeface="华文楷体" panose="02010600040101010101" pitchFamily="2" charset="-122"/>
+                <a:ea typeface="华文楷体" panose="02010600040101010101" pitchFamily="2" charset="-122"/>
+              </a:rPr>
+              <a:t>个继电器接到</a:t>
+            </a:r>
+            <a:r>
+              <a:rPr lang="en-US" altLang="zh-CN" sz="1400" smtClean="0">
+                <a:latin typeface="华文楷体" panose="02010600040101010101" pitchFamily="2" charset="-122"/>
+                <a:ea typeface="华文楷体" panose="02010600040101010101" pitchFamily="2" charset="-122"/>
+              </a:rPr>
+              <a:t>PDU</a:t>
+            </a:r>
+            <a:r>
+              <a:rPr lang="zh-CN" altLang="en-US" sz="1400" smtClean="0">
+                <a:latin typeface="华文楷体" panose="02010600040101010101" pitchFamily="2" charset="-122"/>
+                <a:ea typeface="华文楷体" panose="02010600040101010101" pitchFamily="2" charset="-122"/>
+              </a:rPr>
+              <a:t>板上；代码中应该有</a:t>
+            </a:r>
+            <a:r>
+              <a:rPr lang="en-US" altLang="zh-CN" sz="1400" smtClean="0">
+                <a:latin typeface="华文楷体" panose="02010600040101010101" pitchFamily="2" charset="-122"/>
+                <a:ea typeface="华文楷体" panose="02010600040101010101" pitchFamily="2" charset="-122"/>
+              </a:rPr>
+              <a:t>PDU</a:t>
+            </a:r>
+            <a:r>
+              <a:rPr lang="zh-CN" altLang="en-US" sz="1400" smtClean="0">
+                <a:latin typeface="华文楷体" panose="02010600040101010101" pitchFamily="2" charset="-122"/>
+                <a:ea typeface="华文楷体" panose="02010600040101010101" pitchFamily="2" charset="-122"/>
+              </a:rPr>
+              <a:t>板子的接口，负责控制板子上</a:t>
+            </a:r>
+            <a:r>
+              <a:rPr lang="zh-CN" altLang="en-US" sz="1400">
+                <a:latin typeface="华文楷体" panose="02010600040101010101" pitchFamily="2" charset="-122"/>
+                <a:ea typeface="华文楷体" panose="02010600040101010101" pitchFamily="2" charset="-122"/>
+              </a:rPr>
+              <a:t>具体</a:t>
+            </a:r>
+            <a:r>
+              <a:rPr lang="zh-CN" altLang="en-US" sz="1400" smtClean="0">
+                <a:latin typeface="华文楷体" panose="02010600040101010101" pitchFamily="2" charset="-122"/>
+                <a:ea typeface="华文楷体" panose="02010600040101010101" pitchFamily="2" charset="-122"/>
+              </a:rPr>
+              <a:t>那个接口（一共</a:t>
+            </a:r>
+            <a:r>
+              <a:rPr lang="en-US" altLang="zh-CN" sz="1400" smtClean="0">
+                <a:latin typeface="华文楷体" panose="02010600040101010101" pitchFamily="2" charset="-122"/>
+                <a:ea typeface="华文楷体" panose="02010600040101010101" pitchFamily="2" charset="-122"/>
+              </a:rPr>
+              <a:t>12</a:t>
+            </a:r>
+            <a:r>
+              <a:rPr lang="zh-CN" altLang="en-US" sz="1400" smtClean="0">
+                <a:latin typeface="华文楷体" panose="02010600040101010101" pitchFamily="2" charset="-122"/>
+                <a:ea typeface="华文楷体" panose="02010600040101010101" pitchFamily="2" charset="-122"/>
+              </a:rPr>
+              <a:t>个接口）的继电器通断；然后把二维数组“</a:t>
+            </a:r>
+            <a:r>
+              <a:rPr lang="en-US" altLang="zh-CN" sz="1400" smtClean="0">
+                <a:latin typeface="华文楷体" panose="02010600040101010101" pitchFamily="2" charset="-122"/>
+                <a:ea typeface="华文楷体" panose="02010600040101010101" pitchFamily="2" charset="-122"/>
+              </a:rPr>
+              <a:t>relaySW[PDU_MAX_NUM</a:t>
+            </a:r>
+            <a:r>
+              <a:rPr lang="en-US" altLang="zh-CN" sz="1400">
+                <a:latin typeface="华文楷体" panose="02010600040101010101" pitchFamily="2" charset="-122"/>
+                <a:ea typeface="华文楷体" panose="02010600040101010101" pitchFamily="2" charset="-122"/>
+              </a:rPr>
+              <a:t>][</a:t>
+            </a:r>
+            <a:r>
+              <a:rPr lang="en-US" altLang="zh-CN" sz="1400">
+                <a:latin typeface="华文楷体" panose="02010600040101010101" pitchFamily="2" charset="-122"/>
+                <a:ea typeface="华文楷体" panose="02010600040101010101" pitchFamily="2" charset="-122"/>
+              </a:rPr>
+              <a:t>6</a:t>
+            </a:r>
+            <a:r>
+              <a:rPr lang="en-US" altLang="zh-CN" sz="1400" smtClean="0">
+                <a:latin typeface="华文楷体" panose="02010600040101010101" pitchFamily="2" charset="-122"/>
+                <a:ea typeface="华文楷体" panose="02010600040101010101" pitchFamily="2" charset="-122"/>
+              </a:rPr>
+              <a:t>];// </a:t>
+            </a:r>
+            <a:r>
+              <a:rPr lang="zh-CN" altLang="en-US" sz="1400">
+                <a:latin typeface="华文楷体" panose="02010600040101010101" pitchFamily="2" charset="-122"/>
+                <a:ea typeface="华文楷体" panose="02010600040101010101" pitchFamily="2" charset="-122"/>
+              </a:rPr>
+              <a:t>需要操作的</a:t>
+            </a:r>
+            <a:r>
+              <a:rPr lang="en-US" altLang="zh-CN" sz="1400">
+                <a:latin typeface="华文楷体" panose="02010600040101010101" pitchFamily="2" charset="-122"/>
+                <a:ea typeface="华文楷体" panose="02010600040101010101" pitchFamily="2" charset="-122"/>
+              </a:rPr>
+              <a:t>PDU</a:t>
+            </a:r>
+            <a:r>
+              <a:rPr lang="zh-CN" altLang="en-US" sz="1400">
+                <a:latin typeface="华文楷体" panose="02010600040101010101" pitchFamily="2" charset="-122"/>
+                <a:ea typeface="华文楷体" panose="02010600040101010101" pitchFamily="2" charset="-122"/>
+              </a:rPr>
+              <a:t>的</a:t>
+            </a:r>
+            <a:r>
+              <a:rPr lang="zh-CN" altLang="en-US" sz="1400" smtClean="0">
+                <a:latin typeface="华文楷体" panose="02010600040101010101" pitchFamily="2" charset="-122"/>
+                <a:ea typeface="华文楷体" panose="02010600040101010101" pitchFamily="2" charset="-122"/>
+              </a:rPr>
+              <a:t>继电器”作为参数传入接口函数进而控制继电器的通断</a:t>
+            </a:r>
+            <a:endParaRPr lang="zh-CN" altLang="en-US" sz="1400">
+              <a:latin typeface="华文楷体" panose="02010600040101010101" pitchFamily="2" charset="-122"/>
+              <a:ea typeface="华文楷体" panose="02010600040101010101" pitchFamily="2" charset="-122"/>
+            </a:endParaRPr>
+          </a:p>
+        </p:txBody>
+      </p:sp>
+      <p:sp>
+        <p:nvSpPr>
+          <p:cNvPr id="16" name="矩形 15"/>
+          <p:cNvSpPr/>
+          <p:nvPr/>
+        </p:nvSpPr>
+        <p:spPr>
+          <a:xfrm>
+            <a:off x="5927075" y="4147127"/>
+            <a:ext cx="3148209" cy="577396"/>
+          </a:xfrm>
+          <a:prstGeom prst="rect">
+            <a:avLst/>
+          </a:prstGeom>
+          <a:noFill/>
+          <a:ln w="28575">
+            <a:solidFill>
+              <a:srgbClr val="7030A0"/>
+            </a:solidFill>
+            <a:prstDash val="sysDash"/>
+          </a:ln>
+        </p:spPr>
+        <p:style>
+          <a:lnRef idx="2">
+            <a:schemeClr val="accent1">
+              <a:shade val="50000"/>
+            </a:schemeClr>
+          </a:lnRef>
+          <a:fillRef idx="1">
+            <a:schemeClr val="accent1"/>
+          </a:fillRef>
+          <a:effectRef idx="0">
+            <a:schemeClr val="accent1"/>
+          </a:effectRef>
+          <a:fontRef idx="minor">
+            <a:schemeClr val="lt1"/>
+          </a:fontRef>
+        </p:style>
+        <p:txBody>
+          <a:bodyPr rtlCol="0" anchor="ctr"/>
+          <a:lstStyle/>
+          <a:p>
+            <a:pPr algn="ctr"/>
+            <a:endParaRPr lang="zh-CN" altLang="en-US"/>
+          </a:p>
+        </p:txBody>
+      </p:sp>
+      <p:sp>
+        <p:nvSpPr>
+          <p:cNvPr id="17" name="文本框 16"/>
+          <p:cNvSpPr txBox="1"/>
+          <p:nvPr/>
+        </p:nvSpPr>
+        <p:spPr>
+          <a:xfrm>
+            <a:off x="9205230" y="4505973"/>
+            <a:ext cx="2474404" cy="1384995"/>
+          </a:xfrm>
+          <a:prstGeom prst="rect">
+            <a:avLst/>
+          </a:prstGeom>
+          <a:noFill/>
+        </p:spPr>
+        <p:txBody>
+          <a:bodyPr wrap="square" rtlCol="0">
+            <a:spAutoFit/>
+          </a:bodyPr>
+          <a:lstStyle/>
+          <a:p>
+            <a:pPr algn="ctr"/>
+            <a:r>
+              <a:rPr lang="zh-CN" altLang="en-US" sz="1400" smtClean="0">
+                <a:latin typeface="华文楷体" panose="02010600040101010101" pitchFamily="2" charset="-122"/>
+                <a:ea typeface="华文楷体" panose="02010600040101010101" pitchFamily="2" charset="-122"/>
+              </a:rPr>
+              <a:t>每一个</a:t>
+            </a:r>
+            <a:r>
+              <a:rPr lang="en-US" altLang="zh-CN" sz="1400" smtClean="0">
+                <a:latin typeface="华文楷体" panose="02010600040101010101" pitchFamily="2" charset="-122"/>
+                <a:ea typeface="华文楷体" panose="02010600040101010101" pitchFamily="2" charset="-122"/>
+              </a:rPr>
+              <a:t>PDU</a:t>
+            </a:r>
+            <a:r>
+              <a:rPr lang="zh-CN" altLang="en-US" sz="1400" smtClean="0">
+                <a:latin typeface="华文楷体" panose="02010600040101010101" pitchFamily="2" charset="-122"/>
+                <a:ea typeface="华文楷体" panose="02010600040101010101" pitchFamily="2" charset="-122"/>
+              </a:rPr>
+              <a:t>控制板（图中没有画出）可以控制</a:t>
+            </a:r>
+            <a:r>
+              <a:rPr lang="en-US" altLang="zh-CN" sz="1400" smtClean="0">
+                <a:latin typeface="华文楷体" panose="02010600040101010101" pitchFamily="2" charset="-122"/>
+                <a:ea typeface="华文楷体" panose="02010600040101010101" pitchFamily="2" charset="-122"/>
+              </a:rPr>
+              <a:t>12</a:t>
+            </a:r>
+            <a:r>
+              <a:rPr lang="zh-CN" altLang="en-US" sz="1400" smtClean="0">
+                <a:latin typeface="华文楷体" panose="02010600040101010101" pitchFamily="2" charset="-122"/>
+                <a:ea typeface="华文楷体" panose="02010600040101010101" pitchFamily="2" charset="-122"/>
+              </a:rPr>
+              <a:t>个继电器（即</a:t>
+            </a:r>
+            <a:r>
+              <a:rPr lang="en-US" altLang="zh-CN" sz="1400" smtClean="0">
+                <a:latin typeface="华文楷体" panose="02010600040101010101" pitchFamily="2" charset="-122"/>
+                <a:ea typeface="华文楷体" panose="02010600040101010101" pitchFamily="2" charset="-122"/>
+              </a:rPr>
+              <a:t>2</a:t>
+            </a:r>
+            <a:r>
+              <a:rPr lang="zh-CN" altLang="en-US" sz="1400" smtClean="0">
+                <a:latin typeface="华文楷体" panose="02010600040101010101" pitchFamily="2" charset="-122"/>
+                <a:ea typeface="华文楷体" panose="02010600040101010101" pitchFamily="2" charset="-122"/>
+              </a:rPr>
+              <a:t>个</a:t>
+            </a:r>
+            <a:r>
+              <a:rPr lang="en-US" altLang="zh-CN" sz="1400" smtClean="0">
+                <a:latin typeface="华文楷体" panose="02010600040101010101" pitchFamily="2" charset="-122"/>
+                <a:ea typeface="华文楷体" panose="02010600040101010101" pitchFamily="2" charset="-122"/>
+              </a:rPr>
+              <a:t>PDU</a:t>
+            </a:r>
+            <a:r>
+              <a:rPr lang="zh-CN" altLang="en-US" sz="1400" smtClean="0">
+                <a:latin typeface="华文楷体" panose="02010600040101010101" pitchFamily="2" charset="-122"/>
+                <a:ea typeface="华文楷体" panose="02010600040101010101" pitchFamily="2" charset="-122"/>
+              </a:rPr>
+              <a:t>），</a:t>
+            </a:r>
+            <a:r>
+              <a:rPr lang="en-US" altLang="zh-CN" sz="1400" smtClean="0">
+                <a:latin typeface="华文楷体" panose="02010600040101010101" pitchFamily="2" charset="-122"/>
+                <a:ea typeface="华文楷体" panose="02010600040101010101" pitchFamily="2" charset="-122"/>
+              </a:rPr>
+              <a:t>PDU</a:t>
+            </a:r>
+            <a:r>
+              <a:rPr lang="zh-CN" altLang="en-US" sz="1400" smtClean="0">
+                <a:latin typeface="华文楷体" panose="02010600040101010101" pitchFamily="2" charset="-122"/>
+                <a:ea typeface="华文楷体" panose="02010600040101010101" pitchFamily="2" charset="-122"/>
+              </a:rPr>
+              <a:t>控制板的代码接口在</a:t>
+            </a:r>
+            <a:r>
+              <a:rPr lang="en-US" altLang="zh-CN" sz="1400" smtClean="0">
+                <a:latin typeface="华文楷体" panose="02010600040101010101" pitchFamily="2" charset="-122"/>
+                <a:ea typeface="华文楷体" panose="02010600040101010101" pitchFamily="2" charset="-122"/>
+              </a:rPr>
+              <a:t>relayCtrl</a:t>
+            </a:r>
+            <a:r>
+              <a:rPr lang="zh-CN" altLang="en-US" sz="1400" smtClean="0">
+                <a:latin typeface="华文楷体" panose="02010600040101010101" pitchFamily="2" charset="-122"/>
+                <a:ea typeface="华文楷体" panose="02010600040101010101" pitchFamily="2" charset="-122"/>
+              </a:rPr>
+              <a:t>代码文件夹里，通过它可以控制</a:t>
+            </a:r>
+            <a:r>
+              <a:rPr lang="en-US" altLang="zh-CN" sz="1400" smtClean="0">
+                <a:latin typeface="华文楷体" panose="02010600040101010101" pitchFamily="2" charset="-122"/>
+                <a:ea typeface="华文楷体" panose="02010600040101010101" pitchFamily="2" charset="-122"/>
+              </a:rPr>
+              <a:t>PDU</a:t>
+            </a:r>
+            <a:r>
+              <a:rPr lang="zh-CN" altLang="en-US" sz="1400" smtClean="0">
+                <a:latin typeface="华文楷体" panose="02010600040101010101" pitchFamily="2" charset="-122"/>
+                <a:ea typeface="华文楷体" panose="02010600040101010101" pitchFamily="2" charset="-122"/>
+              </a:rPr>
+              <a:t>板子的各路继电器</a:t>
             </a:r>
             <a:endParaRPr lang="zh-CN" altLang="en-US" sz="1400">
               <a:latin typeface="华文楷体" panose="02010600040101010101" pitchFamily="2" charset="-122"/>
